--- a/Präsentation.pptx
+++ b/Präsentation.pptx
@@ -19,6 +19,9 @@
     <p:sldId id="267" r:id="rId13"/>
     <p:sldId id="269" r:id="rId14"/>
     <p:sldId id="268" r:id="rId15"/>
+    <p:sldId id="270" r:id="rId16"/>
+    <p:sldId id="272" r:id="rId17"/>
+    <p:sldId id="271" r:id="rId18"/>
   </p:sldIdLst>
   <p:sldSz cx="12192000" cy="6858000"/>
   <p:notesSz cx="6858000" cy="9144000"/>
@@ -5534,6 +5537,282 @@
 </p:sld>
 </file>
 
+<file path=ppt/slides/slide15.xml><?xml version="1.0" encoding="utf-8"?>
+<p:sld xmlns:a="http://schemas.openxmlformats.org/drawingml/2006/main" xmlns:r="http://schemas.openxmlformats.org/officeDocument/2006/relationships" xmlns:p="http://schemas.openxmlformats.org/presentationml/2006/main">
+  <p:cSld>
+    <p:spTree>
+      <p:nvGrpSpPr>
+        <p:cNvPr id="1" name=""/>
+        <p:cNvGrpSpPr/>
+        <p:nvPr/>
+      </p:nvGrpSpPr>
+      <p:grpSpPr>
+        <a:xfrm>
+          <a:off x="0" y="0"/>
+          <a:ext cx="0" cy="0"/>
+          <a:chOff x="0" y="0"/>
+          <a:chExt cx="0" cy="0"/>
+        </a:xfrm>
+      </p:grpSpPr>
+      <p:sp>
+        <p:nvSpPr>
+          <p:cNvPr id="2" name="Titel 1">
+            <a:extLst>
+              <a:ext uri="{FF2B5EF4-FFF2-40B4-BE49-F238E27FC236}">
+                <a16:creationId xmlns:a16="http://schemas.microsoft.com/office/drawing/2014/main" id="{2B0A34EE-E04E-45D3-9B05-D0FD2057CA4D}"/>
+              </a:ext>
+            </a:extLst>
+          </p:cNvPr>
+          <p:cNvSpPr>
+            <a:spLocks noGrp="1"/>
+          </p:cNvSpPr>
+          <p:nvPr>
+            <p:ph type="title"/>
+          </p:nvPr>
+        </p:nvSpPr>
+        <p:spPr/>
+        <p:txBody>
+          <a:bodyPr/>
+          <a:lstStyle/>
+          <a:p>
+            <a:r>
+              <a:rPr lang="de-DE" dirty="0"/>
+              <a:t>Finanzierung</a:t>
+            </a:r>
+          </a:p>
+        </p:txBody>
+      </p:sp>
+      <p:sp>
+        <p:nvSpPr>
+          <p:cNvPr id="3" name="Inhaltsplatzhalter 2">
+            <a:extLst>
+              <a:ext uri="{FF2B5EF4-FFF2-40B4-BE49-F238E27FC236}">
+                <a16:creationId xmlns:a16="http://schemas.microsoft.com/office/drawing/2014/main" id="{263FDD4D-8F07-408C-9505-B23EA68EF684}"/>
+              </a:ext>
+            </a:extLst>
+          </p:cNvPr>
+          <p:cNvSpPr>
+            <a:spLocks noGrp="1"/>
+          </p:cNvSpPr>
+          <p:nvPr>
+            <p:ph idx="1"/>
+          </p:nvPr>
+        </p:nvSpPr>
+        <p:spPr/>
+        <p:txBody>
+          <a:bodyPr/>
+          <a:lstStyle/>
+          <a:p>
+            <a:r>
+              <a:rPr lang="de-DE" dirty="0"/>
+              <a:t>Bedarf gering</a:t>
+            </a:r>
+          </a:p>
+          <a:p>
+            <a:r>
+              <a:rPr lang="de-DE" dirty="0"/>
+              <a:t>Am besten Friends &amp; Family</a:t>
+            </a:r>
+          </a:p>
+        </p:txBody>
+      </p:sp>
+    </p:spTree>
+    <p:extLst>
+      <p:ext uri="{BB962C8B-B14F-4D97-AF65-F5344CB8AC3E}">
+        <p14:creationId xmlns:p14="http://schemas.microsoft.com/office/powerpoint/2010/main" val="2910883774"/>
+      </p:ext>
+    </p:extLst>
+  </p:cSld>
+  <p:clrMapOvr>
+    <a:masterClrMapping/>
+  </p:clrMapOvr>
+</p:sld>
+</file>
+
+<file path=ppt/slides/slide16.xml><?xml version="1.0" encoding="utf-8"?>
+<p:sld xmlns:a="http://schemas.openxmlformats.org/drawingml/2006/main" xmlns:r="http://schemas.openxmlformats.org/officeDocument/2006/relationships" xmlns:p="http://schemas.openxmlformats.org/presentationml/2006/main">
+  <p:cSld>
+    <p:spTree>
+      <p:nvGrpSpPr>
+        <p:cNvPr id="1" name=""/>
+        <p:cNvGrpSpPr/>
+        <p:nvPr/>
+      </p:nvGrpSpPr>
+      <p:grpSpPr>
+        <a:xfrm>
+          <a:off x="0" y="0"/>
+          <a:ext cx="0" cy="0"/>
+          <a:chOff x="0" y="0"/>
+          <a:chExt cx="0" cy="0"/>
+        </a:xfrm>
+      </p:grpSpPr>
+      <p:sp>
+        <p:nvSpPr>
+          <p:cNvPr id="2" name="Titel 1">
+            <a:extLst>
+              <a:ext uri="{FF2B5EF4-FFF2-40B4-BE49-F238E27FC236}">
+                <a16:creationId xmlns:a16="http://schemas.microsoft.com/office/drawing/2014/main" id="{18FB7D32-4568-41B2-93A8-934F6A49042E}"/>
+              </a:ext>
+            </a:extLst>
+          </p:cNvPr>
+          <p:cNvSpPr>
+            <a:spLocks noGrp="1"/>
+          </p:cNvSpPr>
+          <p:nvPr>
+            <p:ph type="title"/>
+          </p:nvPr>
+        </p:nvSpPr>
+        <p:spPr/>
+        <p:txBody>
+          <a:bodyPr/>
+          <a:lstStyle/>
+          <a:p>
+            <a:r>
+              <a:rPr lang="de-DE" dirty="0"/>
+              <a:t>Geschäftsform</a:t>
+            </a:r>
+          </a:p>
+        </p:txBody>
+      </p:sp>
+      <p:sp>
+        <p:nvSpPr>
+          <p:cNvPr id="3" name="Inhaltsplatzhalter 2">
+            <a:extLst>
+              <a:ext uri="{FF2B5EF4-FFF2-40B4-BE49-F238E27FC236}">
+                <a16:creationId xmlns:a16="http://schemas.microsoft.com/office/drawing/2014/main" id="{6C287BC1-B35D-4006-857F-BB78294722E3}"/>
+              </a:ext>
+            </a:extLst>
+          </p:cNvPr>
+          <p:cNvSpPr>
+            <a:spLocks noGrp="1"/>
+          </p:cNvSpPr>
+          <p:nvPr>
+            <p:ph idx="1"/>
+          </p:nvPr>
+        </p:nvSpPr>
+        <p:spPr/>
+        <p:txBody>
+          <a:bodyPr/>
+          <a:lstStyle/>
+          <a:p>
+            <a:r>
+              <a:rPr lang="de-DE" dirty="0"/>
+              <a:t>UG / GbR</a:t>
+            </a:r>
+          </a:p>
+          <a:p>
+            <a:r>
+              <a:rPr lang="de-DE" dirty="0"/>
+              <a:t>eigentlich egal, da mit unserem Produkt keine großen Risiken</a:t>
+            </a:r>
+          </a:p>
+          <a:p>
+            <a:r>
+              <a:rPr lang="de-DE" dirty="0"/>
+              <a:t>ggf. leichtere Finanzierung</a:t>
+            </a:r>
+          </a:p>
+        </p:txBody>
+      </p:sp>
+    </p:spTree>
+    <p:extLst>
+      <p:ext uri="{BB962C8B-B14F-4D97-AF65-F5344CB8AC3E}">
+        <p14:creationId xmlns:p14="http://schemas.microsoft.com/office/powerpoint/2010/main" val="828659712"/>
+      </p:ext>
+    </p:extLst>
+  </p:cSld>
+  <p:clrMapOvr>
+    <a:masterClrMapping/>
+  </p:clrMapOvr>
+</p:sld>
+</file>
+
+<file path=ppt/slides/slide17.xml><?xml version="1.0" encoding="utf-8"?>
+<p:sld xmlns:a="http://schemas.openxmlformats.org/drawingml/2006/main" xmlns:r="http://schemas.openxmlformats.org/officeDocument/2006/relationships" xmlns:p="http://schemas.openxmlformats.org/presentationml/2006/main">
+  <p:cSld>
+    <p:spTree>
+      <p:nvGrpSpPr>
+        <p:cNvPr id="1" name=""/>
+        <p:cNvGrpSpPr/>
+        <p:nvPr/>
+      </p:nvGrpSpPr>
+      <p:grpSpPr>
+        <a:xfrm>
+          <a:off x="0" y="0"/>
+          <a:ext cx="0" cy="0"/>
+          <a:chOff x="0" y="0"/>
+          <a:chExt cx="0" cy="0"/>
+        </a:xfrm>
+      </p:grpSpPr>
+      <p:sp>
+        <p:nvSpPr>
+          <p:cNvPr id="2" name="Titel 1">
+            <a:extLst>
+              <a:ext uri="{FF2B5EF4-FFF2-40B4-BE49-F238E27FC236}">
+                <a16:creationId xmlns:a16="http://schemas.microsoft.com/office/drawing/2014/main" id="{3CFA8E29-93D0-4B49-A698-120EE54213B0}"/>
+              </a:ext>
+            </a:extLst>
+          </p:cNvPr>
+          <p:cNvSpPr>
+            <a:spLocks noGrp="1"/>
+          </p:cNvSpPr>
+          <p:nvPr>
+            <p:ph type="title"/>
+          </p:nvPr>
+        </p:nvSpPr>
+        <p:spPr/>
+        <p:txBody>
+          <a:bodyPr/>
+          <a:lstStyle/>
+          <a:p>
+            <a:r>
+              <a:rPr lang="de-DE" dirty="0"/>
+              <a:t>Patent oder schnell in den Markt?</a:t>
+            </a:r>
+          </a:p>
+        </p:txBody>
+      </p:sp>
+      <p:sp>
+        <p:nvSpPr>
+          <p:cNvPr id="3" name="Inhaltsplatzhalter 2">
+            <a:extLst>
+              <a:ext uri="{FF2B5EF4-FFF2-40B4-BE49-F238E27FC236}">
+                <a16:creationId xmlns:a16="http://schemas.microsoft.com/office/drawing/2014/main" id="{4A31E7D8-02C1-4060-8249-2F761FAC0AC0}"/>
+              </a:ext>
+            </a:extLst>
+          </p:cNvPr>
+          <p:cNvSpPr>
+            <a:spLocks noGrp="1"/>
+          </p:cNvSpPr>
+          <p:nvPr>
+            <p:ph idx="1"/>
+          </p:nvPr>
+        </p:nvSpPr>
+        <p:spPr/>
+        <p:txBody>
+          <a:bodyPr/>
+          <a:lstStyle/>
+          <a:p>
+            <a:r>
+              <a:rPr lang="de-DE" dirty="0"/>
+              <a:t>Patent ist nicht notwendig</a:t>
+            </a:r>
+          </a:p>
+        </p:txBody>
+      </p:sp>
+    </p:spTree>
+    <p:extLst>
+      <p:ext uri="{BB962C8B-B14F-4D97-AF65-F5344CB8AC3E}">
+        <p14:creationId xmlns:p14="http://schemas.microsoft.com/office/powerpoint/2010/main" val="2825474165"/>
+      </p:ext>
+    </p:extLst>
+  </p:cSld>
+  <p:clrMapOvr>
+    <a:masterClrMapping/>
+  </p:clrMapOvr>
+</p:sld>
+</file>
+
 <file path=ppt/slides/slide2.xml><?xml version="1.0" encoding="utf-8"?>
 <p:sld xmlns:a="http://schemas.openxmlformats.org/drawingml/2006/main" xmlns:r="http://schemas.openxmlformats.org/officeDocument/2006/relationships" xmlns:p="http://schemas.openxmlformats.org/presentationml/2006/main">
   <p:cSld>

--- a/Präsentation.pptx
+++ b/Präsentation.pptx
@@ -4,24 +4,32 @@
   <p:sldMasterIdLst>
     <p:sldMasterId id="2147483840" r:id="rId1"/>
   </p:sldMasterIdLst>
+  <p:notesMasterIdLst>
+    <p:notesMasterId r:id="rId24"/>
+  </p:notesMasterIdLst>
   <p:sldIdLst>
     <p:sldId id="256" r:id="rId2"/>
     <p:sldId id="260" r:id="rId3"/>
-    <p:sldId id="257" r:id="rId4"/>
-    <p:sldId id="258" r:id="rId5"/>
-    <p:sldId id="259" r:id="rId6"/>
-    <p:sldId id="261" r:id="rId7"/>
-    <p:sldId id="262" r:id="rId8"/>
-    <p:sldId id="263" r:id="rId9"/>
-    <p:sldId id="264" r:id="rId10"/>
-    <p:sldId id="265" r:id="rId11"/>
-    <p:sldId id="266" r:id="rId12"/>
-    <p:sldId id="267" r:id="rId13"/>
-    <p:sldId id="269" r:id="rId14"/>
-    <p:sldId id="268" r:id="rId15"/>
-    <p:sldId id="270" r:id="rId16"/>
-    <p:sldId id="272" r:id="rId17"/>
-    <p:sldId id="271" r:id="rId18"/>
+    <p:sldId id="274" r:id="rId4"/>
+    <p:sldId id="257" r:id="rId5"/>
+    <p:sldId id="258" r:id="rId6"/>
+    <p:sldId id="259" r:id="rId7"/>
+    <p:sldId id="261" r:id="rId8"/>
+    <p:sldId id="262" r:id="rId9"/>
+    <p:sldId id="263" r:id="rId10"/>
+    <p:sldId id="264" r:id="rId11"/>
+    <p:sldId id="265" r:id="rId12"/>
+    <p:sldId id="266" r:id="rId13"/>
+    <p:sldId id="267" r:id="rId14"/>
+    <p:sldId id="269" r:id="rId15"/>
+    <p:sldId id="268" r:id="rId16"/>
+    <p:sldId id="275" r:id="rId17"/>
+    <p:sldId id="270" r:id="rId18"/>
+    <p:sldId id="272" r:id="rId19"/>
+    <p:sldId id="271" r:id="rId20"/>
+    <p:sldId id="273" r:id="rId21"/>
+    <p:sldId id="276" r:id="rId22"/>
+    <p:sldId id="277" r:id="rId23"/>
   </p:sldIdLst>
   <p:sldSz cx="12192000" cy="6858000"/>
   <p:notesSz cx="6858000" cy="9144000"/>
@@ -132,6 +140,355 @@
 <p1510:revInfo xmlns:a="http://schemas.openxmlformats.org/drawingml/2006/main" xmlns:r="http://schemas.openxmlformats.org/officeDocument/2006/relationships" xmlns:p1510="http://schemas.microsoft.com/office/powerpoint/2015/10/main"/>
 </file>
 
+<file path=ppt/notesMasters/notesMaster1.xml><?xml version="1.0" encoding="utf-8"?>
+<p:notesMaster xmlns:a="http://schemas.openxmlformats.org/drawingml/2006/main" xmlns:r="http://schemas.openxmlformats.org/officeDocument/2006/relationships" xmlns:p="http://schemas.openxmlformats.org/presentationml/2006/main">
+  <p:cSld>
+    <p:bg>
+      <p:bgRef idx="1001">
+        <a:schemeClr val="bg1"/>
+      </p:bgRef>
+    </p:bg>
+    <p:spTree>
+      <p:nvGrpSpPr>
+        <p:cNvPr id="1" name=""/>
+        <p:cNvGrpSpPr/>
+        <p:nvPr/>
+      </p:nvGrpSpPr>
+      <p:grpSpPr>
+        <a:xfrm>
+          <a:off x="0" y="0"/>
+          <a:ext cx="0" cy="0"/>
+          <a:chOff x="0" y="0"/>
+          <a:chExt cx="0" cy="0"/>
+        </a:xfrm>
+      </p:grpSpPr>
+      <p:sp>
+        <p:nvSpPr>
+          <p:cNvPr id="2" name="Kopfzeilenplatzhalter 1"/>
+          <p:cNvSpPr>
+            <a:spLocks noGrp="1"/>
+          </p:cNvSpPr>
+          <p:nvPr>
+            <p:ph type="hdr" sz="quarter"/>
+          </p:nvPr>
+        </p:nvSpPr>
+        <p:spPr>
+          <a:xfrm>
+            <a:off x="0" y="0"/>
+            <a:ext cx="2971800" cy="458788"/>
+          </a:xfrm>
+          <a:prstGeom prst="rect">
+            <a:avLst/>
+          </a:prstGeom>
+        </p:spPr>
+        <p:txBody>
+          <a:bodyPr vert="horz" lIns="91440" tIns="45720" rIns="91440" bIns="45720" rtlCol="0"/>
+          <a:lstStyle>
+            <a:lvl1pPr algn="l">
+              <a:defRPr sz="1200"/>
+            </a:lvl1pPr>
+          </a:lstStyle>
+          <a:p>
+            <a:endParaRPr lang="de-DE" dirty="0"/>
+          </a:p>
+        </p:txBody>
+      </p:sp>
+      <p:sp>
+        <p:nvSpPr>
+          <p:cNvPr id="3" name="Datumsplatzhalter 2"/>
+          <p:cNvSpPr>
+            <a:spLocks noGrp="1"/>
+          </p:cNvSpPr>
+          <p:nvPr>
+            <p:ph type="dt" idx="1"/>
+          </p:nvPr>
+        </p:nvSpPr>
+        <p:spPr>
+          <a:xfrm>
+            <a:off x="3884613" y="0"/>
+            <a:ext cx="2971800" cy="458788"/>
+          </a:xfrm>
+          <a:prstGeom prst="rect">
+            <a:avLst/>
+          </a:prstGeom>
+        </p:spPr>
+        <p:txBody>
+          <a:bodyPr vert="horz" lIns="91440" tIns="45720" rIns="91440" bIns="45720" rtlCol="0"/>
+          <a:lstStyle>
+            <a:lvl1pPr algn="r">
+              <a:defRPr sz="1200"/>
+            </a:lvl1pPr>
+          </a:lstStyle>
+          <a:p>
+            <a:fld id="{7F25B902-8226-4635-9754-C5921A9652AF}" type="datetimeFigureOut">
+              <a:rPr lang="de-DE" smtClean="0"/>
+              <a:t>05.12.2017</a:t>
+            </a:fld>
+            <a:endParaRPr lang="de-DE" dirty="0"/>
+          </a:p>
+        </p:txBody>
+      </p:sp>
+      <p:sp>
+        <p:nvSpPr>
+          <p:cNvPr id="4" name="Folienbildplatzhalter 3"/>
+          <p:cNvSpPr>
+            <a:spLocks noGrp="1" noRot="1" noChangeAspect="1"/>
+          </p:cNvSpPr>
+          <p:nvPr>
+            <p:ph type="sldImg" idx="2"/>
+          </p:nvPr>
+        </p:nvSpPr>
+        <p:spPr>
+          <a:xfrm>
+            <a:off x="685800" y="1143000"/>
+            <a:ext cx="5486400" cy="3086100"/>
+          </a:xfrm>
+          <a:prstGeom prst="rect">
+            <a:avLst/>
+          </a:prstGeom>
+          <a:noFill/>
+          <a:ln w="12700">
+            <a:solidFill>
+              <a:prstClr val="black"/>
+            </a:solidFill>
+          </a:ln>
+        </p:spPr>
+        <p:txBody>
+          <a:bodyPr vert="horz" lIns="91440" tIns="45720" rIns="91440" bIns="45720" rtlCol="0" anchor="ctr"/>
+          <a:lstStyle/>
+          <a:p>
+            <a:endParaRPr lang="de-DE" dirty="0"/>
+          </a:p>
+        </p:txBody>
+      </p:sp>
+      <p:sp>
+        <p:nvSpPr>
+          <p:cNvPr id="5" name="Notizenplatzhalter 4"/>
+          <p:cNvSpPr>
+            <a:spLocks noGrp="1"/>
+          </p:cNvSpPr>
+          <p:nvPr>
+            <p:ph type="body" sz="quarter" idx="3"/>
+          </p:nvPr>
+        </p:nvSpPr>
+        <p:spPr>
+          <a:xfrm>
+            <a:off x="685800" y="4400550"/>
+            <a:ext cx="5486400" cy="3600450"/>
+          </a:xfrm>
+          <a:prstGeom prst="rect">
+            <a:avLst/>
+          </a:prstGeom>
+        </p:spPr>
+        <p:txBody>
+          <a:bodyPr vert="horz" lIns="91440" tIns="45720" rIns="91440" bIns="45720" rtlCol="0"/>
+          <a:lstStyle/>
+          <a:p>
+            <a:pPr lvl="0"/>
+            <a:r>
+              <a:rPr lang="de-DE"/>
+              <a:t>Mastertextformat bearbeiten</a:t>
+            </a:r>
+          </a:p>
+          <a:p>
+            <a:pPr lvl="1"/>
+            <a:r>
+              <a:rPr lang="de-DE"/>
+              <a:t>Zweite Ebene</a:t>
+            </a:r>
+          </a:p>
+          <a:p>
+            <a:pPr lvl="2"/>
+            <a:r>
+              <a:rPr lang="de-DE"/>
+              <a:t>Dritte Ebene</a:t>
+            </a:r>
+          </a:p>
+          <a:p>
+            <a:pPr lvl="3"/>
+            <a:r>
+              <a:rPr lang="de-DE"/>
+              <a:t>Vierte Ebene</a:t>
+            </a:r>
+          </a:p>
+          <a:p>
+            <a:pPr lvl="4"/>
+            <a:r>
+              <a:rPr lang="de-DE"/>
+              <a:t>Fünfte Ebene</a:t>
+            </a:r>
+          </a:p>
+        </p:txBody>
+      </p:sp>
+      <p:sp>
+        <p:nvSpPr>
+          <p:cNvPr id="6" name="Fußzeilenplatzhalter 5"/>
+          <p:cNvSpPr>
+            <a:spLocks noGrp="1"/>
+          </p:cNvSpPr>
+          <p:nvPr>
+            <p:ph type="ftr" sz="quarter" idx="4"/>
+          </p:nvPr>
+        </p:nvSpPr>
+        <p:spPr>
+          <a:xfrm>
+            <a:off x="0" y="8685213"/>
+            <a:ext cx="2971800" cy="458787"/>
+          </a:xfrm>
+          <a:prstGeom prst="rect">
+            <a:avLst/>
+          </a:prstGeom>
+        </p:spPr>
+        <p:txBody>
+          <a:bodyPr vert="horz" lIns="91440" tIns="45720" rIns="91440" bIns="45720" rtlCol="0" anchor="b"/>
+          <a:lstStyle>
+            <a:lvl1pPr algn="l">
+              <a:defRPr sz="1200"/>
+            </a:lvl1pPr>
+          </a:lstStyle>
+          <a:p>
+            <a:endParaRPr lang="de-DE" dirty="0"/>
+          </a:p>
+        </p:txBody>
+      </p:sp>
+      <p:sp>
+        <p:nvSpPr>
+          <p:cNvPr id="7" name="Foliennummernplatzhalter 6"/>
+          <p:cNvSpPr>
+            <a:spLocks noGrp="1"/>
+          </p:cNvSpPr>
+          <p:nvPr>
+            <p:ph type="sldNum" sz="quarter" idx="5"/>
+          </p:nvPr>
+        </p:nvSpPr>
+        <p:spPr>
+          <a:xfrm>
+            <a:off x="3884613" y="8685213"/>
+            <a:ext cx="2971800" cy="458787"/>
+          </a:xfrm>
+          <a:prstGeom prst="rect">
+            <a:avLst/>
+          </a:prstGeom>
+        </p:spPr>
+        <p:txBody>
+          <a:bodyPr vert="horz" lIns="91440" tIns="45720" rIns="91440" bIns="45720" rtlCol="0" anchor="b"/>
+          <a:lstStyle>
+            <a:lvl1pPr algn="r">
+              <a:defRPr sz="1200"/>
+            </a:lvl1pPr>
+          </a:lstStyle>
+          <a:p>
+            <a:fld id="{B0A1312F-0F4C-4A4B-8FB3-D3437DC0EA4A}" type="slidenum">
+              <a:rPr lang="de-DE" smtClean="0"/>
+              <a:t>‹Nr.›</a:t>
+            </a:fld>
+            <a:endParaRPr lang="de-DE" dirty="0"/>
+          </a:p>
+        </p:txBody>
+      </p:sp>
+    </p:spTree>
+    <p:extLst>
+      <p:ext uri="{BB962C8B-B14F-4D97-AF65-F5344CB8AC3E}">
+        <p14:creationId xmlns:p14="http://schemas.microsoft.com/office/powerpoint/2010/main" val="1787027810"/>
+      </p:ext>
+    </p:extLst>
+  </p:cSld>
+  <p:clrMap bg1="lt1" tx1="dk1" bg2="lt2" tx2="dk2" accent1="accent1" accent2="accent2" accent3="accent3" accent4="accent4" accent5="accent5" accent6="accent6" hlink="hlink" folHlink="folHlink"/>
+  <p:notesStyle>
+    <a:lvl1pPr marL="0" algn="l" defTabSz="914400" rtl="0" eaLnBrk="1" latinLnBrk="0" hangingPunct="1">
+      <a:defRPr sz="1200" kern="1200">
+        <a:solidFill>
+          <a:schemeClr val="tx1"/>
+        </a:solidFill>
+        <a:latin typeface="+mn-lt"/>
+        <a:ea typeface="+mn-ea"/>
+        <a:cs typeface="+mn-cs"/>
+      </a:defRPr>
+    </a:lvl1pPr>
+    <a:lvl2pPr marL="457200" algn="l" defTabSz="914400" rtl="0" eaLnBrk="1" latinLnBrk="0" hangingPunct="1">
+      <a:defRPr sz="1200" kern="1200">
+        <a:solidFill>
+          <a:schemeClr val="tx1"/>
+        </a:solidFill>
+        <a:latin typeface="+mn-lt"/>
+        <a:ea typeface="+mn-ea"/>
+        <a:cs typeface="+mn-cs"/>
+      </a:defRPr>
+    </a:lvl2pPr>
+    <a:lvl3pPr marL="914400" algn="l" defTabSz="914400" rtl="0" eaLnBrk="1" latinLnBrk="0" hangingPunct="1">
+      <a:defRPr sz="1200" kern="1200">
+        <a:solidFill>
+          <a:schemeClr val="tx1"/>
+        </a:solidFill>
+        <a:latin typeface="+mn-lt"/>
+        <a:ea typeface="+mn-ea"/>
+        <a:cs typeface="+mn-cs"/>
+      </a:defRPr>
+    </a:lvl3pPr>
+    <a:lvl4pPr marL="1371600" algn="l" defTabSz="914400" rtl="0" eaLnBrk="1" latinLnBrk="0" hangingPunct="1">
+      <a:defRPr sz="1200" kern="1200">
+        <a:solidFill>
+          <a:schemeClr val="tx1"/>
+        </a:solidFill>
+        <a:latin typeface="+mn-lt"/>
+        <a:ea typeface="+mn-ea"/>
+        <a:cs typeface="+mn-cs"/>
+      </a:defRPr>
+    </a:lvl4pPr>
+    <a:lvl5pPr marL="1828800" algn="l" defTabSz="914400" rtl="0" eaLnBrk="1" latinLnBrk="0" hangingPunct="1">
+      <a:defRPr sz="1200" kern="1200">
+        <a:solidFill>
+          <a:schemeClr val="tx1"/>
+        </a:solidFill>
+        <a:latin typeface="+mn-lt"/>
+        <a:ea typeface="+mn-ea"/>
+        <a:cs typeface="+mn-cs"/>
+      </a:defRPr>
+    </a:lvl5pPr>
+    <a:lvl6pPr marL="2286000" algn="l" defTabSz="914400" rtl="0" eaLnBrk="1" latinLnBrk="0" hangingPunct="1">
+      <a:defRPr sz="1200" kern="1200">
+        <a:solidFill>
+          <a:schemeClr val="tx1"/>
+        </a:solidFill>
+        <a:latin typeface="+mn-lt"/>
+        <a:ea typeface="+mn-ea"/>
+        <a:cs typeface="+mn-cs"/>
+      </a:defRPr>
+    </a:lvl6pPr>
+    <a:lvl7pPr marL="2743200" algn="l" defTabSz="914400" rtl="0" eaLnBrk="1" latinLnBrk="0" hangingPunct="1">
+      <a:defRPr sz="1200" kern="1200">
+        <a:solidFill>
+          <a:schemeClr val="tx1"/>
+        </a:solidFill>
+        <a:latin typeface="+mn-lt"/>
+        <a:ea typeface="+mn-ea"/>
+        <a:cs typeface="+mn-cs"/>
+      </a:defRPr>
+    </a:lvl7pPr>
+    <a:lvl8pPr marL="3200400" algn="l" defTabSz="914400" rtl="0" eaLnBrk="1" latinLnBrk="0" hangingPunct="1">
+      <a:defRPr sz="1200" kern="1200">
+        <a:solidFill>
+          <a:schemeClr val="tx1"/>
+        </a:solidFill>
+        <a:latin typeface="+mn-lt"/>
+        <a:ea typeface="+mn-ea"/>
+        <a:cs typeface="+mn-cs"/>
+      </a:defRPr>
+    </a:lvl8pPr>
+    <a:lvl9pPr marL="3657600" algn="l" defTabSz="914400" rtl="0" eaLnBrk="1" latinLnBrk="0" hangingPunct="1">
+      <a:defRPr sz="1200" kern="1200">
+        <a:solidFill>
+          <a:schemeClr val="tx1"/>
+        </a:solidFill>
+        <a:latin typeface="+mn-lt"/>
+        <a:ea typeface="+mn-ea"/>
+        <a:cs typeface="+mn-cs"/>
+      </a:defRPr>
+    </a:lvl9pPr>
+  </p:notesStyle>
+</p:notesMaster>
+</file>
+
 <file path=ppt/slideLayouts/slideLayout1.xml><?xml version="1.0" encoding="utf-8"?>
 <p:sldLayout xmlns:a="http://schemas.openxmlformats.org/drawingml/2006/main" xmlns:r="http://schemas.openxmlformats.org/officeDocument/2006/relationships" xmlns:p="http://schemas.openxmlformats.org/presentationml/2006/main" showMasterSp="0" type="title" preserve="1">
   <p:cSld name="Titelfolie">
@@ -533,9 +890,9 @@
           <a:bodyPr/>
           <a:lstStyle/>
           <a:p>
-            <a:fld id="{83284890-85D2-4D7B-8EF5-15A9C1DB8F42}" type="datetimeFigureOut">
-              <a:rPr lang="en-US" dirty="0"/>
-              <a:t>11/28/2017</a:t>
+            <a:fld id="{5FBA5A71-6BD3-480F-9759-2BB3084220F4}" type="datetime1">
+              <a:rPr lang="en-US" smtClean="0"/>
+              <a:t>12/5/2017</a:t>
             </a:fld>
             <a:endParaRPr lang="en-US" dirty="0"/>
           </a:p>
@@ -708,9 +1065,9 @@
           <a:bodyPr/>
           <a:lstStyle/>
           <a:p>
-            <a:fld id="{87157CC2-0FC8-4686-B024-99790E0F5162}" type="datetimeFigureOut">
-              <a:rPr lang="en-US" dirty="0"/>
-              <a:t>11/28/2017</a:t>
+            <a:fld id="{6B4F17F1-269D-43DC-BD70-904E0CA622BE}" type="datetime1">
+              <a:rPr lang="en-US" smtClean="0"/>
+              <a:t>12/5/2017</a:t>
             </a:fld>
             <a:endParaRPr lang="en-US" dirty="0"/>
           </a:p>
@@ -883,9 +1240,9 @@
           <a:bodyPr/>
           <a:lstStyle/>
           <a:p>
-            <a:fld id="{F6764DA5-CD3D-4590-A511-FCD3BC7A793E}" type="datetimeFigureOut">
-              <a:rPr lang="en-US" dirty="0"/>
-              <a:t>11/28/2017</a:t>
+            <a:fld id="{122849F1-4008-49B9-AFE8-976EABB41E71}" type="datetime1">
+              <a:rPr lang="en-US" smtClean="0"/>
+              <a:t>12/5/2017</a:t>
             </a:fld>
             <a:endParaRPr lang="en-US" dirty="0"/>
           </a:p>
@@ -1048,9 +1405,9 @@
           <a:bodyPr/>
           <a:lstStyle/>
           <a:p>
-            <a:fld id="{82F5661D-6934-4B32-B92C-470368BF1EC6}" type="datetimeFigureOut">
-              <a:rPr lang="en-US" dirty="0"/>
-              <a:t>11/28/2017</a:t>
+            <a:fld id="{358B7A8A-9313-42A5-8A75-EF1F266C973D}" type="datetime1">
+              <a:rPr lang="en-US" smtClean="0"/>
+              <a:t>12/5/2017</a:t>
             </a:fld>
             <a:endParaRPr lang="en-US" dirty="0"/>
           </a:p>
@@ -1356,9 +1713,9 @@
           <a:bodyPr/>
           <a:lstStyle/>
           <a:p>
-            <a:fld id="{C6F822A4-8DA6-4447-9B1F-C5DB58435268}" type="datetimeFigureOut">
-              <a:rPr lang="en-US" dirty="0"/>
-              <a:t>11/28/2017</a:t>
+            <a:fld id="{18BF9F77-35C6-4BE5-BFEB-DAE518CAB825}" type="datetime1">
+              <a:rPr lang="en-US" smtClean="0"/>
+              <a:t>12/5/2017</a:t>
             </a:fld>
             <a:endParaRPr lang="en-US" dirty="0"/>
           </a:p>
@@ -1738,9 +2095,9 @@
           <a:bodyPr/>
           <a:lstStyle/>
           <a:p>
-            <a:fld id="{E548D31E-DCDA-41A7-9C67-C4B11B94D21D}" type="datetimeFigureOut">
-              <a:rPr lang="en-US" dirty="0"/>
-              <a:t>11/28/2017</a:t>
+            <a:fld id="{81CC2040-1409-446B-94B6-3099F0C12F70}" type="datetime1">
+              <a:rPr lang="en-US" smtClean="0"/>
+              <a:t>12/5/2017</a:t>
             </a:fld>
             <a:endParaRPr lang="en-US" dirty="0"/>
           </a:p>
@@ -2167,9 +2524,9 @@
           <a:bodyPr/>
           <a:lstStyle/>
           <a:p>
-            <a:fld id="{9B3762C0-B258-48F1-ADE6-176B4174CCDD}" type="datetimeFigureOut">
-              <a:rPr lang="en-US" dirty="0"/>
-              <a:t>11/28/2017</a:t>
+            <a:fld id="{27D6035E-EA8E-4A70-A82D-1CB39E288AD8}" type="datetime1">
+              <a:rPr lang="en-US" smtClean="0"/>
+              <a:t>12/5/2017</a:t>
             </a:fld>
             <a:endParaRPr lang="en-US" dirty="0"/>
           </a:p>
@@ -2280,9 +2637,9 @@
           <a:bodyPr/>
           <a:lstStyle/>
           <a:p>
-            <a:fld id="{677919A6-33EB-49BD-A62F-1FA56B9F9712}" type="datetimeFigureOut">
-              <a:rPr lang="en-US" dirty="0"/>
-              <a:t>11/28/2017</a:t>
+            <a:fld id="{DFED80AF-49FC-450E-8DD3-F823659F6838}" type="datetime1">
+              <a:rPr lang="en-US" smtClean="0"/>
+              <a:t>12/5/2017</a:t>
             </a:fld>
             <a:endParaRPr lang="en-US" dirty="0"/>
           </a:p>
@@ -2370,9 +2727,9 @@
           <a:bodyPr/>
           <a:lstStyle/>
           <a:p>
-            <a:fld id="{CA4E7D1B-D673-4CF6-8672-009D42ABD2A0}" type="datetimeFigureOut">
-              <a:rPr lang="en-US" dirty="0"/>
-              <a:t>11/28/2017</a:t>
+            <a:fld id="{A9D8BD9D-A4CD-47B5-A984-A42AB2EDF017}" type="datetime1">
+              <a:rPr lang="en-US" smtClean="0"/>
+              <a:t>12/5/2017</a:t>
             </a:fld>
             <a:endParaRPr lang="en-US" dirty="0"/>
           </a:p>
@@ -2715,9 +3072,9 @@
           <a:bodyPr/>
           <a:lstStyle/>
           <a:p>
-            <a:fld id="{DA16AA21-1863-4931-97CB-99D0A168701B}" type="datetimeFigureOut">
-              <a:rPr lang="en-US" dirty="0"/>
-              <a:t>11/28/2017</a:t>
+            <a:fld id="{70F7B7B7-7731-4AE4-AF7B-A2A2D7BD1621}" type="datetime1">
+              <a:rPr lang="en-US" smtClean="0"/>
+              <a:t>12/5/2017</a:t>
             </a:fld>
             <a:endParaRPr lang="en-US" dirty="0"/>
           </a:p>
@@ -3034,7 +3391,7 @@
           </a:lstStyle>
           <a:p>
             <a:r>
-              <a:rPr lang="de-DE"/>
+              <a:rPr lang="de-DE" dirty="0"/>
               <a:t>Bild durch Klicken auf Symbol hinzufügen</a:t>
             </a:r>
             <a:endParaRPr lang="en-US" dirty="0"/>
@@ -3135,9 +3492,9 @@
           <a:bodyPr/>
           <a:lstStyle/>
           <a:p>
-            <a:fld id="{3772C379-9A7C-4C87-A116-CBE9F58B04C5}" type="datetimeFigureOut">
-              <a:rPr lang="en-US" dirty="0"/>
-              <a:t>11/28/2017</a:t>
+            <a:fld id="{405C13E6-E124-475C-A52A-51B23B41583F}" type="datetime1">
+              <a:rPr lang="en-US" smtClean="0"/>
+              <a:t>12/5/2017</a:t>
             </a:fld>
             <a:endParaRPr lang="en-US" dirty="0"/>
           </a:p>
@@ -3411,9 +3768,9 @@
             </a:lvl1pPr>
           </a:lstStyle>
           <a:p>
-            <a:fld id="{8664C608-40B1-4030-A28D-5B74BC98ADCE}" type="datetimeFigureOut">
-              <a:rPr lang="en-US" dirty="0"/>
-              <a:t>11/28/2017</a:t>
+            <a:fld id="{920FEE2E-9D46-4F31-8D73-7186675940B4}" type="datetime1">
+              <a:rPr lang="en-US" smtClean="0"/>
+              <a:t>12/5/2017</a:t>
             </a:fld>
             <a:endParaRPr lang="en-US" dirty="0"/>
           </a:p>
@@ -3600,7 +3957,7 @@
     <p:sldLayoutId id="2147483850" r:id="rId10"/>
     <p:sldLayoutId id="2147483851" r:id="rId11"/>
   </p:sldLayoutIdLst>
-  <p:hf sldNum="0" hdr="0" ftr="0" dt="0"/>
+  <p:hf hdr="0" ftr="0" dt="0"/>
   <p:txStyles>
     <p:titleStyle>
       <a:lvl1pPr algn="l" defTabSz="914400" rtl="0" eaLnBrk="1" latinLnBrk="0" hangingPunct="1">
@@ -4042,6 +4399,36 @@
           </a:p>
         </p:txBody>
       </p:sp>
+      <p:sp>
+        <p:nvSpPr>
+          <p:cNvPr id="4" name="Foliennummernplatzhalter 3">
+            <a:extLst>
+              <a:ext uri="{FF2B5EF4-FFF2-40B4-BE49-F238E27FC236}">
+                <a16:creationId xmlns:a16="http://schemas.microsoft.com/office/drawing/2014/main" id="{A5F10CB0-4EA2-4810-9405-94F95FBE043F}"/>
+              </a:ext>
+            </a:extLst>
+          </p:cNvPr>
+          <p:cNvSpPr>
+            <a:spLocks noGrp="1"/>
+          </p:cNvSpPr>
+          <p:nvPr>
+            <p:ph type="sldNum" sz="quarter" idx="12"/>
+          </p:nvPr>
+        </p:nvSpPr>
+        <p:spPr/>
+        <p:txBody>
+          <a:bodyPr/>
+          <a:lstStyle/>
+          <a:p>
+            <a:fld id="{4FAB73BC-B049-4115-A692-8D63A059BFB8}" type="slidenum">
+              <a:rPr lang="en-US" smtClean="0"/>
+              <a:pPr/>
+              <a:t>1</a:t>
+            </a:fld>
+            <a:endParaRPr lang="en-US" dirty="0"/>
+          </a:p>
+        </p:txBody>
+      </p:sp>
     </p:spTree>
     <p:extLst>
       <p:ext uri="{BB962C8B-B14F-4D97-AF65-F5344CB8AC3E}">
@@ -4123,6 +4510,160 @@
           <a:p>
             <a:r>
               <a:rPr lang="de-DE" dirty="0"/>
+              <a:t>Personaler:	Max</a:t>
+            </a:r>
+          </a:p>
+          <a:p>
+            <a:r>
+              <a:rPr lang="de-DE" dirty="0"/>
+              <a:t>Bewerber:	Niklas</a:t>
+            </a:r>
+          </a:p>
+          <a:p>
+            <a:endParaRPr lang="de-DE" dirty="0"/>
+          </a:p>
+          <a:p>
+            <a:r>
+              <a:rPr lang="de-DE" dirty="0"/>
+              <a:t>Smalltalk:		Anfahrt</a:t>
+            </a:r>
+          </a:p>
+          <a:p>
+            <a:r>
+              <a:rPr lang="de-DE" dirty="0"/>
+              <a:t>Kennenlernen:	erfüllt Anforderungen, motiviert durch Tätigkeit in FF</a:t>
+            </a:r>
+          </a:p>
+          <a:p>
+            <a:r>
+              <a:rPr lang="de-DE" dirty="0"/>
+              <a:t>Vorstellung:		Team braucht zuerst Entwickler, später dann BWL</a:t>
+            </a:r>
+          </a:p>
+          <a:p>
+            <a:r>
+              <a:rPr lang="de-DE" dirty="0"/>
+              <a:t>Rückfragen:		wie ist Team zusammengesetzt, wie lange läuft das Projekt</a:t>
+            </a:r>
+          </a:p>
+          <a:p>
+            <a:r>
+              <a:rPr lang="de-DE" dirty="0"/>
+              <a:t>Abschluss:		Nachfrage, wann melden </a:t>
+            </a:r>
+          </a:p>
+        </p:txBody>
+      </p:sp>
+      <p:sp>
+        <p:nvSpPr>
+          <p:cNvPr id="4" name="Foliennummernplatzhalter 3">
+            <a:extLst>
+              <a:ext uri="{FF2B5EF4-FFF2-40B4-BE49-F238E27FC236}">
+                <a16:creationId xmlns:a16="http://schemas.microsoft.com/office/drawing/2014/main" id="{F664FD1E-3CA6-4BC1-8386-11E78AB1F5B3}"/>
+              </a:ext>
+            </a:extLst>
+          </p:cNvPr>
+          <p:cNvSpPr>
+            <a:spLocks noGrp="1"/>
+          </p:cNvSpPr>
+          <p:nvPr>
+            <p:ph type="sldNum" sz="quarter" idx="12"/>
+          </p:nvPr>
+        </p:nvSpPr>
+        <p:spPr/>
+        <p:txBody>
+          <a:bodyPr/>
+          <a:lstStyle/>
+          <a:p>
+            <a:fld id="{4FAB73BC-B049-4115-A692-8D63A059BFB8}" type="slidenum">
+              <a:rPr lang="en-US" smtClean="0"/>
+              <a:t>10</a:t>
+            </a:fld>
+            <a:endParaRPr lang="en-US" dirty="0"/>
+          </a:p>
+        </p:txBody>
+      </p:sp>
+    </p:spTree>
+    <p:extLst>
+      <p:ext uri="{BB962C8B-B14F-4D97-AF65-F5344CB8AC3E}">
+        <p14:creationId xmlns:p14="http://schemas.microsoft.com/office/powerpoint/2010/main" val="489202906"/>
+      </p:ext>
+    </p:extLst>
+  </p:cSld>
+  <p:clrMapOvr>
+    <a:masterClrMapping/>
+  </p:clrMapOvr>
+</p:sld>
+</file>
+
+<file path=ppt/slides/slide11.xml><?xml version="1.0" encoding="utf-8"?>
+<p:sld xmlns:a="http://schemas.openxmlformats.org/drawingml/2006/main" xmlns:r="http://schemas.openxmlformats.org/officeDocument/2006/relationships" xmlns:p="http://schemas.openxmlformats.org/presentationml/2006/main" show="0">
+  <p:cSld>
+    <p:spTree>
+      <p:nvGrpSpPr>
+        <p:cNvPr id="1" name=""/>
+        <p:cNvGrpSpPr/>
+        <p:nvPr/>
+      </p:nvGrpSpPr>
+      <p:grpSpPr>
+        <a:xfrm>
+          <a:off x="0" y="0"/>
+          <a:ext cx="0" cy="0"/>
+          <a:chOff x="0" y="0"/>
+          <a:chExt cx="0" cy="0"/>
+        </a:xfrm>
+      </p:grpSpPr>
+      <p:sp>
+        <p:nvSpPr>
+          <p:cNvPr id="2" name="Titel 1">
+            <a:extLst>
+              <a:ext uri="{FF2B5EF4-FFF2-40B4-BE49-F238E27FC236}">
+                <a16:creationId xmlns:a16="http://schemas.microsoft.com/office/drawing/2014/main" id="{2BB8E544-E1B5-46F4-A2CD-016EEA7D119F}"/>
+              </a:ext>
+            </a:extLst>
+          </p:cNvPr>
+          <p:cNvSpPr>
+            <a:spLocks noGrp="1"/>
+          </p:cNvSpPr>
+          <p:nvPr>
+            <p:ph type="title"/>
+          </p:nvPr>
+        </p:nvSpPr>
+        <p:spPr/>
+        <p:txBody>
+          <a:bodyPr/>
+          <a:lstStyle/>
+          <a:p>
+            <a:r>
+              <a:rPr lang="de-DE" dirty="0"/>
+              <a:t>Notizen Bewerbungsgespräch</a:t>
+            </a:r>
+          </a:p>
+        </p:txBody>
+      </p:sp>
+      <p:sp>
+        <p:nvSpPr>
+          <p:cNvPr id="3" name="Inhaltsplatzhalter 2">
+            <a:extLst>
+              <a:ext uri="{FF2B5EF4-FFF2-40B4-BE49-F238E27FC236}">
+                <a16:creationId xmlns:a16="http://schemas.microsoft.com/office/drawing/2014/main" id="{87EAA219-79ED-4460-8F78-C091408638FD}"/>
+              </a:ext>
+            </a:extLst>
+          </p:cNvPr>
+          <p:cNvSpPr>
+            <a:spLocks noGrp="1"/>
+          </p:cNvSpPr>
+          <p:nvPr>
+            <p:ph idx="1"/>
+          </p:nvPr>
+        </p:nvSpPr>
+        <p:spPr/>
+        <p:txBody>
+          <a:bodyPr/>
+          <a:lstStyle/>
+          <a:p>
+            <a:r>
+              <a:rPr lang="de-DE" dirty="0"/>
               <a:t>Personaler:	Niklas</a:t>
             </a:r>
           </a:p>
@@ -4157,15 +4698,7 @@
           <a:p>
             <a:r>
               <a:rPr lang="de-DE" dirty="0"/>
-              <a:t>Rückfragen:		Finanzierung? Arbeitszeit? –</a:t>
-            </a:r>
-            <a:r>
-              <a:rPr lang="de-DE" dirty="0" err="1"/>
-              <a:t>ort</a:t>
-            </a:r>
-            <a:r>
-              <a:rPr lang="de-DE" dirty="0"/>
-              <a:t>? Fortschritt?</a:t>
+              <a:t>Rückfragen:		Finanzierung? Arbeitszeit? –ort? Fortschritt?</a:t>
             </a:r>
           </a:p>
           <a:p>
@@ -4236,93 +4769,39 @@
           </a:p>
         </p:txBody>
       </p:sp>
+      <p:sp>
+        <p:nvSpPr>
+          <p:cNvPr id="5" name="Foliennummernplatzhalter 4">
+            <a:extLst>
+              <a:ext uri="{FF2B5EF4-FFF2-40B4-BE49-F238E27FC236}">
+                <a16:creationId xmlns:a16="http://schemas.microsoft.com/office/drawing/2014/main" id="{215FDE36-C30C-47B2-94FA-8D83FE6300E9}"/>
+              </a:ext>
+            </a:extLst>
+          </p:cNvPr>
+          <p:cNvSpPr>
+            <a:spLocks noGrp="1"/>
+          </p:cNvSpPr>
+          <p:nvPr>
+            <p:ph type="sldNum" sz="quarter" idx="12"/>
+          </p:nvPr>
+        </p:nvSpPr>
+        <p:spPr/>
+        <p:txBody>
+          <a:bodyPr/>
+          <a:lstStyle/>
+          <a:p>
+            <a:fld id="{4FAB73BC-B049-4115-A692-8D63A059BFB8}" type="slidenum">
+              <a:rPr lang="en-US" smtClean="0"/>
+              <a:t>11</a:t>
+            </a:fld>
+            <a:endParaRPr lang="en-US" dirty="0"/>
+          </a:p>
+        </p:txBody>
+      </p:sp>
     </p:spTree>
     <p:extLst>
       <p:ext uri="{BB962C8B-B14F-4D97-AF65-F5344CB8AC3E}">
         <p14:creationId xmlns:p14="http://schemas.microsoft.com/office/powerpoint/2010/main" val="321894891"/>
-      </p:ext>
-    </p:extLst>
-  </p:cSld>
-  <p:clrMapOvr>
-    <a:masterClrMapping/>
-  </p:clrMapOvr>
-</p:sld>
-</file>
-
-<file path=ppt/slides/slide11.xml><?xml version="1.0" encoding="utf-8"?>
-<p:sld xmlns:a="http://schemas.openxmlformats.org/drawingml/2006/main" xmlns:r="http://schemas.openxmlformats.org/officeDocument/2006/relationships" xmlns:p="http://schemas.openxmlformats.org/presentationml/2006/main">
-  <p:cSld>
-    <p:spTree>
-      <p:nvGrpSpPr>
-        <p:cNvPr id="1" name=""/>
-        <p:cNvGrpSpPr/>
-        <p:nvPr/>
-      </p:nvGrpSpPr>
-      <p:grpSpPr>
-        <a:xfrm>
-          <a:off x="0" y="0"/>
-          <a:ext cx="0" cy="0"/>
-          <a:chOff x="0" y="0"/>
-          <a:chExt cx="0" cy="0"/>
-        </a:xfrm>
-      </p:grpSpPr>
-      <p:sp>
-        <p:nvSpPr>
-          <p:cNvPr id="4" name="Titel 3">
-            <a:extLst>
-              <a:ext uri="{FF2B5EF4-FFF2-40B4-BE49-F238E27FC236}">
-                <a16:creationId xmlns:a16="http://schemas.microsoft.com/office/drawing/2014/main" id="{838B4C57-B00A-4DD5-902B-713A5EADE540}"/>
-              </a:ext>
-            </a:extLst>
-          </p:cNvPr>
-          <p:cNvSpPr>
-            <a:spLocks noGrp="1"/>
-          </p:cNvSpPr>
-          <p:nvPr>
-            <p:ph type="title"/>
-          </p:nvPr>
-        </p:nvSpPr>
-        <p:spPr/>
-        <p:txBody>
-          <a:bodyPr/>
-          <a:lstStyle/>
-          <a:p>
-            <a:r>
-              <a:rPr lang="de-DE" dirty="0"/>
-              <a:t>Markt Und Wettbewerb</a:t>
-            </a:r>
-          </a:p>
-        </p:txBody>
-      </p:sp>
-      <p:sp>
-        <p:nvSpPr>
-          <p:cNvPr id="5" name="Textplatzhalter 4">
-            <a:extLst>
-              <a:ext uri="{FF2B5EF4-FFF2-40B4-BE49-F238E27FC236}">
-                <a16:creationId xmlns:a16="http://schemas.microsoft.com/office/drawing/2014/main" id="{16A14A41-C8F3-4E6E-82D9-89B8E5552A8B}"/>
-              </a:ext>
-            </a:extLst>
-          </p:cNvPr>
-          <p:cNvSpPr>
-            <a:spLocks noGrp="1"/>
-          </p:cNvSpPr>
-          <p:nvPr>
-            <p:ph type="body" idx="1"/>
-          </p:nvPr>
-        </p:nvSpPr>
-        <p:spPr/>
-        <p:txBody>
-          <a:bodyPr/>
-          <a:lstStyle/>
-          <a:p>
-            <a:endParaRPr lang="de-DE" dirty="0"/>
-          </a:p>
-        </p:txBody>
-      </p:sp>
-    </p:spTree>
-    <p:extLst>
-      <p:ext uri="{BB962C8B-B14F-4D97-AF65-F5344CB8AC3E}">
-        <p14:creationId xmlns:p14="http://schemas.microsoft.com/office/powerpoint/2010/main" val="682199056"/>
       </p:ext>
     </p:extLst>
   </p:cSld>
@@ -4354,6 +4833,119 @@
           <p:cNvPr id="4" name="Titel 3">
             <a:extLst>
               <a:ext uri="{FF2B5EF4-FFF2-40B4-BE49-F238E27FC236}">
+                <a16:creationId xmlns:a16="http://schemas.microsoft.com/office/drawing/2014/main" id="{838B4C57-B00A-4DD5-902B-713A5EADE540}"/>
+              </a:ext>
+            </a:extLst>
+          </p:cNvPr>
+          <p:cNvSpPr>
+            <a:spLocks noGrp="1"/>
+          </p:cNvSpPr>
+          <p:nvPr>
+            <p:ph type="title"/>
+          </p:nvPr>
+        </p:nvSpPr>
+        <p:spPr/>
+        <p:txBody>
+          <a:bodyPr/>
+          <a:lstStyle/>
+          <a:p>
+            <a:r>
+              <a:rPr lang="de-DE" dirty="0"/>
+              <a:t>Markt Und Wettbewerb</a:t>
+            </a:r>
+          </a:p>
+        </p:txBody>
+      </p:sp>
+      <p:sp>
+        <p:nvSpPr>
+          <p:cNvPr id="5" name="Textplatzhalter 4">
+            <a:extLst>
+              <a:ext uri="{FF2B5EF4-FFF2-40B4-BE49-F238E27FC236}">
+                <a16:creationId xmlns:a16="http://schemas.microsoft.com/office/drawing/2014/main" id="{16A14A41-C8F3-4E6E-82D9-89B8E5552A8B}"/>
+              </a:ext>
+            </a:extLst>
+          </p:cNvPr>
+          <p:cNvSpPr>
+            <a:spLocks noGrp="1"/>
+          </p:cNvSpPr>
+          <p:nvPr>
+            <p:ph type="body" idx="1"/>
+          </p:nvPr>
+        </p:nvSpPr>
+        <p:spPr/>
+        <p:txBody>
+          <a:bodyPr/>
+          <a:lstStyle/>
+          <a:p>
+            <a:endParaRPr lang="de-DE" dirty="0"/>
+          </a:p>
+        </p:txBody>
+      </p:sp>
+      <p:sp>
+        <p:nvSpPr>
+          <p:cNvPr id="2" name="Foliennummernplatzhalter 1">
+            <a:extLst>
+              <a:ext uri="{FF2B5EF4-FFF2-40B4-BE49-F238E27FC236}">
+                <a16:creationId xmlns:a16="http://schemas.microsoft.com/office/drawing/2014/main" id="{14002696-F421-4CC3-9A79-F404446E4AE7}"/>
+              </a:ext>
+            </a:extLst>
+          </p:cNvPr>
+          <p:cNvSpPr>
+            <a:spLocks noGrp="1"/>
+          </p:cNvSpPr>
+          <p:nvPr>
+            <p:ph type="sldNum" sz="quarter" idx="12"/>
+          </p:nvPr>
+        </p:nvSpPr>
+        <p:spPr/>
+        <p:txBody>
+          <a:bodyPr/>
+          <a:lstStyle/>
+          <a:p>
+            <a:fld id="{4FAB73BC-B049-4115-A692-8D63A059BFB8}" type="slidenum">
+              <a:rPr lang="en-US" smtClean="0"/>
+              <a:pPr/>
+              <a:t>12</a:t>
+            </a:fld>
+            <a:endParaRPr lang="en-US" dirty="0"/>
+          </a:p>
+        </p:txBody>
+      </p:sp>
+    </p:spTree>
+    <p:extLst>
+      <p:ext uri="{BB962C8B-B14F-4D97-AF65-F5344CB8AC3E}">
+        <p14:creationId xmlns:p14="http://schemas.microsoft.com/office/powerpoint/2010/main" val="682199056"/>
+      </p:ext>
+    </p:extLst>
+  </p:cSld>
+  <p:clrMapOvr>
+    <a:masterClrMapping/>
+  </p:clrMapOvr>
+</p:sld>
+</file>
+
+<file path=ppt/slides/slide13.xml><?xml version="1.0" encoding="utf-8"?>
+<p:sld xmlns:a="http://schemas.openxmlformats.org/drawingml/2006/main" xmlns:r="http://schemas.openxmlformats.org/officeDocument/2006/relationships" xmlns:p="http://schemas.openxmlformats.org/presentationml/2006/main">
+  <p:cSld>
+    <p:spTree>
+      <p:nvGrpSpPr>
+        <p:cNvPr id="1" name=""/>
+        <p:cNvGrpSpPr/>
+        <p:nvPr/>
+      </p:nvGrpSpPr>
+      <p:grpSpPr>
+        <a:xfrm>
+          <a:off x="0" y="0"/>
+          <a:ext cx="0" cy="0"/>
+          <a:chOff x="0" y="0"/>
+          <a:chExt cx="0" cy="0"/>
+        </a:xfrm>
+      </p:grpSpPr>
+      <p:sp>
+        <p:nvSpPr>
+          <p:cNvPr id="4" name="Titel 3">
+            <a:extLst>
+              <a:ext uri="{FF2B5EF4-FFF2-40B4-BE49-F238E27FC236}">
                 <a16:creationId xmlns:a16="http://schemas.microsoft.com/office/drawing/2014/main" id="{9E96A37F-D344-4D7C-85EA-2498F7AC33A8}"/>
               </a:ext>
             </a:extLst>
@@ -4371,26 +4963,9 @@
           <a:lstStyle/>
           <a:p>
             <a:r>
-              <a:rPr lang="de-DE" dirty="0" err="1"/>
-              <a:t>red</a:t>
-            </a:r>
-            <a:r>
-              <a:rPr lang="de-DE" dirty="0"/>
-              <a:t> Ocean vs. </a:t>
-            </a:r>
-            <a:r>
-              <a:rPr lang="de-DE" dirty="0" err="1"/>
-              <a:t>blue</a:t>
-            </a:r>
-            <a:r>
-              <a:rPr lang="de-DE" dirty="0"/>
-              <a:t> </a:t>
-            </a:r>
-            <a:r>
-              <a:rPr lang="de-DE" dirty="0" err="1"/>
-              <a:t>ocean</a:t>
-            </a:r>
-            <a:endParaRPr lang="de-DE" dirty="0"/>
+              <a:rPr lang="de-DE" dirty="0"/>
+              <a:t>red Ocean vs. blue ocean</a:t>
+            </a:r>
           </a:p>
         </p:txBody>
       </p:sp>
@@ -4409,7 +4984,7 @@
           <p:nvPr>
             <p:extLst>
               <p:ext uri="{D42A27DB-BD31-4B8C-83A1-F6EECF244321}">
-                <p14:modId xmlns:p14="http://schemas.microsoft.com/office/powerpoint/2010/main" val="2306748167"/>
+                <p14:modId xmlns:p14="http://schemas.microsoft.com/office/powerpoint/2010/main" val="3335989291"/>
               </p:ext>
             </p:extLst>
           </p:nvPr>
@@ -4447,12 +5022,8 @@
                     <a:lstStyle/>
                     <a:p>
                       <a:r>
-                        <a:rPr lang="de-DE" dirty="0" err="1"/>
-                        <a:t>Red</a:t>
-                      </a:r>
-                      <a:r>
                         <a:rPr lang="de-DE" dirty="0"/>
-                        <a:t> Ocean</a:t>
+                        <a:t>Red Ocean</a:t>
                       </a:r>
                     </a:p>
                   </a:txBody>
@@ -4986,155 +5557,39 @@
           </a:fontRef>
         </p:style>
       </p:cxnSp>
+      <p:sp>
+        <p:nvSpPr>
+          <p:cNvPr id="3" name="Foliennummernplatzhalter 2">
+            <a:extLst>
+              <a:ext uri="{FF2B5EF4-FFF2-40B4-BE49-F238E27FC236}">
+                <a16:creationId xmlns:a16="http://schemas.microsoft.com/office/drawing/2014/main" id="{238781D1-81EC-4E2F-92B5-C5C21E185B0C}"/>
+              </a:ext>
+            </a:extLst>
+          </p:cNvPr>
+          <p:cNvSpPr>
+            <a:spLocks noGrp="1"/>
+          </p:cNvSpPr>
+          <p:nvPr>
+            <p:ph type="sldNum" sz="quarter" idx="12"/>
+          </p:nvPr>
+        </p:nvSpPr>
+        <p:spPr/>
+        <p:txBody>
+          <a:bodyPr/>
+          <a:lstStyle/>
+          <a:p>
+            <a:fld id="{4FAB73BC-B049-4115-A692-8D63A059BFB8}" type="slidenum">
+              <a:rPr lang="en-US" smtClean="0"/>
+              <a:t>13</a:t>
+            </a:fld>
+            <a:endParaRPr lang="en-US" dirty="0"/>
+          </a:p>
+        </p:txBody>
+      </p:sp>
     </p:spTree>
     <p:extLst>
       <p:ext uri="{BB962C8B-B14F-4D97-AF65-F5344CB8AC3E}">
         <p14:creationId xmlns:p14="http://schemas.microsoft.com/office/powerpoint/2010/main" val="2717016090"/>
-      </p:ext>
-    </p:extLst>
-  </p:cSld>
-  <p:clrMapOvr>
-    <a:masterClrMapping/>
-  </p:clrMapOvr>
-</p:sld>
-</file>
-
-<file path=ppt/slides/slide13.xml><?xml version="1.0" encoding="utf-8"?>
-<p:sld xmlns:a="http://schemas.openxmlformats.org/drawingml/2006/main" xmlns:r="http://schemas.openxmlformats.org/officeDocument/2006/relationships" xmlns:p="http://schemas.openxmlformats.org/presentationml/2006/main">
-  <p:cSld>
-    <p:spTree>
-      <p:nvGrpSpPr>
-        <p:cNvPr id="1" name=""/>
-        <p:cNvGrpSpPr/>
-        <p:nvPr/>
-      </p:nvGrpSpPr>
-      <p:grpSpPr>
-        <a:xfrm>
-          <a:off x="0" y="0"/>
-          <a:ext cx="0" cy="0"/>
-          <a:chOff x="0" y="0"/>
-          <a:chExt cx="0" cy="0"/>
-        </a:xfrm>
-      </p:grpSpPr>
-      <p:sp>
-        <p:nvSpPr>
-          <p:cNvPr id="2" name="Titel 1">
-            <a:extLst>
-              <a:ext uri="{FF2B5EF4-FFF2-40B4-BE49-F238E27FC236}">
-                <a16:creationId xmlns:a16="http://schemas.microsoft.com/office/drawing/2014/main" id="{C705E486-6057-41F6-9ABC-791DEDE82931}"/>
-              </a:ext>
-            </a:extLst>
-          </p:cNvPr>
-          <p:cNvSpPr>
-            <a:spLocks noGrp="1"/>
-          </p:cNvSpPr>
-          <p:nvPr>
-            <p:ph type="title"/>
-          </p:nvPr>
-        </p:nvSpPr>
-        <p:spPr/>
-        <p:txBody>
-          <a:bodyPr/>
-          <a:lstStyle/>
-          <a:p>
-            <a:r>
-              <a:rPr lang="de-DE" dirty="0"/>
-              <a:t>Potentieller Markt</a:t>
-            </a:r>
-          </a:p>
-        </p:txBody>
-      </p:sp>
-      <p:sp>
-        <p:nvSpPr>
-          <p:cNvPr id="3" name="Inhaltsplatzhalter 2">
-            <a:extLst>
-              <a:ext uri="{FF2B5EF4-FFF2-40B4-BE49-F238E27FC236}">
-                <a16:creationId xmlns:a16="http://schemas.microsoft.com/office/drawing/2014/main" id="{173EAA84-DE1C-4CAE-88B7-DAC24ED97F90}"/>
-              </a:ext>
-            </a:extLst>
-          </p:cNvPr>
-          <p:cNvSpPr>
-            <a:spLocks noGrp="1"/>
-          </p:cNvSpPr>
-          <p:nvPr>
-            <p:ph idx="1"/>
-          </p:nvPr>
-        </p:nvSpPr>
-        <p:spPr/>
-        <p:txBody>
-          <a:bodyPr/>
-          <a:lstStyle/>
-          <a:p>
-            <a:r>
-              <a:rPr lang="de-DE" dirty="0"/>
-              <a:t>Anfahrt:</a:t>
-            </a:r>
-          </a:p>
-          <a:p>
-            <a:pPr lvl="1"/>
-            <a:r>
-              <a:rPr lang="de-DE" dirty="0"/>
-              <a:t>Helfer in Hilfsorganisationen / </a:t>
-            </a:r>
-            <a:r>
-              <a:rPr lang="de-DE" dirty="0" err="1"/>
-              <a:t>BevSch</a:t>
-            </a:r>
-            <a:endParaRPr lang="de-DE" dirty="0"/>
-          </a:p>
-          <a:p>
-            <a:pPr lvl="1"/>
-            <a:r>
-              <a:rPr lang="de-DE" dirty="0"/>
-              <a:t>(Unterstützer)</a:t>
-            </a:r>
-          </a:p>
-          <a:p>
-            <a:endParaRPr lang="de-DE" dirty="0"/>
-          </a:p>
-          <a:p>
-            <a:r>
-              <a:rPr lang="de-DE" dirty="0"/>
-              <a:t>Entscheider in </a:t>
-            </a:r>
-            <a:r>
-              <a:rPr lang="de-DE" dirty="0" err="1"/>
-              <a:t>HiOrgs</a:t>
-            </a:r>
-            <a:r>
-              <a:rPr lang="de-DE" dirty="0"/>
-              <a:t> (Vorstände, …)</a:t>
-            </a:r>
-          </a:p>
-          <a:p>
-            <a:endParaRPr lang="de-DE" dirty="0"/>
-          </a:p>
-          <a:p>
-            <a:r>
-              <a:rPr lang="de-DE" dirty="0"/>
-              <a:t>Informationen:</a:t>
-            </a:r>
-          </a:p>
-          <a:p>
-            <a:pPr lvl="1"/>
-            <a:r>
-              <a:rPr lang="de-DE" dirty="0"/>
-              <a:t>Reporter</a:t>
-            </a:r>
-          </a:p>
-          <a:p>
-            <a:pPr lvl="1"/>
-            <a:r>
-              <a:rPr lang="de-DE" dirty="0"/>
-              <a:t>Angehörige</a:t>
-            </a:r>
-          </a:p>
-        </p:txBody>
-      </p:sp>
-    </p:spTree>
-    <p:extLst>
-      <p:ext uri="{BB962C8B-B14F-4D97-AF65-F5344CB8AC3E}">
-        <p14:creationId xmlns:p14="http://schemas.microsoft.com/office/powerpoint/2010/main" val="2565278572"/>
       </p:ext>
     </p:extLst>
   </p:cSld>
@@ -5166,7 +5621,7 @@
           <p:cNvPr id="2" name="Titel 1">
             <a:extLst>
               <a:ext uri="{FF2B5EF4-FFF2-40B4-BE49-F238E27FC236}">
-                <a16:creationId xmlns:a16="http://schemas.microsoft.com/office/drawing/2014/main" id="{5A59CCE6-92FE-48C9-8A52-0D37FC9FEFD5}"/>
+                <a16:creationId xmlns:a16="http://schemas.microsoft.com/office/drawing/2014/main" id="{C705E486-6057-41F6-9ABC-791DEDE82931}"/>
               </a:ext>
             </a:extLst>
           </p:cNvPr>
@@ -5184,14 +5639,7 @@
           <a:p>
             <a:r>
               <a:rPr lang="de-DE" dirty="0"/>
-              <a:t>NUTZEN /</a:t>
-            </a:r>
-            <a:br>
-              <a:rPr lang="de-DE" dirty="0"/>
-            </a:br>
-            <a:r>
-              <a:rPr lang="de-DE" dirty="0"/>
-              <a:t>Zusatznutzen </a:t>
+              <a:t>Potentieller Markt</a:t>
             </a:r>
           </a:p>
         </p:txBody>
@@ -5201,7 +5649,7 @@
           <p:cNvPr id="3" name="Inhaltsplatzhalter 2">
             <a:extLst>
               <a:ext uri="{FF2B5EF4-FFF2-40B4-BE49-F238E27FC236}">
-                <a16:creationId xmlns:a16="http://schemas.microsoft.com/office/drawing/2014/main" id="{FD67B597-DAFD-4F43-A8E7-BB7F95EA574D}"/>
+                <a16:creationId xmlns:a16="http://schemas.microsoft.com/office/drawing/2014/main" id="{173EAA84-DE1C-4CAE-88B7-DAC24ED97F90}"/>
               </a:ext>
             </a:extLst>
           </p:cNvPr>
@@ -5219,13 +5667,37 @@
           <a:p>
             <a:r>
               <a:rPr lang="de-DE" dirty="0"/>
-              <a:t>Einzelner Helfer kommt schnell zur Wache</a:t>
-            </a:r>
-          </a:p>
-          <a:p>
-            <a:r>
-              <a:rPr lang="de-DE" dirty="0"/>
-              <a:t>Insgesamt möglichst viele Helfer</a:t>
+              <a:t>Anfahrt:</a:t>
+            </a:r>
+          </a:p>
+          <a:p>
+            <a:pPr lvl="1"/>
+            <a:r>
+              <a:rPr lang="de-DE" dirty="0"/>
+              <a:t>Helfer in Hilfsorganisationen / BevSch</a:t>
+            </a:r>
+          </a:p>
+          <a:p>
+            <a:pPr lvl="1"/>
+            <a:r>
+              <a:rPr lang="de-DE" dirty="0"/>
+              <a:t>(Unterstützer)</a:t>
+            </a:r>
+          </a:p>
+          <a:p>
+            <a:r>
+              <a:rPr lang="de-DE" dirty="0">
+                <a:highlight>
+                  <a:srgbClr val="FFFF00"/>
+                </a:highlight>
+              </a:rPr>
+              <a:t>Anzahl</a:t>
+            </a:r>
+          </a:p>
+          <a:p>
+            <a:r>
+              <a:rPr lang="de-DE" dirty="0"/>
+              <a:t>Entscheider in HiOrgs (Vorstände, …)</a:t>
             </a:r>
           </a:p>
           <a:p>
@@ -5234,300 +5706,58 @@
           <a:p>
             <a:r>
               <a:rPr lang="de-DE" dirty="0"/>
-              <a:t>Zusatznutzen:	Informationen über Einsatz</a:t>
-            </a:r>
-          </a:p>
-          <a:p>
-            <a:r>
-              <a:rPr lang="de-DE" dirty="0"/>
-              <a:t>Zusatznutzen:	Fahrgemeinschaft zu </a:t>
-            </a:r>
-            <a:br>
-              <a:rPr lang="de-DE" dirty="0"/>
-            </a:br>
-            <a:r>
-              <a:rPr lang="de-DE" dirty="0"/>
-              <a:t>		geplanten Veranstaltungen</a:t>
-            </a:r>
-          </a:p>
-          <a:p>
-            <a:endParaRPr lang="de-DE" dirty="0"/>
-          </a:p>
-          <a:p>
-            <a:r>
-              <a:rPr lang="de-DE" dirty="0"/>
-              <a:t>Zusatzzusatznutzen: Schützen Umwelt</a:t>
-            </a:r>
-          </a:p>
-          <a:p>
-            <a:endParaRPr lang="de-DE" dirty="0"/>
-          </a:p>
-        </p:txBody>
-      </p:sp>
-      <p:sp>
-        <p:nvSpPr>
-          <p:cNvPr id="6" name="Pfeil: nach rechts 5">
+              <a:t>Informationen:</a:t>
+            </a:r>
+          </a:p>
+          <a:p>
+            <a:pPr lvl="1"/>
+            <a:r>
+              <a:rPr lang="de-DE" dirty="0"/>
+              <a:t>Reporter</a:t>
+            </a:r>
+          </a:p>
+          <a:p>
+            <a:pPr lvl="1"/>
+            <a:r>
+              <a:rPr lang="de-DE" dirty="0"/>
+              <a:t>Angehörige</a:t>
+            </a:r>
+          </a:p>
+        </p:txBody>
+      </p:sp>
+      <p:sp>
+        <p:nvSpPr>
+          <p:cNvPr id="4" name="Foliennummernplatzhalter 3">
             <a:extLst>
               <a:ext uri="{FF2B5EF4-FFF2-40B4-BE49-F238E27FC236}">
-                <a16:creationId xmlns:a16="http://schemas.microsoft.com/office/drawing/2014/main" id="{2F5A7E32-2C3A-415E-8BB7-8BC84AA64DC2}"/>
+                <a16:creationId xmlns:a16="http://schemas.microsoft.com/office/drawing/2014/main" id="{BF6BF7B1-425D-4F9E-9574-15E85756E14B}"/>
               </a:ext>
             </a:extLst>
           </p:cNvPr>
-          <p:cNvSpPr/>
-          <p:nvPr/>
-        </p:nvSpPr>
-        <p:spPr>
-          <a:xfrm>
-            <a:off x="6452585" y="4893640"/>
-            <a:ext cx="4270159" cy="2432482"/>
-          </a:xfrm>
-          <a:prstGeom prst="rightArrow">
-            <a:avLst/>
-          </a:prstGeom>
-        </p:spPr>
-        <p:style>
-          <a:lnRef idx="2">
-            <a:schemeClr val="accent1">
-              <a:shade val="50000"/>
-            </a:schemeClr>
-          </a:lnRef>
-          <a:fillRef idx="1">
-            <a:schemeClr val="accent1"/>
-          </a:fillRef>
-          <a:effectRef idx="0">
-            <a:schemeClr val="accent1"/>
-          </a:effectRef>
-          <a:fontRef idx="minor">
-            <a:schemeClr val="lt1"/>
-          </a:fontRef>
-        </p:style>
-        <p:txBody>
-          <a:bodyPr rtlCol="0" anchor="ctr"/>
-          <a:lstStyle/>
-          <a:p>
-            <a:pPr algn="ctr"/>
-            <a:r>
-              <a:rPr lang="de-DE" dirty="0"/>
-              <a:t>Journalisten:</a:t>
-            </a:r>
-            <a:br>
-              <a:rPr lang="de-DE" dirty="0"/>
-            </a:br>
-            <a:r>
-              <a:rPr lang="de-DE" dirty="0"/>
-              <a:t>Sicheres Einkommen durch schnelle Artikel </a:t>
-            </a:r>
-          </a:p>
-        </p:txBody>
-      </p:sp>
-      <p:sp>
-        <p:nvSpPr>
-          <p:cNvPr id="7" name="Pfeil: nach rechts 6">
-            <a:extLst>
-              <a:ext uri="{FF2B5EF4-FFF2-40B4-BE49-F238E27FC236}">
-                <a16:creationId xmlns:a16="http://schemas.microsoft.com/office/drawing/2014/main" id="{2F78D582-9B8F-45B8-AD9E-CCE379EBBDEB}"/>
-              </a:ext>
-            </a:extLst>
-          </p:cNvPr>
-          <p:cNvSpPr/>
-          <p:nvPr/>
-        </p:nvSpPr>
-        <p:spPr>
-          <a:xfrm>
-            <a:off x="6452585" y="2235841"/>
-            <a:ext cx="4270159" cy="2432482"/>
-          </a:xfrm>
-          <a:prstGeom prst="rightArrow">
-            <a:avLst/>
-          </a:prstGeom>
-        </p:spPr>
-        <p:style>
-          <a:lnRef idx="2">
-            <a:schemeClr val="accent1">
-              <a:shade val="50000"/>
-            </a:schemeClr>
-          </a:lnRef>
-          <a:fillRef idx="1">
-            <a:schemeClr val="accent1"/>
-          </a:fillRef>
-          <a:effectRef idx="0">
-            <a:schemeClr val="accent1"/>
-          </a:effectRef>
-          <a:fontRef idx="minor">
-            <a:schemeClr val="lt1"/>
-          </a:fontRef>
-        </p:style>
-        <p:txBody>
-          <a:bodyPr rtlCol="0" anchor="ctr"/>
-          <a:lstStyle/>
-          <a:p>
-            <a:pPr algn="ctr"/>
-            <a:r>
-              <a:rPr lang="de-DE" dirty="0"/>
-              <a:t>Stadt / Hilfsorganisation:</a:t>
-            </a:r>
-            <a:br>
-              <a:rPr lang="de-DE" dirty="0"/>
-            </a:br>
-            <a:r>
-              <a:rPr lang="de-DE" dirty="0"/>
-              <a:t>Sicherheit durch effiziente Einsätze</a:t>
-            </a:r>
-          </a:p>
-        </p:txBody>
-      </p:sp>
-      <p:sp>
-        <p:nvSpPr>
-          <p:cNvPr id="8" name="Pfeil: nach rechts 7">
-            <a:extLst>
-              <a:ext uri="{FF2B5EF4-FFF2-40B4-BE49-F238E27FC236}">
-                <a16:creationId xmlns:a16="http://schemas.microsoft.com/office/drawing/2014/main" id="{2B03539C-A725-4F21-A6A6-98C0F1CEE408}"/>
-              </a:ext>
-            </a:extLst>
-          </p:cNvPr>
-          <p:cNvSpPr/>
-          <p:nvPr/>
-        </p:nvSpPr>
-        <p:spPr>
-          <a:xfrm>
-            <a:off x="6452585" y="-456172"/>
-            <a:ext cx="4270159" cy="2432482"/>
-          </a:xfrm>
-          <a:prstGeom prst="rightArrow">
-            <a:avLst/>
-          </a:prstGeom>
-        </p:spPr>
-        <p:style>
-          <a:lnRef idx="2">
-            <a:schemeClr val="accent1">
-              <a:shade val="50000"/>
-            </a:schemeClr>
-          </a:lnRef>
-          <a:fillRef idx="1">
-            <a:schemeClr val="accent1"/>
-          </a:fillRef>
-          <a:effectRef idx="0">
-            <a:schemeClr val="accent1"/>
-          </a:effectRef>
-          <a:fontRef idx="minor">
-            <a:schemeClr val="lt1"/>
-          </a:fontRef>
-        </p:style>
-        <p:txBody>
-          <a:bodyPr rtlCol="0" anchor="ctr"/>
-          <a:lstStyle/>
-          <a:p>
-            <a:pPr algn="ctr"/>
-            <a:r>
-              <a:rPr lang="de-DE" sz="4000" dirty="0"/>
-              <a:t>Bedürfnisse</a:t>
-            </a:r>
-            <a:endParaRPr lang="de-DE" dirty="0"/>
-          </a:p>
-        </p:txBody>
-      </p:sp>
-      <p:sp>
-        <p:nvSpPr>
-          <p:cNvPr id="5" name="Pfeil: nach rechts 4">
-            <a:extLst>
-              <a:ext uri="{FF2B5EF4-FFF2-40B4-BE49-F238E27FC236}">
-                <a16:creationId xmlns:a16="http://schemas.microsoft.com/office/drawing/2014/main" id="{8AC4DD86-DAA2-447D-8342-CDA8E1F2A4DF}"/>
-              </a:ext>
-            </a:extLst>
-          </p:cNvPr>
-          <p:cNvSpPr/>
-          <p:nvPr/>
-        </p:nvSpPr>
-        <p:spPr>
-          <a:xfrm>
-            <a:off x="7619998" y="3579880"/>
-            <a:ext cx="4270159" cy="2432482"/>
-          </a:xfrm>
-          <a:prstGeom prst="rightArrow">
-            <a:avLst/>
-          </a:prstGeom>
-        </p:spPr>
-        <p:style>
-          <a:lnRef idx="2">
-            <a:schemeClr val="accent1">
-              <a:shade val="50000"/>
-            </a:schemeClr>
-          </a:lnRef>
-          <a:fillRef idx="1">
-            <a:schemeClr val="accent1"/>
-          </a:fillRef>
-          <a:effectRef idx="0">
-            <a:schemeClr val="accent1"/>
-          </a:effectRef>
-          <a:fontRef idx="minor">
-            <a:schemeClr val="lt1"/>
-          </a:fontRef>
-        </p:style>
-        <p:txBody>
-          <a:bodyPr rtlCol="0" anchor="ctr"/>
-          <a:lstStyle/>
-          <a:p>
-            <a:pPr algn="ctr"/>
-            <a:r>
-              <a:rPr lang="de-DE" dirty="0"/>
-              <a:t>Angehörige: Soziales Bedürfnis gestillt durch Informationen</a:t>
-            </a:r>
-          </a:p>
-        </p:txBody>
-      </p:sp>
-      <p:sp>
-        <p:nvSpPr>
-          <p:cNvPr id="4" name="Pfeil: nach rechts 3">
-            <a:extLst>
-              <a:ext uri="{FF2B5EF4-FFF2-40B4-BE49-F238E27FC236}">
-                <a16:creationId xmlns:a16="http://schemas.microsoft.com/office/drawing/2014/main" id="{F5B4CD89-85E4-47AF-B37B-B674B3895386}"/>
-              </a:ext>
-            </a:extLst>
-          </p:cNvPr>
-          <p:cNvSpPr/>
-          <p:nvPr/>
-        </p:nvSpPr>
-        <p:spPr>
-          <a:xfrm>
-            <a:off x="7619998" y="919907"/>
-            <a:ext cx="4270159" cy="2432482"/>
-          </a:xfrm>
-          <a:prstGeom prst="rightArrow">
-            <a:avLst/>
-          </a:prstGeom>
-        </p:spPr>
-        <p:style>
-          <a:lnRef idx="2">
-            <a:schemeClr val="accent1">
-              <a:shade val="50000"/>
-            </a:schemeClr>
-          </a:lnRef>
-          <a:fillRef idx="1">
-            <a:schemeClr val="accent1"/>
-          </a:fillRef>
-          <a:effectRef idx="0">
-            <a:schemeClr val="accent1"/>
-          </a:effectRef>
-          <a:fontRef idx="minor">
-            <a:schemeClr val="lt1"/>
-          </a:fontRef>
-        </p:style>
-        <p:txBody>
-          <a:bodyPr rtlCol="0" anchor="ctr"/>
-          <a:lstStyle/>
-          <a:p>
-            <a:pPr algn="ctr"/>
-            <a:r>
-              <a:rPr lang="de-DE" dirty="0"/>
-              <a:t>Helfer*innen: Selbstverwirklichung, Geltungsbedürfnis</a:t>
-            </a:r>
+          <p:cNvSpPr>
+            <a:spLocks noGrp="1"/>
+          </p:cNvSpPr>
+          <p:nvPr>
+            <p:ph type="sldNum" sz="quarter" idx="12"/>
+          </p:nvPr>
+        </p:nvSpPr>
+        <p:spPr/>
+        <p:txBody>
+          <a:bodyPr/>
+          <a:lstStyle/>
+          <a:p>
+            <a:fld id="{4FAB73BC-B049-4115-A692-8D63A059BFB8}" type="slidenum">
+              <a:rPr lang="en-US" smtClean="0"/>
+              <a:t>14</a:t>
+            </a:fld>
+            <a:endParaRPr lang="en-US" dirty="0"/>
           </a:p>
         </p:txBody>
       </p:sp>
     </p:spTree>
     <p:extLst>
       <p:ext uri="{BB962C8B-B14F-4D97-AF65-F5344CB8AC3E}">
-        <p14:creationId xmlns:p14="http://schemas.microsoft.com/office/powerpoint/2010/main" val="3718769699"/>
+        <p14:creationId xmlns:p14="http://schemas.microsoft.com/office/powerpoint/2010/main" val="2565278572"/>
       </p:ext>
     </p:extLst>
   </p:cSld>
@@ -5559,7 +5789,7 @@
           <p:cNvPr id="2" name="Titel 1">
             <a:extLst>
               <a:ext uri="{FF2B5EF4-FFF2-40B4-BE49-F238E27FC236}">
-                <a16:creationId xmlns:a16="http://schemas.microsoft.com/office/drawing/2014/main" id="{2B0A34EE-E04E-45D3-9B05-D0FD2057CA4D}"/>
+                <a16:creationId xmlns:a16="http://schemas.microsoft.com/office/drawing/2014/main" id="{5A59CCE6-92FE-48C9-8A52-0D37FC9FEFD5}"/>
               </a:ext>
             </a:extLst>
           </p:cNvPr>
@@ -5577,7 +5807,14 @@
           <a:p>
             <a:r>
               <a:rPr lang="de-DE" dirty="0"/>
-              <a:t>Finanzierung</a:t>
+              <a:t>NUTZEN /</a:t>
+            </a:r>
+            <a:br>
+              <a:rPr lang="de-DE" dirty="0"/>
+            </a:br>
+            <a:r>
+              <a:rPr lang="de-DE" dirty="0"/>
+              <a:t>Zusatznutzen </a:t>
             </a:r>
           </a:p>
         </p:txBody>
@@ -5587,7 +5824,7 @@
           <p:cNvPr id="3" name="Inhaltsplatzhalter 2">
             <a:extLst>
               <a:ext uri="{FF2B5EF4-FFF2-40B4-BE49-F238E27FC236}">
-                <a16:creationId xmlns:a16="http://schemas.microsoft.com/office/drawing/2014/main" id="{263FDD4D-8F07-408C-9505-B23EA68EF684}"/>
+                <a16:creationId xmlns:a16="http://schemas.microsoft.com/office/drawing/2014/main" id="{FD67B597-DAFD-4F43-A8E7-BB7F95EA574D}"/>
               </a:ext>
             </a:extLst>
           </p:cNvPr>
@@ -5605,21 +5842,344 @@
           <a:p>
             <a:r>
               <a:rPr lang="de-DE" dirty="0"/>
-              <a:t>Bedarf gering</a:t>
-            </a:r>
-          </a:p>
-          <a:p>
-            <a:r>
-              <a:rPr lang="de-DE" dirty="0"/>
-              <a:t>Am besten Friends &amp; Family</a:t>
-            </a:r>
+              <a:t>Einzelner Helfer kommt schnell zur Wache</a:t>
+            </a:r>
+          </a:p>
+          <a:p>
+            <a:r>
+              <a:rPr lang="de-DE" dirty="0"/>
+              <a:t>Insgesamt möglichst viele Helfer</a:t>
+            </a:r>
+          </a:p>
+          <a:p>
+            <a:endParaRPr lang="de-DE" dirty="0"/>
+          </a:p>
+          <a:p>
+            <a:r>
+              <a:rPr lang="de-DE" dirty="0"/>
+              <a:t>Zusatznutzen:	Informationen über Einsatz</a:t>
+            </a:r>
+          </a:p>
+          <a:p>
+            <a:r>
+              <a:rPr lang="de-DE" dirty="0"/>
+              <a:t>Zusatznutzen:	Fahrgemeinschaft zu </a:t>
+            </a:r>
+            <a:br>
+              <a:rPr lang="de-DE" dirty="0"/>
+            </a:br>
+            <a:r>
+              <a:rPr lang="de-DE" dirty="0"/>
+              <a:t>		geplanten Veranstaltungen</a:t>
+            </a:r>
+          </a:p>
+          <a:p>
+            <a:endParaRPr lang="de-DE" dirty="0"/>
+          </a:p>
+          <a:p>
+            <a:r>
+              <a:rPr lang="de-DE" dirty="0"/>
+              <a:t>Zusatzzusatznutzen: Schützen Umwelt</a:t>
+            </a:r>
+          </a:p>
+          <a:p>
+            <a:endParaRPr lang="de-DE" dirty="0"/>
+          </a:p>
+        </p:txBody>
+      </p:sp>
+      <p:sp>
+        <p:nvSpPr>
+          <p:cNvPr id="6" name="Pfeil: nach rechts 5">
+            <a:extLst>
+              <a:ext uri="{FF2B5EF4-FFF2-40B4-BE49-F238E27FC236}">
+                <a16:creationId xmlns:a16="http://schemas.microsoft.com/office/drawing/2014/main" id="{2F5A7E32-2C3A-415E-8BB7-8BC84AA64DC2}"/>
+              </a:ext>
+            </a:extLst>
+          </p:cNvPr>
+          <p:cNvSpPr/>
+          <p:nvPr/>
+        </p:nvSpPr>
+        <p:spPr>
+          <a:xfrm>
+            <a:off x="6452585" y="4893640"/>
+            <a:ext cx="4270159" cy="2432482"/>
+          </a:xfrm>
+          <a:prstGeom prst="rightArrow">
+            <a:avLst/>
+          </a:prstGeom>
+        </p:spPr>
+        <p:style>
+          <a:lnRef idx="2">
+            <a:schemeClr val="accent1">
+              <a:shade val="50000"/>
+            </a:schemeClr>
+          </a:lnRef>
+          <a:fillRef idx="1">
+            <a:schemeClr val="accent1"/>
+          </a:fillRef>
+          <a:effectRef idx="0">
+            <a:schemeClr val="accent1"/>
+          </a:effectRef>
+          <a:fontRef idx="minor">
+            <a:schemeClr val="lt1"/>
+          </a:fontRef>
+        </p:style>
+        <p:txBody>
+          <a:bodyPr rtlCol="0" anchor="ctr"/>
+          <a:lstStyle/>
+          <a:p>
+            <a:pPr algn="ctr"/>
+            <a:r>
+              <a:rPr lang="de-DE" dirty="0"/>
+              <a:t>Journalisten:</a:t>
+            </a:r>
+            <a:br>
+              <a:rPr lang="de-DE" dirty="0"/>
+            </a:br>
+            <a:r>
+              <a:rPr lang="de-DE" dirty="0"/>
+              <a:t>Sicheres Einkommen durch schnelle Artikel </a:t>
+            </a:r>
+          </a:p>
+        </p:txBody>
+      </p:sp>
+      <p:sp>
+        <p:nvSpPr>
+          <p:cNvPr id="7" name="Pfeil: nach rechts 6">
+            <a:extLst>
+              <a:ext uri="{FF2B5EF4-FFF2-40B4-BE49-F238E27FC236}">
+                <a16:creationId xmlns:a16="http://schemas.microsoft.com/office/drawing/2014/main" id="{2F78D582-9B8F-45B8-AD9E-CCE379EBBDEB}"/>
+              </a:ext>
+            </a:extLst>
+          </p:cNvPr>
+          <p:cNvSpPr/>
+          <p:nvPr/>
+        </p:nvSpPr>
+        <p:spPr>
+          <a:xfrm>
+            <a:off x="6452585" y="2235841"/>
+            <a:ext cx="4270159" cy="2432482"/>
+          </a:xfrm>
+          <a:prstGeom prst="rightArrow">
+            <a:avLst/>
+          </a:prstGeom>
+        </p:spPr>
+        <p:style>
+          <a:lnRef idx="2">
+            <a:schemeClr val="accent1">
+              <a:shade val="50000"/>
+            </a:schemeClr>
+          </a:lnRef>
+          <a:fillRef idx="1">
+            <a:schemeClr val="accent1"/>
+          </a:fillRef>
+          <a:effectRef idx="0">
+            <a:schemeClr val="accent1"/>
+          </a:effectRef>
+          <a:fontRef idx="minor">
+            <a:schemeClr val="lt1"/>
+          </a:fontRef>
+        </p:style>
+        <p:txBody>
+          <a:bodyPr rtlCol="0" anchor="ctr"/>
+          <a:lstStyle/>
+          <a:p>
+            <a:pPr algn="ctr"/>
+            <a:r>
+              <a:rPr lang="de-DE" dirty="0"/>
+              <a:t>Stadt / Hilfsorganisation:</a:t>
+            </a:r>
+            <a:br>
+              <a:rPr lang="de-DE" dirty="0"/>
+            </a:br>
+            <a:r>
+              <a:rPr lang="de-DE" dirty="0"/>
+              <a:t>Sicherheit durch effiziente Einsätze</a:t>
+            </a:r>
+          </a:p>
+        </p:txBody>
+      </p:sp>
+      <p:sp>
+        <p:nvSpPr>
+          <p:cNvPr id="8" name="Pfeil: nach rechts 7">
+            <a:extLst>
+              <a:ext uri="{FF2B5EF4-FFF2-40B4-BE49-F238E27FC236}">
+                <a16:creationId xmlns:a16="http://schemas.microsoft.com/office/drawing/2014/main" id="{2B03539C-A725-4F21-A6A6-98C0F1CEE408}"/>
+              </a:ext>
+            </a:extLst>
+          </p:cNvPr>
+          <p:cNvSpPr/>
+          <p:nvPr/>
+        </p:nvSpPr>
+        <p:spPr>
+          <a:xfrm>
+            <a:off x="6452585" y="-456172"/>
+            <a:ext cx="4270159" cy="2432482"/>
+          </a:xfrm>
+          <a:prstGeom prst="rightArrow">
+            <a:avLst/>
+          </a:prstGeom>
+        </p:spPr>
+        <p:style>
+          <a:lnRef idx="2">
+            <a:schemeClr val="accent1">
+              <a:shade val="50000"/>
+            </a:schemeClr>
+          </a:lnRef>
+          <a:fillRef idx="1">
+            <a:schemeClr val="accent1"/>
+          </a:fillRef>
+          <a:effectRef idx="0">
+            <a:schemeClr val="accent1"/>
+          </a:effectRef>
+          <a:fontRef idx="minor">
+            <a:schemeClr val="lt1"/>
+          </a:fontRef>
+        </p:style>
+        <p:txBody>
+          <a:bodyPr rtlCol="0" anchor="ctr"/>
+          <a:lstStyle/>
+          <a:p>
+            <a:pPr algn="ctr"/>
+            <a:r>
+              <a:rPr lang="de-DE" sz="4000" dirty="0"/>
+              <a:t>Bedürfnisse</a:t>
+            </a:r>
+            <a:endParaRPr lang="de-DE" dirty="0"/>
+          </a:p>
+        </p:txBody>
+      </p:sp>
+      <p:sp>
+        <p:nvSpPr>
+          <p:cNvPr id="5" name="Pfeil: nach rechts 4">
+            <a:extLst>
+              <a:ext uri="{FF2B5EF4-FFF2-40B4-BE49-F238E27FC236}">
+                <a16:creationId xmlns:a16="http://schemas.microsoft.com/office/drawing/2014/main" id="{8AC4DD86-DAA2-447D-8342-CDA8E1F2A4DF}"/>
+              </a:ext>
+            </a:extLst>
+          </p:cNvPr>
+          <p:cNvSpPr/>
+          <p:nvPr/>
+        </p:nvSpPr>
+        <p:spPr>
+          <a:xfrm>
+            <a:off x="7619998" y="3579880"/>
+            <a:ext cx="4270159" cy="2432482"/>
+          </a:xfrm>
+          <a:prstGeom prst="rightArrow">
+            <a:avLst/>
+          </a:prstGeom>
+        </p:spPr>
+        <p:style>
+          <a:lnRef idx="2">
+            <a:schemeClr val="accent1">
+              <a:shade val="50000"/>
+            </a:schemeClr>
+          </a:lnRef>
+          <a:fillRef idx="1">
+            <a:schemeClr val="accent1"/>
+          </a:fillRef>
+          <a:effectRef idx="0">
+            <a:schemeClr val="accent1"/>
+          </a:effectRef>
+          <a:fontRef idx="minor">
+            <a:schemeClr val="lt1"/>
+          </a:fontRef>
+        </p:style>
+        <p:txBody>
+          <a:bodyPr rtlCol="0" anchor="ctr"/>
+          <a:lstStyle/>
+          <a:p>
+            <a:pPr algn="ctr"/>
+            <a:r>
+              <a:rPr lang="de-DE" dirty="0"/>
+              <a:t>Angehörige: Soziales Bedürfnis gestillt durch Informationen</a:t>
+            </a:r>
+          </a:p>
+        </p:txBody>
+      </p:sp>
+      <p:sp>
+        <p:nvSpPr>
+          <p:cNvPr id="4" name="Pfeil: nach rechts 3">
+            <a:extLst>
+              <a:ext uri="{FF2B5EF4-FFF2-40B4-BE49-F238E27FC236}">
+                <a16:creationId xmlns:a16="http://schemas.microsoft.com/office/drawing/2014/main" id="{F5B4CD89-85E4-47AF-B37B-B674B3895386}"/>
+              </a:ext>
+            </a:extLst>
+          </p:cNvPr>
+          <p:cNvSpPr/>
+          <p:nvPr/>
+        </p:nvSpPr>
+        <p:spPr>
+          <a:xfrm>
+            <a:off x="7619998" y="919907"/>
+            <a:ext cx="4270159" cy="2432482"/>
+          </a:xfrm>
+          <a:prstGeom prst="rightArrow">
+            <a:avLst/>
+          </a:prstGeom>
+        </p:spPr>
+        <p:style>
+          <a:lnRef idx="2">
+            <a:schemeClr val="accent1">
+              <a:shade val="50000"/>
+            </a:schemeClr>
+          </a:lnRef>
+          <a:fillRef idx="1">
+            <a:schemeClr val="accent1"/>
+          </a:fillRef>
+          <a:effectRef idx="0">
+            <a:schemeClr val="accent1"/>
+          </a:effectRef>
+          <a:fontRef idx="minor">
+            <a:schemeClr val="lt1"/>
+          </a:fontRef>
+        </p:style>
+        <p:txBody>
+          <a:bodyPr rtlCol="0" anchor="ctr"/>
+          <a:lstStyle/>
+          <a:p>
+            <a:pPr algn="ctr"/>
+            <a:r>
+              <a:rPr lang="de-DE" dirty="0"/>
+              <a:t>Helfer*innen: Selbstverwirklichung, Geltungsbedürfnis</a:t>
+            </a:r>
+          </a:p>
+        </p:txBody>
+      </p:sp>
+      <p:sp>
+        <p:nvSpPr>
+          <p:cNvPr id="9" name="Foliennummernplatzhalter 8">
+            <a:extLst>
+              <a:ext uri="{FF2B5EF4-FFF2-40B4-BE49-F238E27FC236}">
+                <a16:creationId xmlns:a16="http://schemas.microsoft.com/office/drawing/2014/main" id="{D54D8767-4F1F-4C40-A3CD-81D01D1BBA64}"/>
+              </a:ext>
+            </a:extLst>
+          </p:cNvPr>
+          <p:cNvSpPr>
+            <a:spLocks noGrp="1"/>
+          </p:cNvSpPr>
+          <p:nvPr>
+            <p:ph type="sldNum" sz="quarter" idx="12"/>
+          </p:nvPr>
+        </p:nvSpPr>
+        <p:spPr/>
+        <p:txBody>
+          <a:bodyPr/>
+          <a:lstStyle/>
+          <a:p>
+            <a:fld id="{4FAB73BC-B049-4115-A692-8D63A059BFB8}" type="slidenum">
+              <a:rPr lang="en-US" smtClean="0"/>
+              <a:t>15</a:t>
+            </a:fld>
+            <a:endParaRPr lang="en-US" dirty="0"/>
           </a:p>
         </p:txBody>
       </p:sp>
     </p:spTree>
     <p:extLst>
       <p:ext uri="{BB962C8B-B14F-4D97-AF65-F5344CB8AC3E}">
-        <p14:creationId xmlns:p14="http://schemas.microsoft.com/office/powerpoint/2010/main" val="2910883774"/>
+        <p14:creationId xmlns:p14="http://schemas.microsoft.com/office/powerpoint/2010/main" val="3718769699"/>
       </p:ext>
     </p:extLst>
   </p:cSld>
@@ -5651,7 +6211,7 @@
           <p:cNvPr id="2" name="Titel 1">
             <a:extLst>
               <a:ext uri="{FF2B5EF4-FFF2-40B4-BE49-F238E27FC236}">
-                <a16:creationId xmlns:a16="http://schemas.microsoft.com/office/drawing/2014/main" id="{18FB7D32-4568-41B2-93A8-934F6A49042E}"/>
+                <a16:creationId xmlns:a16="http://schemas.microsoft.com/office/drawing/2014/main" id="{EF5BD1D6-244A-481B-A1AB-A7F803E20BC1}"/>
               </a:ext>
             </a:extLst>
           </p:cNvPr>
@@ -5669,7 +6229,7 @@
           <a:p>
             <a:r>
               <a:rPr lang="de-DE" dirty="0"/>
-              <a:t>Geschäftsform</a:t>
+              <a:t>Kurs</a:t>
             </a:r>
           </a:p>
         </p:txBody>
@@ -5679,7 +6239,7 @@
           <p:cNvPr id="3" name="Inhaltsplatzhalter 2">
             <a:extLst>
               <a:ext uri="{FF2B5EF4-FFF2-40B4-BE49-F238E27FC236}">
-                <a16:creationId xmlns:a16="http://schemas.microsoft.com/office/drawing/2014/main" id="{6C287BC1-B35D-4006-857F-BB78294722E3}"/>
+                <a16:creationId xmlns:a16="http://schemas.microsoft.com/office/drawing/2014/main" id="{E363DE84-DD84-4B16-BF95-932280378145}"/>
               </a:ext>
             </a:extLst>
           </p:cNvPr>
@@ -5696,28 +6256,61 @@
           <a:lstStyle/>
           <a:p>
             <a:r>
-              <a:rPr lang="de-DE" dirty="0"/>
-              <a:t>UG / GbR</a:t>
-            </a:r>
-          </a:p>
-          <a:p>
-            <a:r>
-              <a:rPr lang="de-DE" dirty="0"/>
-              <a:t>eigentlich egal, da mit unserem Produkt keine großen Risiken</a:t>
-            </a:r>
-          </a:p>
-          <a:p>
-            <a:r>
-              <a:rPr lang="de-DE" dirty="0"/>
-              <a:t>ggf. leichtere Finanzierung</a:t>
-            </a:r>
+              <a:rPr lang="de-DE" dirty="0">
+                <a:highlight>
+                  <a:srgbClr val="FFFF00"/>
+                </a:highlight>
+              </a:rPr>
+              <a:t>Erst schätzen, dann genau rechnen</a:t>
+            </a:r>
+          </a:p>
+          <a:p>
+            <a:r>
+              <a:rPr lang="de-DE" dirty="0"/>
+              <a:t>Beginn in Baden-Württemberg</a:t>
+            </a:r>
+          </a:p>
+          <a:p>
+            <a:r>
+              <a:rPr lang="de-DE" dirty="0"/>
+              <a:t>Dann weiter ausbreiten</a:t>
+            </a:r>
+          </a:p>
+        </p:txBody>
+      </p:sp>
+      <p:sp>
+        <p:nvSpPr>
+          <p:cNvPr id="4" name="Foliennummernplatzhalter 3">
+            <a:extLst>
+              <a:ext uri="{FF2B5EF4-FFF2-40B4-BE49-F238E27FC236}">
+                <a16:creationId xmlns:a16="http://schemas.microsoft.com/office/drawing/2014/main" id="{D49800F1-5597-4BBD-855F-1119E93D20F1}"/>
+              </a:ext>
+            </a:extLst>
+          </p:cNvPr>
+          <p:cNvSpPr>
+            <a:spLocks noGrp="1"/>
+          </p:cNvSpPr>
+          <p:nvPr>
+            <p:ph type="sldNum" sz="quarter" idx="12"/>
+          </p:nvPr>
+        </p:nvSpPr>
+        <p:spPr/>
+        <p:txBody>
+          <a:bodyPr/>
+          <a:lstStyle/>
+          <a:p>
+            <a:fld id="{4FAB73BC-B049-4115-A692-8D63A059BFB8}" type="slidenum">
+              <a:rPr lang="en-US" smtClean="0"/>
+              <a:t>16</a:t>
+            </a:fld>
+            <a:endParaRPr lang="en-US" dirty="0"/>
           </a:p>
         </p:txBody>
       </p:sp>
     </p:spTree>
     <p:extLst>
       <p:ext uri="{BB962C8B-B14F-4D97-AF65-F5344CB8AC3E}">
-        <p14:creationId xmlns:p14="http://schemas.microsoft.com/office/powerpoint/2010/main" val="828659712"/>
+        <p14:creationId xmlns:p14="http://schemas.microsoft.com/office/powerpoint/2010/main" val="2929679380"/>
       </p:ext>
     </p:extLst>
   </p:cSld>
@@ -5749,6 +6342,292 @@
           <p:cNvPr id="2" name="Titel 1">
             <a:extLst>
               <a:ext uri="{FF2B5EF4-FFF2-40B4-BE49-F238E27FC236}">
+                <a16:creationId xmlns:a16="http://schemas.microsoft.com/office/drawing/2014/main" id="{2B0A34EE-E04E-45D3-9B05-D0FD2057CA4D}"/>
+              </a:ext>
+            </a:extLst>
+          </p:cNvPr>
+          <p:cNvSpPr>
+            <a:spLocks noGrp="1"/>
+          </p:cNvSpPr>
+          <p:nvPr>
+            <p:ph type="title"/>
+          </p:nvPr>
+        </p:nvSpPr>
+        <p:spPr/>
+        <p:txBody>
+          <a:bodyPr/>
+          <a:lstStyle/>
+          <a:p>
+            <a:r>
+              <a:rPr lang="de-DE" dirty="0"/>
+              <a:t>Finanzierung</a:t>
+            </a:r>
+          </a:p>
+        </p:txBody>
+      </p:sp>
+      <p:sp>
+        <p:nvSpPr>
+          <p:cNvPr id="3" name="Inhaltsplatzhalter 2">
+            <a:extLst>
+              <a:ext uri="{FF2B5EF4-FFF2-40B4-BE49-F238E27FC236}">
+                <a16:creationId xmlns:a16="http://schemas.microsoft.com/office/drawing/2014/main" id="{263FDD4D-8F07-408C-9505-B23EA68EF684}"/>
+              </a:ext>
+            </a:extLst>
+          </p:cNvPr>
+          <p:cNvSpPr>
+            <a:spLocks noGrp="1"/>
+          </p:cNvSpPr>
+          <p:nvPr>
+            <p:ph idx="1"/>
+          </p:nvPr>
+        </p:nvSpPr>
+        <p:spPr/>
+        <p:txBody>
+          <a:bodyPr/>
+          <a:lstStyle/>
+          <a:p>
+            <a:r>
+              <a:rPr lang="de-DE" dirty="0"/>
+              <a:t>Bedarf gering</a:t>
+            </a:r>
+          </a:p>
+          <a:p>
+            <a:r>
+              <a:rPr lang="de-DE" dirty="0"/>
+              <a:t>Am besten Friends &amp; Family</a:t>
+            </a:r>
+          </a:p>
+          <a:p>
+            <a:endParaRPr lang="de-DE" dirty="0"/>
+          </a:p>
+          <a:p>
+            <a:r>
+              <a:rPr lang="de-DE" dirty="0">
+                <a:highlight>
+                  <a:srgbClr val="FFFF00"/>
+                </a:highlight>
+              </a:rPr>
+              <a:t>Maximaler Finanzierungsbedarf?</a:t>
+            </a:r>
+          </a:p>
+          <a:p>
+            <a:r>
+              <a:rPr lang="de-DE" dirty="0">
+                <a:highlight>
+                  <a:srgbClr val="FFFF00"/>
+                </a:highlight>
+              </a:rPr>
+              <a:t>Breakeven?</a:t>
+            </a:r>
+          </a:p>
+          <a:p>
+            <a:r>
+              <a:rPr lang="de-DE" dirty="0">
+                <a:highlight>
+                  <a:srgbClr val="FFFF00"/>
+                </a:highlight>
+              </a:rPr>
+              <a:t>Kumulierter Breakeven?</a:t>
+            </a:r>
+          </a:p>
+        </p:txBody>
+      </p:sp>
+      <p:sp>
+        <p:nvSpPr>
+          <p:cNvPr id="4" name="Foliennummernplatzhalter 3">
+            <a:extLst>
+              <a:ext uri="{FF2B5EF4-FFF2-40B4-BE49-F238E27FC236}">
+                <a16:creationId xmlns:a16="http://schemas.microsoft.com/office/drawing/2014/main" id="{F3902359-5A2B-4835-B7EB-9B1E45611F16}"/>
+              </a:ext>
+            </a:extLst>
+          </p:cNvPr>
+          <p:cNvSpPr>
+            <a:spLocks noGrp="1"/>
+          </p:cNvSpPr>
+          <p:nvPr>
+            <p:ph type="sldNum" sz="quarter" idx="12"/>
+          </p:nvPr>
+        </p:nvSpPr>
+        <p:spPr/>
+        <p:txBody>
+          <a:bodyPr/>
+          <a:lstStyle/>
+          <a:p>
+            <a:fld id="{4FAB73BC-B049-4115-A692-8D63A059BFB8}" type="slidenum">
+              <a:rPr lang="en-US" smtClean="0"/>
+              <a:t>17</a:t>
+            </a:fld>
+            <a:endParaRPr lang="en-US" dirty="0"/>
+          </a:p>
+        </p:txBody>
+      </p:sp>
+    </p:spTree>
+    <p:extLst>
+      <p:ext uri="{BB962C8B-B14F-4D97-AF65-F5344CB8AC3E}">
+        <p14:creationId xmlns:p14="http://schemas.microsoft.com/office/powerpoint/2010/main" val="2910883774"/>
+      </p:ext>
+    </p:extLst>
+  </p:cSld>
+  <p:clrMapOvr>
+    <a:masterClrMapping/>
+  </p:clrMapOvr>
+</p:sld>
+</file>
+
+<file path=ppt/slides/slide18.xml><?xml version="1.0" encoding="utf-8"?>
+<p:sld xmlns:a="http://schemas.openxmlformats.org/drawingml/2006/main" xmlns:r="http://schemas.openxmlformats.org/officeDocument/2006/relationships" xmlns:p="http://schemas.openxmlformats.org/presentationml/2006/main">
+  <p:cSld>
+    <p:spTree>
+      <p:nvGrpSpPr>
+        <p:cNvPr id="1" name=""/>
+        <p:cNvGrpSpPr/>
+        <p:nvPr/>
+      </p:nvGrpSpPr>
+      <p:grpSpPr>
+        <a:xfrm>
+          <a:off x="0" y="0"/>
+          <a:ext cx="0" cy="0"/>
+          <a:chOff x="0" y="0"/>
+          <a:chExt cx="0" cy="0"/>
+        </a:xfrm>
+      </p:grpSpPr>
+      <p:sp>
+        <p:nvSpPr>
+          <p:cNvPr id="2" name="Titel 1">
+            <a:extLst>
+              <a:ext uri="{FF2B5EF4-FFF2-40B4-BE49-F238E27FC236}">
+                <a16:creationId xmlns:a16="http://schemas.microsoft.com/office/drawing/2014/main" id="{18FB7D32-4568-41B2-93A8-934F6A49042E}"/>
+              </a:ext>
+            </a:extLst>
+          </p:cNvPr>
+          <p:cNvSpPr>
+            <a:spLocks noGrp="1"/>
+          </p:cNvSpPr>
+          <p:nvPr>
+            <p:ph type="title"/>
+          </p:nvPr>
+        </p:nvSpPr>
+        <p:spPr/>
+        <p:txBody>
+          <a:bodyPr/>
+          <a:lstStyle/>
+          <a:p>
+            <a:r>
+              <a:rPr lang="de-DE" dirty="0"/>
+              <a:t>Geschäftsform</a:t>
+            </a:r>
+          </a:p>
+        </p:txBody>
+      </p:sp>
+      <p:sp>
+        <p:nvSpPr>
+          <p:cNvPr id="3" name="Inhaltsplatzhalter 2">
+            <a:extLst>
+              <a:ext uri="{FF2B5EF4-FFF2-40B4-BE49-F238E27FC236}">
+                <a16:creationId xmlns:a16="http://schemas.microsoft.com/office/drawing/2014/main" id="{6C287BC1-B35D-4006-857F-BB78294722E3}"/>
+              </a:ext>
+            </a:extLst>
+          </p:cNvPr>
+          <p:cNvSpPr>
+            <a:spLocks noGrp="1"/>
+          </p:cNvSpPr>
+          <p:nvPr>
+            <p:ph idx="1"/>
+          </p:nvPr>
+        </p:nvSpPr>
+        <p:spPr>
+          <a:xfrm>
+            <a:off x="1069848" y="2121408"/>
+            <a:ext cx="10058400" cy="4050792"/>
+          </a:xfrm>
+        </p:spPr>
+        <p:txBody>
+          <a:bodyPr/>
+          <a:lstStyle/>
+          <a:p>
+            <a:r>
+              <a:rPr lang="de-DE" dirty="0"/>
+              <a:t>UG / GbR</a:t>
+            </a:r>
+          </a:p>
+          <a:p>
+            <a:r>
+              <a:rPr lang="de-DE" dirty="0"/>
+              <a:t>eigentlich egal, da mit unserem Produkt keine großen Risiken</a:t>
+            </a:r>
+          </a:p>
+          <a:p>
+            <a:r>
+              <a:rPr lang="de-DE" dirty="0"/>
+              <a:t>ggf. leichtere Finanzierung</a:t>
+            </a:r>
+          </a:p>
+        </p:txBody>
+      </p:sp>
+      <p:sp>
+        <p:nvSpPr>
+          <p:cNvPr id="4" name="Foliennummernplatzhalter 3">
+            <a:extLst>
+              <a:ext uri="{FF2B5EF4-FFF2-40B4-BE49-F238E27FC236}">
+                <a16:creationId xmlns:a16="http://schemas.microsoft.com/office/drawing/2014/main" id="{41C9D3B1-3260-4C0F-86BA-20AECCB39590}"/>
+              </a:ext>
+            </a:extLst>
+          </p:cNvPr>
+          <p:cNvSpPr>
+            <a:spLocks noGrp="1"/>
+          </p:cNvSpPr>
+          <p:nvPr>
+            <p:ph type="sldNum" sz="quarter" idx="12"/>
+          </p:nvPr>
+        </p:nvSpPr>
+        <p:spPr/>
+        <p:txBody>
+          <a:bodyPr/>
+          <a:lstStyle/>
+          <a:p>
+            <a:fld id="{4FAB73BC-B049-4115-A692-8D63A059BFB8}" type="slidenum">
+              <a:rPr lang="en-US" smtClean="0"/>
+              <a:t>18</a:t>
+            </a:fld>
+            <a:endParaRPr lang="en-US" dirty="0"/>
+          </a:p>
+        </p:txBody>
+      </p:sp>
+    </p:spTree>
+    <p:extLst>
+      <p:ext uri="{BB962C8B-B14F-4D97-AF65-F5344CB8AC3E}">
+        <p14:creationId xmlns:p14="http://schemas.microsoft.com/office/powerpoint/2010/main" val="828659712"/>
+      </p:ext>
+    </p:extLst>
+  </p:cSld>
+  <p:clrMapOvr>
+    <a:masterClrMapping/>
+  </p:clrMapOvr>
+</p:sld>
+</file>
+
+<file path=ppt/slides/slide19.xml><?xml version="1.0" encoding="utf-8"?>
+<p:sld xmlns:a="http://schemas.openxmlformats.org/drawingml/2006/main" xmlns:r="http://schemas.openxmlformats.org/officeDocument/2006/relationships" xmlns:p="http://schemas.openxmlformats.org/presentationml/2006/main">
+  <p:cSld>
+    <p:spTree>
+      <p:nvGrpSpPr>
+        <p:cNvPr id="1" name=""/>
+        <p:cNvGrpSpPr/>
+        <p:nvPr/>
+      </p:nvGrpSpPr>
+      <p:grpSpPr>
+        <a:xfrm>
+          <a:off x="0" y="0"/>
+          <a:ext cx="0" cy="0"/>
+          <a:chOff x="0" y="0"/>
+          <a:chExt cx="0" cy="0"/>
+        </a:xfrm>
+      </p:grpSpPr>
+      <p:sp>
+        <p:nvSpPr>
+          <p:cNvPr id="2" name="Titel 1">
+            <a:extLst>
+              <a:ext uri="{FF2B5EF4-FFF2-40B4-BE49-F238E27FC236}">
                 <a16:creationId xmlns:a16="http://schemas.microsoft.com/office/drawing/2014/main" id="{3CFA8E29-93D0-4B49-A698-120EE54213B0}"/>
               </a:ext>
             </a:extLst>
@@ -5797,6 +6676,59 @@
               <a:rPr lang="de-DE" dirty="0"/>
               <a:t>Patent ist nicht notwendig</a:t>
             </a:r>
+          </a:p>
+          <a:p>
+            <a:r>
+              <a:rPr lang="de-DE" dirty="0"/>
+              <a:t>Idee nicht patentierungswürdig</a:t>
+            </a:r>
+          </a:p>
+          <a:p>
+            <a:endParaRPr lang="de-DE" dirty="0">
+              <a:latin typeface="Architects Daughter" pitchFamily="2" charset="0"/>
+              <a:sym typeface="Wingdings" panose="05000000000000000000" pitchFamily="2" charset="2"/>
+            </a:endParaRPr>
+          </a:p>
+          <a:p>
+            <a:r>
+              <a:rPr lang="de-DE" dirty="0">
+                <a:latin typeface="Architects Daughter" pitchFamily="2" charset="0"/>
+                <a:sym typeface="Wingdings" panose="05000000000000000000" pitchFamily="2" charset="2"/>
+              </a:rPr>
+              <a:t> be fast or be last</a:t>
+            </a:r>
+            <a:endParaRPr lang="de-DE" dirty="0">
+              <a:latin typeface="Architects Daughter" pitchFamily="2" charset="0"/>
+            </a:endParaRPr>
+          </a:p>
+        </p:txBody>
+      </p:sp>
+      <p:sp>
+        <p:nvSpPr>
+          <p:cNvPr id="4" name="Foliennummernplatzhalter 3">
+            <a:extLst>
+              <a:ext uri="{FF2B5EF4-FFF2-40B4-BE49-F238E27FC236}">
+                <a16:creationId xmlns:a16="http://schemas.microsoft.com/office/drawing/2014/main" id="{44B69492-39C7-4B73-86EA-3E4270F5954D}"/>
+              </a:ext>
+            </a:extLst>
+          </p:cNvPr>
+          <p:cNvSpPr>
+            <a:spLocks noGrp="1"/>
+          </p:cNvSpPr>
+          <p:nvPr>
+            <p:ph type="sldNum" sz="quarter" idx="12"/>
+          </p:nvPr>
+        </p:nvSpPr>
+        <p:spPr/>
+        <p:txBody>
+          <a:bodyPr/>
+          <a:lstStyle/>
+          <a:p>
+            <a:fld id="{4FAB73BC-B049-4115-A692-8D63A059BFB8}" type="slidenum">
+              <a:rPr lang="en-US" smtClean="0"/>
+              <a:t>19</a:t>
+            </a:fld>
+            <a:endParaRPr lang="en-US" dirty="0"/>
           </a:p>
         </p:txBody>
       </p:sp>
@@ -5886,73 +6818,70 @@
           <a:p>
             <a:r>
               <a:rPr lang="de-DE" dirty="0"/>
-              <a:t>Dominik Meixner, 1723730	(26.9., 10.10., 17.10., 24.10, 14.11., 21.11., 28.11.)</a:t>
-            </a:r>
-          </a:p>
-          <a:p>
-            <a:r>
-              <a:rPr lang="de-DE" dirty="0"/>
-              <a:t>Christian </a:t>
-            </a:r>
-            <a:r>
-              <a:rPr lang="de-DE" dirty="0" err="1"/>
-              <a:t>Palla</a:t>
-            </a:r>
-            <a:r>
-              <a:rPr lang="de-DE" dirty="0"/>
-              <a:t>, 1714775	(10.10., 24.10., 14.11., 21.11., 28.11.)</a:t>
-            </a:r>
-          </a:p>
-          <a:p>
-            <a:r>
-              <a:rPr lang="de-DE" dirty="0"/>
-              <a:t>Max </a:t>
-            </a:r>
-            <a:r>
-              <a:rPr lang="de-DE" dirty="0" err="1"/>
-              <a:t>Jando</a:t>
-            </a:r>
-            <a:r>
-              <a:rPr lang="de-DE" dirty="0"/>
-              <a:t>			(26.9., 17.10., 21.11., 28.11.)</a:t>
-            </a:r>
-          </a:p>
-          <a:p>
-            <a:r>
-              <a:rPr lang="de-DE" dirty="0"/>
-              <a:t>Niklas </a:t>
-            </a:r>
-            <a:r>
-              <a:rPr lang="de-DE" dirty="0" err="1"/>
-              <a:t>Nikisch</a:t>
-            </a:r>
-            <a:r>
-              <a:rPr lang="de-DE" dirty="0"/>
-              <a:t> 		(vorher VR, 17.10., 24.10., 14.11. , 21.11., 28.11.)</a:t>
-            </a:r>
-          </a:p>
-          <a:p>
-            <a:r>
-              <a:rPr lang="de-DE" dirty="0"/>
-              <a:t>Tobias Köhler			(vorher VR, 24.10., 14.11. , 21.11., 28.11.)</a:t>
-            </a:r>
-          </a:p>
-          <a:p>
-            <a:r>
-              <a:rPr lang="de-DE" dirty="0"/>
-              <a:t>Janine Proft		</a:t>
-            </a:r>
-            <a:r>
-              <a:rPr lang="de-DE"/>
-              <a:t>	(</a:t>
-            </a:r>
-            <a:r>
-              <a:rPr lang="de-DE" dirty="0"/>
-              <a:t>am 14.11. – 2. Stunde)</a:t>
+              <a:t>Dominik Meixner, 1723730	(26.9., 10.10., 17.10., 24.10, 14.11., 21.11., 28.11., 5.12.)</a:t>
+            </a:r>
+          </a:p>
+          <a:p>
+            <a:r>
+              <a:rPr lang="de-DE" dirty="0"/>
+              <a:t>Christian Palla, 1714775	(10.10., 24.10., 14.11., 21.11., 28.11. , 5.12.)</a:t>
+            </a:r>
+          </a:p>
+          <a:p>
+            <a:r>
+              <a:rPr lang="de-DE" dirty="0"/>
+              <a:t>Max Jando			(26.9., 17.10., 21.11., 28.11.)</a:t>
+            </a:r>
+          </a:p>
+          <a:p>
+            <a:r>
+              <a:rPr lang="de-DE" dirty="0"/>
+              <a:t>Niklas Nikisch 		(vorher VR, 17.10., 24.10., 14.11. , 21.11., 28.11. , 5.12.)</a:t>
+            </a:r>
+          </a:p>
+          <a:p>
+            <a:r>
+              <a:rPr lang="de-DE" dirty="0"/>
+              <a:t>Tobias Köhler			(vorher VR, 24.10., 14.11. , 21.11., 28.11. , 5.12.)</a:t>
+            </a:r>
+          </a:p>
+          <a:p>
+            <a:r>
+              <a:rPr lang="de-DE" dirty="0"/>
+              <a:t>Janine Proft			(am 14.11. – 2. Stunde, Schülerpraktikum)</a:t>
             </a:r>
           </a:p>
           <a:p>
             <a:endParaRPr lang="de-DE" dirty="0"/>
+          </a:p>
+        </p:txBody>
+      </p:sp>
+      <p:sp>
+        <p:nvSpPr>
+          <p:cNvPr id="4" name="Foliennummernplatzhalter 3">
+            <a:extLst>
+              <a:ext uri="{FF2B5EF4-FFF2-40B4-BE49-F238E27FC236}">
+                <a16:creationId xmlns:a16="http://schemas.microsoft.com/office/drawing/2014/main" id="{472310B1-FEEE-4C27-934C-D7040C6D0348}"/>
+              </a:ext>
+            </a:extLst>
+          </p:cNvPr>
+          <p:cNvSpPr>
+            <a:spLocks noGrp="1"/>
+          </p:cNvSpPr>
+          <p:nvPr>
+            <p:ph type="sldNum" sz="quarter" idx="12"/>
+          </p:nvPr>
+        </p:nvSpPr>
+        <p:spPr/>
+        <p:txBody>
+          <a:bodyPr/>
+          <a:lstStyle/>
+          <a:p>
+            <a:fld id="{4FAB73BC-B049-4115-A692-8D63A059BFB8}" type="slidenum">
+              <a:rPr lang="en-US" smtClean="0"/>
+              <a:t>2</a:t>
+            </a:fld>
+            <a:endParaRPr lang="en-US" dirty="0"/>
           </a:p>
         </p:txBody>
       </p:sp>
@@ -5960,6 +6889,964 @@
     <p:extLst>
       <p:ext uri="{BB962C8B-B14F-4D97-AF65-F5344CB8AC3E}">
         <p14:creationId xmlns:p14="http://schemas.microsoft.com/office/powerpoint/2010/main" val="535854523"/>
+      </p:ext>
+    </p:extLst>
+  </p:cSld>
+  <p:clrMapOvr>
+    <a:masterClrMapping/>
+  </p:clrMapOvr>
+</p:sld>
+</file>
+
+<file path=ppt/slides/slide20.xml><?xml version="1.0" encoding="utf-8"?>
+<p:sld xmlns:a="http://schemas.openxmlformats.org/drawingml/2006/main" xmlns:r="http://schemas.openxmlformats.org/officeDocument/2006/relationships" xmlns:p="http://schemas.openxmlformats.org/presentationml/2006/main">
+  <p:cSld>
+    <p:spTree>
+      <p:nvGrpSpPr>
+        <p:cNvPr id="1" name=""/>
+        <p:cNvGrpSpPr/>
+        <p:nvPr/>
+      </p:nvGrpSpPr>
+      <p:grpSpPr>
+        <a:xfrm>
+          <a:off x="0" y="0"/>
+          <a:ext cx="0" cy="0"/>
+          <a:chOff x="0" y="0"/>
+          <a:chExt cx="0" cy="0"/>
+        </a:xfrm>
+      </p:grpSpPr>
+      <p:pic>
+        <p:nvPicPr>
+          <p:cNvPr id="6" name="Grafik 5">
+            <a:extLst>
+              <a:ext uri="{FF2B5EF4-FFF2-40B4-BE49-F238E27FC236}">
+                <a16:creationId xmlns:a16="http://schemas.microsoft.com/office/drawing/2014/main" id="{D23BE070-4890-434C-BCB3-68D2AA6A47FE}"/>
+              </a:ext>
+            </a:extLst>
+          </p:cNvPr>
+          <p:cNvPicPr>
+            <a:picLocks noChangeAspect="1"/>
+          </p:cNvPicPr>
+          <p:nvPr/>
+        </p:nvPicPr>
+        <p:blipFill>
+          <a:blip r:embed="rId2"/>
+          <a:stretch>
+            <a:fillRect/>
+          </a:stretch>
+        </p:blipFill>
+        <p:spPr>
+          <a:xfrm>
+            <a:off x="661066" y="172606"/>
+            <a:ext cx="10273008" cy="6512788"/>
+          </a:xfrm>
+          <a:prstGeom prst="rect">
+            <a:avLst/>
+          </a:prstGeom>
+        </p:spPr>
+      </p:pic>
+      <p:sp>
+        <p:nvSpPr>
+          <p:cNvPr id="7" name="Textfeld 6">
+            <a:extLst>
+              <a:ext uri="{FF2B5EF4-FFF2-40B4-BE49-F238E27FC236}">
+                <a16:creationId xmlns:a16="http://schemas.microsoft.com/office/drawing/2014/main" id="{303633F8-87A5-467B-9CFC-715CA3DE28F3}"/>
+              </a:ext>
+            </a:extLst>
+          </p:cNvPr>
+          <p:cNvSpPr txBox="1"/>
+          <p:nvPr/>
+        </p:nvSpPr>
+        <p:spPr>
+          <a:xfrm>
+            <a:off x="1077147" y="2649226"/>
+            <a:ext cx="1586346" cy="523220"/>
+          </a:xfrm>
+          <a:prstGeom prst="rect">
+            <a:avLst/>
+          </a:prstGeom>
+        </p:spPr>
+        <p:style>
+          <a:lnRef idx="2">
+            <a:schemeClr val="accent2"/>
+          </a:lnRef>
+          <a:fillRef idx="1">
+            <a:schemeClr val="lt1"/>
+          </a:fillRef>
+          <a:effectRef idx="0">
+            <a:schemeClr val="accent2"/>
+          </a:effectRef>
+          <a:fontRef idx="minor">
+            <a:schemeClr val="dk1"/>
+          </a:fontRef>
+        </p:style>
+        <p:txBody>
+          <a:bodyPr wrap="square" rtlCol="0">
+            <a:spAutoFit/>
+          </a:bodyPr>
+          <a:lstStyle/>
+          <a:p>
+            <a:pPr marL="285750" indent="-285750">
+              <a:buFontTx/>
+              <a:buChar char="-"/>
+            </a:pPr>
+            <a:r>
+              <a:rPr lang="de-DE" sz="1400" dirty="0"/>
+              <a:t>HiOrgs</a:t>
+            </a:r>
+          </a:p>
+          <a:p>
+            <a:pPr marL="285750" indent="-285750">
+              <a:buFontTx/>
+              <a:buChar char="-"/>
+            </a:pPr>
+            <a:r>
+              <a:rPr lang="de-DE" sz="1400" dirty="0"/>
+              <a:t>Stadt</a:t>
+            </a:r>
+          </a:p>
+        </p:txBody>
+      </p:sp>
+      <p:sp>
+        <p:nvSpPr>
+          <p:cNvPr id="8" name="Textfeld 7">
+            <a:extLst>
+              <a:ext uri="{FF2B5EF4-FFF2-40B4-BE49-F238E27FC236}">
+                <a16:creationId xmlns:a16="http://schemas.microsoft.com/office/drawing/2014/main" id="{CD7EDB62-7370-4694-9929-D95FDAA0F30D}"/>
+              </a:ext>
+            </a:extLst>
+          </p:cNvPr>
+          <p:cNvSpPr txBox="1"/>
+          <p:nvPr/>
+        </p:nvSpPr>
+        <p:spPr>
+          <a:xfrm>
+            <a:off x="2981193" y="1811026"/>
+            <a:ext cx="1783106" cy="523220"/>
+          </a:xfrm>
+          <a:prstGeom prst="rect">
+            <a:avLst/>
+          </a:prstGeom>
+        </p:spPr>
+        <p:style>
+          <a:lnRef idx="2">
+            <a:schemeClr val="accent2"/>
+          </a:lnRef>
+          <a:fillRef idx="1">
+            <a:schemeClr val="lt1"/>
+          </a:fillRef>
+          <a:effectRef idx="0">
+            <a:schemeClr val="accent2"/>
+          </a:effectRef>
+          <a:fontRef idx="minor">
+            <a:schemeClr val="dk1"/>
+          </a:fontRef>
+        </p:style>
+        <p:txBody>
+          <a:bodyPr wrap="square" rtlCol="0">
+            <a:spAutoFit/>
+          </a:bodyPr>
+          <a:lstStyle/>
+          <a:p>
+            <a:pPr marL="285750" indent="-285750">
+              <a:buFontTx/>
+              <a:buChar char="-"/>
+            </a:pPr>
+            <a:r>
+              <a:rPr lang="de-DE" sz="1400" dirty="0"/>
+              <a:t>App-Server-Kommunikation</a:t>
+            </a:r>
+          </a:p>
+        </p:txBody>
+      </p:sp>
+      <p:sp>
+        <p:nvSpPr>
+          <p:cNvPr id="9" name="Textfeld 8">
+            <a:extLst>
+              <a:ext uri="{FF2B5EF4-FFF2-40B4-BE49-F238E27FC236}">
+                <a16:creationId xmlns:a16="http://schemas.microsoft.com/office/drawing/2014/main" id="{0E145568-FBC9-415C-B4D1-3B829DBA880D}"/>
+              </a:ext>
+            </a:extLst>
+          </p:cNvPr>
+          <p:cNvSpPr txBox="1"/>
+          <p:nvPr/>
+        </p:nvSpPr>
+        <p:spPr>
+          <a:xfrm>
+            <a:off x="6930692" y="1748258"/>
+            <a:ext cx="1586346" cy="738664"/>
+          </a:xfrm>
+          <a:prstGeom prst="rect">
+            <a:avLst/>
+          </a:prstGeom>
+        </p:spPr>
+        <p:style>
+          <a:lnRef idx="2">
+            <a:schemeClr val="accent2"/>
+          </a:lnRef>
+          <a:fillRef idx="1">
+            <a:schemeClr val="lt1"/>
+          </a:fillRef>
+          <a:effectRef idx="0">
+            <a:schemeClr val="accent2"/>
+          </a:effectRef>
+          <a:fontRef idx="minor">
+            <a:schemeClr val="dk1"/>
+          </a:fontRef>
+        </p:style>
+        <p:txBody>
+          <a:bodyPr wrap="square" rtlCol="0">
+            <a:spAutoFit/>
+          </a:bodyPr>
+          <a:lstStyle/>
+          <a:p>
+            <a:pPr marL="285750" indent="-285750">
+              <a:buFontTx/>
+              <a:buChar char="-"/>
+            </a:pPr>
+            <a:r>
+              <a:rPr lang="de-DE" sz="1400" dirty="0"/>
+              <a:t>Persönlicher Kontakt beim Einrichten</a:t>
+            </a:r>
+          </a:p>
+        </p:txBody>
+      </p:sp>
+      <p:sp>
+        <p:nvSpPr>
+          <p:cNvPr id="10" name="Textfeld 9">
+            <a:extLst>
+              <a:ext uri="{FF2B5EF4-FFF2-40B4-BE49-F238E27FC236}">
+                <a16:creationId xmlns:a16="http://schemas.microsoft.com/office/drawing/2014/main" id="{813B5E8B-CDA8-4734-8017-E92FE2D7013C}"/>
+              </a:ext>
+            </a:extLst>
+          </p:cNvPr>
+          <p:cNvSpPr txBox="1"/>
+          <p:nvPr/>
+        </p:nvSpPr>
+        <p:spPr>
+          <a:xfrm>
+            <a:off x="4949492" y="3582361"/>
+            <a:ext cx="1586346" cy="738664"/>
+          </a:xfrm>
+          <a:prstGeom prst="rect">
+            <a:avLst/>
+          </a:prstGeom>
+        </p:spPr>
+        <p:style>
+          <a:lnRef idx="2">
+            <a:schemeClr val="accent2"/>
+          </a:lnRef>
+          <a:fillRef idx="1">
+            <a:schemeClr val="lt1"/>
+          </a:fillRef>
+          <a:effectRef idx="0">
+            <a:schemeClr val="accent2"/>
+          </a:effectRef>
+          <a:fontRef idx="minor">
+            <a:schemeClr val="dk1"/>
+          </a:fontRef>
+        </p:style>
+        <p:txBody>
+          <a:bodyPr wrap="square" rtlCol="0">
+            <a:spAutoFit/>
+          </a:bodyPr>
+          <a:lstStyle/>
+          <a:p>
+            <a:pPr marL="285750" indent="-285750">
+              <a:buFontTx/>
+              <a:buChar char="-"/>
+            </a:pPr>
+            <a:r>
+              <a:rPr lang="de-DE" sz="1400" dirty="0"/>
+              <a:t>schneller mehr Helfer*innen</a:t>
+            </a:r>
+          </a:p>
+        </p:txBody>
+      </p:sp>
+      <p:sp>
+        <p:nvSpPr>
+          <p:cNvPr id="11" name="Textfeld 10">
+            <a:extLst>
+              <a:ext uri="{FF2B5EF4-FFF2-40B4-BE49-F238E27FC236}">
+                <a16:creationId xmlns:a16="http://schemas.microsoft.com/office/drawing/2014/main" id="{47E60C0D-2826-41BF-8539-3D0FB91836B4}"/>
+              </a:ext>
+            </a:extLst>
+          </p:cNvPr>
+          <p:cNvSpPr txBox="1"/>
+          <p:nvPr/>
+        </p:nvSpPr>
+        <p:spPr>
+          <a:xfrm>
+            <a:off x="8717929" y="2387616"/>
+            <a:ext cx="1683328" cy="307777"/>
+          </a:xfrm>
+          <a:prstGeom prst="rect">
+            <a:avLst/>
+          </a:prstGeom>
+        </p:spPr>
+        <p:style>
+          <a:lnRef idx="2">
+            <a:schemeClr val="accent2"/>
+          </a:lnRef>
+          <a:fillRef idx="1">
+            <a:schemeClr val="lt1"/>
+          </a:fillRef>
+          <a:effectRef idx="0">
+            <a:schemeClr val="accent2"/>
+          </a:effectRef>
+          <a:fontRef idx="minor">
+            <a:schemeClr val="dk1"/>
+          </a:fontRef>
+        </p:style>
+        <p:txBody>
+          <a:bodyPr wrap="square" rtlCol="0">
+            <a:spAutoFit/>
+          </a:bodyPr>
+          <a:lstStyle/>
+          <a:p>
+            <a:pPr marL="285750" indent="-285750">
+              <a:buFontTx/>
+              <a:buChar char="-"/>
+            </a:pPr>
+            <a:r>
+              <a:rPr lang="de-DE" sz="1400" dirty="0"/>
+              <a:t>Nischenmarkt</a:t>
+            </a:r>
+          </a:p>
+        </p:txBody>
+      </p:sp>
+      <p:sp>
+        <p:nvSpPr>
+          <p:cNvPr id="12" name="Textfeld 11">
+            <a:extLst>
+              <a:ext uri="{FF2B5EF4-FFF2-40B4-BE49-F238E27FC236}">
+                <a16:creationId xmlns:a16="http://schemas.microsoft.com/office/drawing/2014/main" id="{48F62F33-205E-4398-8AAC-8F540FA33C2D}"/>
+              </a:ext>
+            </a:extLst>
+          </p:cNvPr>
+          <p:cNvSpPr txBox="1"/>
+          <p:nvPr/>
+        </p:nvSpPr>
+        <p:spPr>
+          <a:xfrm>
+            <a:off x="2906392" y="5205390"/>
+            <a:ext cx="1932709" cy="1384995"/>
+          </a:xfrm>
+          <a:prstGeom prst="rect">
+            <a:avLst/>
+          </a:prstGeom>
+        </p:spPr>
+        <p:style>
+          <a:lnRef idx="2">
+            <a:schemeClr val="accent2"/>
+          </a:lnRef>
+          <a:fillRef idx="1">
+            <a:schemeClr val="lt1"/>
+          </a:fillRef>
+          <a:effectRef idx="0">
+            <a:schemeClr val="accent2"/>
+          </a:effectRef>
+          <a:fontRef idx="minor">
+            <a:schemeClr val="dk1"/>
+          </a:fontRef>
+        </p:style>
+        <p:txBody>
+          <a:bodyPr wrap="square" rtlCol="0">
+            <a:spAutoFit/>
+          </a:bodyPr>
+          <a:lstStyle/>
+          <a:p>
+            <a:pPr marL="285750" indent="-285750">
+              <a:buFontTx/>
+              <a:buChar char="-"/>
+            </a:pPr>
+            <a:r>
+              <a:rPr lang="de-DE" sz="1400" dirty="0"/>
+              <a:t>Fixkosten sind am größten (Server, Gehalt…)</a:t>
+            </a:r>
+          </a:p>
+          <a:p>
+            <a:pPr marL="285750" indent="-285750">
+              <a:buFontTx/>
+              <a:buChar char="-"/>
+            </a:pPr>
+            <a:r>
+              <a:rPr lang="de-DE" sz="1400" dirty="0"/>
+              <a:t>Geschäftsmodell nutzerorientiert</a:t>
+            </a:r>
+          </a:p>
+        </p:txBody>
+      </p:sp>
+      <p:sp>
+        <p:nvSpPr>
+          <p:cNvPr id="13" name="Textfeld 12">
+            <a:extLst>
+              <a:ext uri="{FF2B5EF4-FFF2-40B4-BE49-F238E27FC236}">
+                <a16:creationId xmlns:a16="http://schemas.microsoft.com/office/drawing/2014/main" id="{B70FC08C-6372-467D-B3DD-F862478F346E}"/>
+              </a:ext>
+            </a:extLst>
+          </p:cNvPr>
+          <p:cNvSpPr txBox="1"/>
+          <p:nvPr/>
+        </p:nvSpPr>
+        <p:spPr>
+          <a:xfrm>
+            <a:off x="7084427" y="5496335"/>
+            <a:ext cx="2624102" cy="523220"/>
+          </a:xfrm>
+          <a:prstGeom prst="rect">
+            <a:avLst/>
+          </a:prstGeom>
+        </p:spPr>
+        <p:style>
+          <a:lnRef idx="2">
+            <a:schemeClr val="accent2"/>
+          </a:lnRef>
+          <a:fillRef idx="1">
+            <a:schemeClr val="lt1"/>
+          </a:fillRef>
+          <a:effectRef idx="0">
+            <a:schemeClr val="accent2"/>
+          </a:effectRef>
+          <a:fontRef idx="minor">
+            <a:schemeClr val="dk1"/>
+          </a:fontRef>
+        </p:style>
+        <p:txBody>
+          <a:bodyPr wrap="square" rtlCol="0">
+            <a:spAutoFit/>
+          </a:bodyPr>
+          <a:lstStyle/>
+          <a:p>
+            <a:pPr marL="285750" indent="-285750">
+              <a:buFontTx/>
+              <a:buChar char="-"/>
+            </a:pPr>
+            <a:r>
+              <a:rPr lang="de-DE" sz="1400" dirty="0"/>
+              <a:t>Einrichtungsgebühr</a:t>
+            </a:r>
+          </a:p>
+          <a:p>
+            <a:pPr marL="285750" indent="-285750">
+              <a:buFontTx/>
+              <a:buChar char="-"/>
+            </a:pPr>
+            <a:r>
+              <a:rPr lang="de-DE" sz="1400" dirty="0"/>
+              <a:t>Monatsnutzungsgebühr</a:t>
+            </a:r>
+          </a:p>
+        </p:txBody>
+      </p:sp>
+      <p:sp>
+        <p:nvSpPr>
+          <p:cNvPr id="14" name="Textfeld 13">
+            <a:extLst>
+              <a:ext uri="{FF2B5EF4-FFF2-40B4-BE49-F238E27FC236}">
+                <a16:creationId xmlns:a16="http://schemas.microsoft.com/office/drawing/2014/main" id="{C47F6B56-B411-4C0C-B6D0-6BA5D75141F6}"/>
+              </a:ext>
+            </a:extLst>
+          </p:cNvPr>
+          <p:cNvSpPr txBox="1"/>
+          <p:nvPr/>
+        </p:nvSpPr>
+        <p:spPr>
+          <a:xfrm>
+            <a:off x="3079573" y="4204325"/>
+            <a:ext cx="1586346" cy="307777"/>
+          </a:xfrm>
+          <a:prstGeom prst="rect">
+            <a:avLst/>
+          </a:prstGeom>
+        </p:spPr>
+        <p:style>
+          <a:lnRef idx="2">
+            <a:schemeClr val="accent2"/>
+          </a:lnRef>
+          <a:fillRef idx="1">
+            <a:schemeClr val="lt1"/>
+          </a:fillRef>
+          <a:effectRef idx="0">
+            <a:schemeClr val="accent2"/>
+          </a:effectRef>
+          <a:fontRef idx="minor">
+            <a:schemeClr val="dk1"/>
+          </a:fontRef>
+        </p:style>
+        <p:txBody>
+          <a:bodyPr wrap="square" rtlCol="0">
+            <a:spAutoFit/>
+          </a:bodyPr>
+          <a:lstStyle/>
+          <a:p>
+            <a:pPr marL="285750" indent="-285750">
+              <a:buFontTx/>
+              <a:buChar char="-"/>
+            </a:pPr>
+            <a:r>
+              <a:rPr lang="de-DE" sz="1400" dirty="0"/>
+              <a:t>Server</a:t>
+            </a:r>
+          </a:p>
+        </p:txBody>
+      </p:sp>
+      <p:sp>
+        <p:nvSpPr>
+          <p:cNvPr id="15" name="Textfeld 14">
+            <a:extLst>
+              <a:ext uri="{FF2B5EF4-FFF2-40B4-BE49-F238E27FC236}">
+                <a16:creationId xmlns:a16="http://schemas.microsoft.com/office/drawing/2014/main" id="{9E410793-E6E2-4765-906D-64C430B2B91A}"/>
+              </a:ext>
+            </a:extLst>
+          </p:cNvPr>
+          <p:cNvSpPr txBox="1"/>
+          <p:nvPr/>
+        </p:nvSpPr>
+        <p:spPr>
+          <a:xfrm>
+            <a:off x="6865108" y="3366918"/>
+            <a:ext cx="1586346" cy="954107"/>
+          </a:xfrm>
+          <a:prstGeom prst="rect">
+            <a:avLst/>
+          </a:prstGeom>
+        </p:spPr>
+        <p:style>
+          <a:lnRef idx="2">
+            <a:schemeClr val="accent2"/>
+          </a:lnRef>
+          <a:fillRef idx="1">
+            <a:schemeClr val="lt1"/>
+          </a:fillRef>
+          <a:effectRef idx="0">
+            <a:schemeClr val="accent2"/>
+          </a:effectRef>
+          <a:fontRef idx="minor">
+            <a:schemeClr val="dk1"/>
+          </a:fontRef>
+        </p:style>
+        <p:txBody>
+          <a:bodyPr wrap="square" rtlCol="0">
+            <a:spAutoFit/>
+          </a:bodyPr>
+          <a:lstStyle/>
+          <a:p>
+            <a:pPr marL="285750" indent="-285750">
+              <a:buFontTx/>
+              <a:buChar char="-"/>
+            </a:pPr>
+            <a:r>
+              <a:rPr lang="de-DE" sz="1400" dirty="0"/>
+              <a:t>Direkte Ansprache, da kleiner Markt</a:t>
+            </a:r>
+          </a:p>
+        </p:txBody>
+      </p:sp>
+      <p:sp>
+        <p:nvSpPr>
+          <p:cNvPr id="16" name="Foliennummernplatzhalter 15">
+            <a:extLst>
+              <a:ext uri="{FF2B5EF4-FFF2-40B4-BE49-F238E27FC236}">
+                <a16:creationId xmlns:a16="http://schemas.microsoft.com/office/drawing/2014/main" id="{8A858777-D892-41D8-A940-D1143858DF2B}"/>
+              </a:ext>
+            </a:extLst>
+          </p:cNvPr>
+          <p:cNvSpPr>
+            <a:spLocks noGrp="1"/>
+          </p:cNvSpPr>
+          <p:nvPr>
+            <p:ph type="sldNum" sz="quarter" idx="12"/>
+          </p:nvPr>
+        </p:nvSpPr>
+        <p:spPr/>
+        <p:txBody>
+          <a:bodyPr/>
+          <a:lstStyle/>
+          <a:p>
+            <a:fld id="{4FAB73BC-B049-4115-A692-8D63A059BFB8}" type="slidenum">
+              <a:rPr lang="en-US" smtClean="0"/>
+              <a:t>20</a:t>
+            </a:fld>
+            <a:endParaRPr lang="en-US" dirty="0"/>
+          </a:p>
+        </p:txBody>
+      </p:sp>
+    </p:spTree>
+    <p:extLst>
+      <p:ext uri="{BB962C8B-B14F-4D97-AF65-F5344CB8AC3E}">
+        <p14:creationId xmlns:p14="http://schemas.microsoft.com/office/powerpoint/2010/main" val="966864757"/>
+      </p:ext>
+    </p:extLst>
+  </p:cSld>
+  <p:clrMapOvr>
+    <a:masterClrMapping/>
+  </p:clrMapOvr>
+</p:sld>
+</file>
+
+<file path=ppt/slides/slide21.xml><?xml version="1.0" encoding="utf-8"?>
+<p:sld xmlns:a="http://schemas.openxmlformats.org/drawingml/2006/main" xmlns:r="http://schemas.openxmlformats.org/officeDocument/2006/relationships" xmlns:p="http://schemas.openxmlformats.org/presentationml/2006/main">
+  <p:cSld>
+    <p:spTree>
+      <p:nvGrpSpPr>
+        <p:cNvPr id="1" name=""/>
+        <p:cNvGrpSpPr/>
+        <p:nvPr/>
+      </p:nvGrpSpPr>
+      <p:grpSpPr>
+        <a:xfrm>
+          <a:off x="0" y="0"/>
+          <a:ext cx="0" cy="0"/>
+          <a:chOff x="0" y="0"/>
+          <a:chExt cx="0" cy="0"/>
+        </a:xfrm>
+      </p:grpSpPr>
+      <p:sp>
+        <p:nvSpPr>
+          <p:cNvPr id="2" name="Titel 1">
+            <a:extLst>
+              <a:ext uri="{FF2B5EF4-FFF2-40B4-BE49-F238E27FC236}">
+                <a16:creationId xmlns:a16="http://schemas.microsoft.com/office/drawing/2014/main" id="{CFA9D40F-5403-4398-8CB7-74C11D2F42C8}"/>
+              </a:ext>
+            </a:extLst>
+          </p:cNvPr>
+          <p:cNvSpPr>
+            <a:spLocks noGrp="1"/>
+          </p:cNvSpPr>
+          <p:nvPr>
+            <p:ph type="title"/>
+          </p:nvPr>
+        </p:nvSpPr>
+        <p:spPr/>
+        <p:txBody>
+          <a:bodyPr/>
+          <a:lstStyle/>
+          <a:p>
+            <a:r>
+              <a:rPr lang="de-DE" dirty="0"/>
+              <a:t>Zeit- Aufgabenplan</a:t>
+            </a:r>
+          </a:p>
+        </p:txBody>
+      </p:sp>
+      <p:sp>
+        <p:nvSpPr>
+          <p:cNvPr id="3" name="Inhaltsplatzhalter 2">
+            <a:extLst>
+              <a:ext uri="{FF2B5EF4-FFF2-40B4-BE49-F238E27FC236}">
+                <a16:creationId xmlns:a16="http://schemas.microsoft.com/office/drawing/2014/main" id="{B631AECF-998B-41BD-ADC4-FB863999D3D0}"/>
+              </a:ext>
+            </a:extLst>
+          </p:cNvPr>
+          <p:cNvSpPr>
+            <a:spLocks noGrp="1"/>
+          </p:cNvSpPr>
+          <p:nvPr>
+            <p:ph idx="1"/>
+          </p:nvPr>
+        </p:nvSpPr>
+        <p:spPr/>
+        <p:txBody>
+          <a:bodyPr/>
+          <a:lstStyle/>
+          <a:p>
+            <a:r>
+              <a:rPr lang="de-DE" dirty="0">
+                <a:highlight>
+                  <a:srgbClr val="FFFF00"/>
+                </a:highlight>
+              </a:rPr>
+              <a:t>Business Model Canvas: Übereinstimmung mit Inhalten der Präsentation</a:t>
+            </a:r>
+          </a:p>
+          <a:p>
+            <a:r>
+              <a:rPr lang="de-DE" dirty="0">
+                <a:highlight>
+                  <a:srgbClr val="FFFF00"/>
+                </a:highlight>
+              </a:rPr>
+              <a:t>Gelbe Markierungen in Präsentation</a:t>
+            </a:r>
+          </a:p>
+          <a:p>
+            <a:r>
+              <a:rPr lang="de-DE" dirty="0">
+                <a:highlight>
+                  <a:srgbClr val="FFFF00"/>
+                </a:highlight>
+              </a:rPr>
+              <a:t>Teamvorstellung</a:t>
+            </a:r>
+          </a:p>
+          <a:p>
+            <a:endParaRPr lang="de-DE" dirty="0">
+              <a:highlight>
+                <a:srgbClr val="FFFF00"/>
+              </a:highlight>
+            </a:endParaRPr>
+          </a:p>
+          <a:p>
+            <a:r>
+              <a:rPr lang="de-DE" dirty="0">
+                <a:highlight>
+                  <a:srgbClr val="FFFF00"/>
+                </a:highlight>
+              </a:rPr>
+              <a:t>Team</a:t>
+            </a:r>
+          </a:p>
+          <a:p>
+            <a:r>
+              <a:rPr lang="de-DE" dirty="0">
+                <a:highlight>
+                  <a:srgbClr val="FFFF00"/>
+                </a:highlight>
+              </a:rPr>
+              <a:t>Idee</a:t>
+            </a:r>
+          </a:p>
+          <a:p>
+            <a:r>
+              <a:rPr lang="de-DE" dirty="0">
+                <a:highlight>
+                  <a:srgbClr val="FFFF00"/>
+                </a:highlight>
+              </a:rPr>
+              <a:t>Geschäftsmodell</a:t>
+            </a:r>
+          </a:p>
+          <a:p>
+            <a:r>
+              <a:rPr lang="de-DE" dirty="0">
+                <a:highlight>
+                  <a:srgbClr val="FFFF00"/>
+                </a:highlight>
+              </a:rPr>
+              <a:t>Markt</a:t>
+            </a:r>
+          </a:p>
+          <a:p>
+            <a:r>
+              <a:rPr lang="de-DE" dirty="0">
+                <a:highlight>
+                  <a:srgbClr val="FFFF00"/>
+                </a:highlight>
+              </a:rPr>
+              <a:t>Finanzierung</a:t>
+            </a:r>
+          </a:p>
+          <a:p>
+            <a:endParaRPr lang="de-DE" dirty="0"/>
+          </a:p>
+        </p:txBody>
+      </p:sp>
+      <p:sp>
+        <p:nvSpPr>
+          <p:cNvPr id="4" name="Foliennummernplatzhalter 3">
+            <a:extLst>
+              <a:ext uri="{FF2B5EF4-FFF2-40B4-BE49-F238E27FC236}">
+                <a16:creationId xmlns:a16="http://schemas.microsoft.com/office/drawing/2014/main" id="{B9385D0B-B429-4156-89CC-072FEC515C04}"/>
+              </a:ext>
+            </a:extLst>
+          </p:cNvPr>
+          <p:cNvSpPr>
+            <a:spLocks noGrp="1"/>
+          </p:cNvSpPr>
+          <p:nvPr>
+            <p:ph type="sldNum" sz="quarter" idx="12"/>
+          </p:nvPr>
+        </p:nvSpPr>
+        <p:spPr/>
+        <p:txBody>
+          <a:bodyPr/>
+          <a:lstStyle/>
+          <a:p>
+            <a:fld id="{4FAB73BC-B049-4115-A692-8D63A059BFB8}" type="slidenum">
+              <a:rPr lang="en-US" smtClean="0"/>
+              <a:t>21</a:t>
+            </a:fld>
+            <a:endParaRPr lang="en-US" dirty="0"/>
+          </a:p>
+        </p:txBody>
+      </p:sp>
+    </p:spTree>
+    <p:extLst>
+      <p:ext uri="{BB962C8B-B14F-4D97-AF65-F5344CB8AC3E}">
+        <p14:creationId xmlns:p14="http://schemas.microsoft.com/office/powerpoint/2010/main" val="2995140593"/>
+      </p:ext>
+    </p:extLst>
+  </p:cSld>
+  <p:clrMapOvr>
+    <a:masterClrMapping/>
+  </p:clrMapOvr>
+</p:sld>
+</file>
+
+<file path=ppt/slides/slide22.xml><?xml version="1.0" encoding="utf-8"?>
+<p:sld xmlns:a="http://schemas.openxmlformats.org/drawingml/2006/main" xmlns:r="http://schemas.openxmlformats.org/officeDocument/2006/relationships" xmlns:p="http://schemas.openxmlformats.org/presentationml/2006/main">
+  <p:cSld>
+    <p:spTree>
+      <p:nvGrpSpPr>
+        <p:cNvPr id="1" name=""/>
+        <p:cNvGrpSpPr/>
+        <p:nvPr/>
+      </p:nvGrpSpPr>
+      <p:grpSpPr>
+        <a:xfrm>
+          <a:off x="0" y="0"/>
+          <a:ext cx="0" cy="0"/>
+          <a:chOff x="0" y="0"/>
+          <a:chExt cx="0" cy="0"/>
+        </a:xfrm>
+      </p:grpSpPr>
+      <p:sp>
+        <p:nvSpPr>
+          <p:cNvPr id="2" name="Titel 1">
+            <a:extLst>
+              <a:ext uri="{FF2B5EF4-FFF2-40B4-BE49-F238E27FC236}">
+                <a16:creationId xmlns:a16="http://schemas.microsoft.com/office/drawing/2014/main" id="{92F17B80-B848-4FF2-B2DC-549BEB3592E4}"/>
+              </a:ext>
+            </a:extLst>
+          </p:cNvPr>
+          <p:cNvSpPr>
+            <a:spLocks noGrp="1"/>
+          </p:cNvSpPr>
+          <p:nvPr>
+            <p:ph type="title"/>
+          </p:nvPr>
+        </p:nvSpPr>
+        <p:spPr/>
+        <p:txBody>
+          <a:bodyPr/>
+          <a:lstStyle/>
+          <a:p>
+            <a:r>
+              <a:rPr lang="de-DE" dirty="0"/>
+              <a:t>Ideen aus alten Präsentationen</a:t>
+            </a:r>
+          </a:p>
+        </p:txBody>
+      </p:sp>
+      <p:sp>
+        <p:nvSpPr>
+          <p:cNvPr id="3" name="Inhaltsplatzhalter 2">
+            <a:extLst>
+              <a:ext uri="{FF2B5EF4-FFF2-40B4-BE49-F238E27FC236}">
+                <a16:creationId xmlns:a16="http://schemas.microsoft.com/office/drawing/2014/main" id="{79522FA9-B9CD-44A9-9C50-1CA367710F01}"/>
+              </a:ext>
+            </a:extLst>
+          </p:cNvPr>
+          <p:cNvSpPr>
+            <a:spLocks noGrp="1"/>
+          </p:cNvSpPr>
+          <p:nvPr>
+            <p:ph idx="1"/>
+          </p:nvPr>
+        </p:nvSpPr>
+        <p:spPr/>
+        <p:txBody>
+          <a:bodyPr/>
+          <a:lstStyle/>
+          <a:p>
+            <a:r>
+              <a:rPr lang="de-DE" dirty="0">
+                <a:highlight>
+                  <a:srgbClr val="FF0000"/>
+                </a:highlight>
+              </a:rPr>
+              <a:t>Produkt mit Bildern</a:t>
+            </a:r>
+          </a:p>
+          <a:p>
+            <a:r>
+              <a:rPr lang="de-DE" dirty="0"/>
+              <a:t>Team, wer wie was?</a:t>
+            </a:r>
+          </a:p>
+          <a:p>
+            <a:r>
+              <a:rPr lang="de-DE" dirty="0"/>
+              <a:t>BMC als Struktur für Rest</a:t>
+            </a:r>
+          </a:p>
+          <a:p>
+            <a:r>
+              <a:rPr lang="de-DE" dirty="0"/>
+              <a:t>Wie Vertrieb?</a:t>
+            </a:r>
+          </a:p>
+          <a:p>
+            <a:r>
+              <a:rPr lang="de-DE" dirty="0"/>
+              <a:t>Gewinnentwicklung als Diagramm</a:t>
+            </a:r>
+          </a:p>
+          <a:p>
+            <a:pPr lvl="1"/>
+            <a:r>
+              <a:rPr lang="de-DE" dirty="0">
+                <a:sym typeface="Wingdings" panose="05000000000000000000" pitchFamily="2" charset="2"/>
+              </a:rPr>
+              <a:t> wie ändert sich das mit anderen Parametern</a:t>
+            </a:r>
+          </a:p>
+          <a:p>
+            <a:r>
+              <a:rPr lang="de-DE" dirty="0">
+                <a:sym typeface="Wingdings" panose="05000000000000000000" pitchFamily="2" charset="2"/>
+              </a:rPr>
+              <a:t>Woher Geld?</a:t>
+            </a:r>
+          </a:p>
+          <a:p>
+            <a:r>
+              <a:rPr lang="de-DE" dirty="0">
+                <a:sym typeface="Wingdings" panose="05000000000000000000" pitchFamily="2" charset="2"/>
+              </a:rPr>
+              <a:t>Beispielfolie mit 15-20 Folien ist „detailliert“ bei Kurs mit 2/3 der Stundenzahl</a:t>
+            </a:r>
+            <a:endParaRPr lang="de-DE" dirty="0"/>
+          </a:p>
+          <a:p>
+            <a:endParaRPr lang="de-DE" dirty="0"/>
+          </a:p>
+        </p:txBody>
+      </p:sp>
+      <p:sp>
+        <p:nvSpPr>
+          <p:cNvPr id="4" name="Foliennummernplatzhalter 3">
+            <a:extLst>
+              <a:ext uri="{FF2B5EF4-FFF2-40B4-BE49-F238E27FC236}">
+                <a16:creationId xmlns:a16="http://schemas.microsoft.com/office/drawing/2014/main" id="{AB056075-0060-40D5-B901-8FDC0E666187}"/>
+              </a:ext>
+            </a:extLst>
+          </p:cNvPr>
+          <p:cNvSpPr>
+            <a:spLocks noGrp="1"/>
+          </p:cNvSpPr>
+          <p:nvPr>
+            <p:ph type="sldNum" sz="quarter" idx="12"/>
+          </p:nvPr>
+        </p:nvSpPr>
+        <p:spPr/>
+        <p:txBody>
+          <a:bodyPr/>
+          <a:lstStyle/>
+          <a:p>
+            <a:fld id="{4FAB73BC-B049-4115-A692-8D63A059BFB8}" type="slidenum">
+              <a:rPr lang="en-US" smtClean="0"/>
+              <a:t>22</a:t>
+            </a:fld>
+            <a:endParaRPr lang="en-US" dirty="0"/>
+          </a:p>
+        </p:txBody>
+      </p:sp>
+    </p:spTree>
+    <p:extLst>
+      <p:ext uri="{BB962C8B-B14F-4D97-AF65-F5344CB8AC3E}">
+        <p14:creationId xmlns:p14="http://schemas.microsoft.com/office/powerpoint/2010/main" val="3686993719"/>
       </p:ext>
     </p:extLst>
   </p:cSld>
@@ -5991,7 +7878,7 @@
           <p:cNvPr id="2" name="Titel 1">
             <a:extLst>
               <a:ext uri="{FF2B5EF4-FFF2-40B4-BE49-F238E27FC236}">
-                <a16:creationId xmlns:a16="http://schemas.microsoft.com/office/drawing/2014/main" id="{04D03D6C-3B4A-471E-ACC3-F1BE300C089F}"/>
+                <a16:creationId xmlns:a16="http://schemas.microsoft.com/office/drawing/2014/main" id="{60519D9A-AC52-43D5-97D9-9DC5DA58B219}"/>
               </a:ext>
             </a:extLst>
           </p:cNvPr>
@@ -6009,7 +7896,7 @@
           <a:p>
             <a:r>
               <a:rPr lang="de-DE" dirty="0"/>
-              <a:t>Geschäftsmodell</a:t>
+              <a:t>Team</a:t>
             </a:r>
           </a:p>
         </p:txBody>
@@ -6019,7 +7906,7 @@
           <p:cNvPr id="3" name="Inhaltsplatzhalter 2">
             <a:extLst>
               <a:ext uri="{FF2B5EF4-FFF2-40B4-BE49-F238E27FC236}">
-                <a16:creationId xmlns:a16="http://schemas.microsoft.com/office/drawing/2014/main" id="{280216AB-AD3B-4D43-95EE-1349E56F6977}"/>
+                <a16:creationId xmlns:a16="http://schemas.microsoft.com/office/drawing/2014/main" id="{4B31F647-8C31-46E8-B04C-6DB45393B68A}"/>
               </a:ext>
             </a:extLst>
           </p:cNvPr>
@@ -6030,96 +7917,75 @@
             <p:ph idx="1"/>
           </p:nvPr>
         </p:nvSpPr>
-        <p:spPr>
-          <a:xfrm>
-            <a:off x="1069848" y="2121408"/>
-            <a:ext cx="10058400" cy="4394802"/>
-          </a:xfrm>
-        </p:spPr>
-        <p:txBody>
-          <a:bodyPr>
-            <a:normAutofit lnSpcReduction="10000"/>
-          </a:bodyPr>
-          <a:lstStyle/>
-          <a:p>
-            <a:r>
-              <a:rPr lang="de-DE" dirty="0"/>
-              <a:t>Einsatz für Einheit des Bevölkerungsschutz</a:t>
-            </a:r>
-          </a:p>
-          <a:p>
-            <a:r>
-              <a:rPr lang="de-DE" dirty="0"/>
-              <a:t>Anforderung: 1. Fahrzeug nach 15 Minuten, weitere Fahrzeuge bis 60 Minuten</a:t>
-            </a:r>
-          </a:p>
-          <a:p>
-            <a:r>
-              <a:rPr lang="de-DE" dirty="0"/>
-              <a:t>Problem: Helfer sind teilweise ohne Auto* in der Stadt verteilt</a:t>
-            </a:r>
-          </a:p>
-          <a:p>
-            <a:r>
-              <a:rPr lang="de-DE" dirty="0"/>
-              <a:t>Idee: </a:t>
-            </a:r>
-          </a:p>
-          <a:p>
-            <a:pPr lvl="1"/>
-            <a:r>
-              <a:rPr lang="de-DE" dirty="0"/>
-              <a:t>Helfer mit Mitnahmemöglichkeit sehen, wer wo eingesammelt werden kann</a:t>
-            </a:r>
-          </a:p>
-          <a:p>
-            <a:pPr lvl="1"/>
-            <a:r>
-              <a:rPr lang="de-DE" dirty="0"/>
-              <a:t>Helfer ohne Auto -&gt; gehe zu Einsammelort</a:t>
-            </a:r>
-          </a:p>
-          <a:p>
-            <a:pPr lvl="1"/>
-            <a:r>
-              <a:rPr lang="de-DE" dirty="0"/>
-              <a:t>Stau umfahren</a:t>
-            </a:r>
-          </a:p>
-          <a:p>
-            <a:pPr lvl="1"/>
-            <a:r>
-              <a:rPr lang="de-DE" dirty="0"/>
-              <a:t>Alternative: ÖPNV, Carsharing?</a:t>
-            </a:r>
-          </a:p>
-          <a:p>
-            <a:r>
-              <a:rPr lang="de-DE" dirty="0"/>
-              <a:t>Hürden: Kosten, Standort</a:t>
-            </a:r>
-          </a:p>
-          <a:p>
-            <a:r>
-              <a:rPr lang="de-DE" dirty="0"/>
-              <a:t>Ziel: Viele Helfer schnell zur Wache bringen</a:t>
-            </a:r>
-          </a:p>
-          <a:p>
-            <a:endParaRPr lang="de-DE" dirty="0"/>
-          </a:p>
-          <a:p>
-            <a:r>
-              <a:rPr lang="de-DE" dirty="0"/>
-              <a:t>Weitere Szenarien? </a:t>
-            </a:r>
+        <p:spPr/>
+        <p:txBody>
+          <a:bodyPr/>
+          <a:lstStyle/>
+          <a:p>
+            <a:r>
+              <a:rPr lang="de-DE" dirty="0">
+                <a:highlight>
+                  <a:srgbClr val="FFFF00"/>
+                </a:highlight>
+              </a:rPr>
+              <a:t>Wer ist wer? Wer macht was?</a:t>
+            </a:r>
+          </a:p>
+          <a:p>
+            <a:r>
+              <a:rPr lang="de-DE" dirty="0">
+                <a:highlight>
+                  <a:srgbClr val="FFFF00"/>
+                </a:highlight>
+              </a:rPr>
+              <a:t>Foto, Biografie</a:t>
+            </a:r>
+          </a:p>
+          <a:p>
+            <a:r>
+              <a:rPr lang="de-DE" dirty="0">
+                <a:highlight>
+                  <a:srgbClr val="FFFF00"/>
+                </a:highlight>
+              </a:rPr>
+              <a:t>Niklas ist blau</a:t>
+            </a:r>
+          </a:p>
+        </p:txBody>
+      </p:sp>
+      <p:sp>
+        <p:nvSpPr>
+          <p:cNvPr id="4" name="Foliennummernplatzhalter 3">
+            <a:extLst>
+              <a:ext uri="{FF2B5EF4-FFF2-40B4-BE49-F238E27FC236}">
+                <a16:creationId xmlns:a16="http://schemas.microsoft.com/office/drawing/2014/main" id="{7A4BDAE8-AF15-477C-B221-F9F99A3E2FCC}"/>
+              </a:ext>
+            </a:extLst>
+          </p:cNvPr>
+          <p:cNvSpPr>
+            <a:spLocks noGrp="1"/>
+          </p:cNvSpPr>
+          <p:nvPr>
+            <p:ph type="sldNum" sz="quarter" idx="12"/>
+          </p:nvPr>
+        </p:nvSpPr>
+        <p:spPr/>
+        <p:txBody>
+          <a:bodyPr/>
+          <a:lstStyle/>
+          <a:p>
+            <a:fld id="{4FAB73BC-B049-4115-A692-8D63A059BFB8}" type="slidenum">
+              <a:rPr lang="en-US" smtClean="0"/>
+              <a:t>3</a:t>
+            </a:fld>
+            <a:endParaRPr lang="en-US" dirty="0"/>
           </a:p>
         </p:txBody>
       </p:sp>
     </p:spTree>
     <p:extLst>
       <p:ext uri="{BB962C8B-B14F-4D97-AF65-F5344CB8AC3E}">
-        <p14:creationId xmlns:p14="http://schemas.microsoft.com/office/powerpoint/2010/main" val="1784082682"/>
+        <p14:creationId xmlns:p14="http://schemas.microsoft.com/office/powerpoint/2010/main" val="1468254266"/>
       </p:ext>
     </p:extLst>
   </p:cSld>
@@ -6151,7 +8017,7 @@
           <p:cNvPr id="2" name="Titel 1">
             <a:extLst>
               <a:ext uri="{FF2B5EF4-FFF2-40B4-BE49-F238E27FC236}">
-                <a16:creationId xmlns:a16="http://schemas.microsoft.com/office/drawing/2014/main" id="{633113EE-BEDC-4B61-986C-0F4655936E71}"/>
+                <a16:creationId xmlns:a16="http://schemas.microsoft.com/office/drawing/2014/main" id="{04D03D6C-3B4A-471E-ACC3-F1BE300C089F}"/>
               </a:ext>
             </a:extLst>
           </p:cNvPr>
@@ -6169,7 +8035,7 @@
           <a:p>
             <a:r>
               <a:rPr lang="de-DE" dirty="0"/>
-              <a:t>Vision</a:t>
+              <a:t>Geschäftsmodell</a:t>
             </a:r>
           </a:p>
         </p:txBody>
@@ -6179,7 +8045,7 @@
           <p:cNvPr id="3" name="Inhaltsplatzhalter 2">
             <a:extLst>
               <a:ext uri="{FF2B5EF4-FFF2-40B4-BE49-F238E27FC236}">
-                <a16:creationId xmlns:a16="http://schemas.microsoft.com/office/drawing/2014/main" id="{F5664BD1-CC79-4FAE-8469-349287A0CB80}"/>
+                <a16:creationId xmlns:a16="http://schemas.microsoft.com/office/drawing/2014/main" id="{280216AB-AD3B-4D43-95EE-1349E56F6977}"/>
               </a:ext>
             </a:extLst>
           </p:cNvPr>
@@ -6190,98 +8056,125 @@
             <p:ph idx="1"/>
           </p:nvPr>
         </p:nvSpPr>
+        <p:spPr>
+          <a:xfrm>
+            <a:off x="1069848" y="2121408"/>
+            <a:ext cx="10058400" cy="4394802"/>
+          </a:xfrm>
+        </p:spPr>
+        <p:txBody>
+          <a:bodyPr>
+            <a:normAutofit lnSpcReduction="10000"/>
+          </a:bodyPr>
+          <a:lstStyle/>
+          <a:p>
+            <a:r>
+              <a:rPr lang="de-DE" dirty="0"/>
+              <a:t>Einsatz für Einheit des Bevölkerungsschutz</a:t>
+            </a:r>
+          </a:p>
+          <a:p>
+            <a:r>
+              <a:rPr lang="de-DE" dirty="0"/>
+              <a:t>Anforderung: 1. Fahrzeug nach 15 Minuten, weitere Fahrzeuge bis 60 Minuten</a:t>
+            </a:r>
+          </a:p>
+          <a:p>
+            <a:r>
+              <a:rPr lang="de-DE" dirty="0"/>
+              <a:t>Problem: Helfer sind teilweise ohne Auto* in der Stadt verteilt</a:t>
+            </a:r>
+          </a:p>
+          <a:p>
+            <a:r>
+              <a:rPr lang="de-DE" dirty="0"/>
+              <a:t>Idee: </a:t>
+            </a:r>
+          </a:p>
+          <a:p>
+            <a:pPr lvl="1"/>
+            <a:r>
+              <a:rPr lang="de-DE" dirty="0"/>
+              <a:t>Helfer mit Mitnahmemöglichkeit sehen, wer wo eingesammelt werden kann</a:t>
+            </a:r>
+          </a:p>
+          <a:p>
+            <a:pPr lvl="1"/>
+            <a:r>
+              <a:rPr lang="de-DE" dirty="0"/>
+              <a:t>Helfer ohne Auto -&gt; gehe zu Einsammelort</a:t>
+            </a:r>
+          </a:p>
+          <a:p>
+            <a:pPr lvl="1"/>
+            <a:r>
+              <a:rPr lang="de-DE" dirty="0"/>
+              <a:t>Stau umfahren</a:t>
+            </a:r>
+          </a:p>
+          <a:p>
+            <a:pPr lvl="1"/>
+            <a:r>
+              <a:rPr lang="de-DE" dirty="0"/>
+              <a:t>Alternative: ÖPNV, Carsharing?</a:t>
+            </a:r>
+          </a:p>
+          <a:p>
+            <a:r>
+              <a:rPr lang="de-DE" dirty="0"/>
+              <a:t>Hürden: Kosten, Standort</a:t>
+            </a:r>
+          </a:p>
+          <a:p>
+            <a:r>
+              <a:rPr lang="de-DE" dirty="0"/>
+              <a:t>Ziel: Viele Helfer schnell zur Wache bringen</a:t>
+            </a:r>
+          </a:p>
+          <a:p>
+            <a:endParaRPr lang="de-DE" dirty="0"/>
+          </a:p>
+          <a:p>
+            <a:r>
+              <a:rPr lang="de-DE" dirty="0"/>
+              <a:t>Weitere Szenarien? </a:t>
+            </a:r>
+          </a:p>
+        </p:txBody>
+      </p:sp>
+      <p:sp>
+        <p:nvSpPr>
+          <p:cNvPr id="4" name="Foliennummernplatzhalter 3">
+            <a:extLst>
+              <a:ext uri="{FF2B5EF4-FFF2-40B4-BE49-F238E27FC236}">
+                <a16:creationId xmlns:a16="http://schemas.microsoft.com/office/drawing/2014/main" id="{A5208FAF-9A49-4316-AF2A-3FD67F785B1D}"/>
+              </a:ext>
+            </a:extLst>
+          </p:cNvPr>
+          <p:cNvSpPr>
+            <a:spLocks noGrp="1"/>
+          </p:cNvSpPr>
+          <p:nvPr>
+            <p:ph type="sldNum" sz="quarter" idx="12"/>
+          </p:nvPr>
+        </p:nvSpPr>
         <p:spPr/>
         <p:txBody>
           <a:bodyPr/>
           <a:lstStyle/>
           <a:p>
-            <a:r>
-              <a:rPr lang="de-DE" dirty="0"/>
-              <a:t>Sie haben keine Wahl!</a:t>
-            </a:r>
-          </a:p>
-          <a:p>
-            <a:r>
-              <a:rPr lang="de-DE" dirty="0">
-                <a:highlight>
-                  <a:srgbClr val="FFFF00"/>
-                </a:highlight>
-              </a:rPr>
-              <a:t>Einzigartig</a:t>
-            </a:r>
-            <a:endParaRPr lang="de-DE" dirty="0"/>
-          </a:p>
-          <a:p>
-            <a:r>
-              <a:rPr lang="de-DE" dirty="0"/>
-              <a:t>Kann global eingesetzt werden</a:t>
-            </a:r>
-          </a:p>
-          <a:p>
-            <a:r>
-              <a:rPr lang="de-DE" dirty="0"/>
-              <a:t>verkürzte </a:t>
-            </a:r>
-            <a:r>
-              <a:rPr lang="de-DE" dirty="0" err="1"/>
-              <a:t>Ausrückezeiten</a:t>
-            </a:r>
-            <a:r>
-              <a:rPr lang="de-DE" dirty="0"/>
-              <a:t>,</a:t>
-            </a:r>
-          </a:p>
-          <a:p>
-            <a:r>
-              <a:rPr lang="de-DE" dirty="0"/>
-              <a:t>d.h. Betroffenen kann schneller geholfen werden </a:t>
-            </a:r>
-            <a:r>
-              <a:rPr lang="de-DE" dirty="0">
-                <a:sym typeface="Wingdings" panose="05000000000000000000" pitchFamily="2" charset="2"/>
-              </a:rPr>
-              <a:t> </a:t>
-            </a:r>
-            <a:r>
-              <a:rPr lang="de-DE" dirty="0">
-                <a:highlight>
-                  <a:srgbClr val="FFFF00"/>
-                </a:highlight>
-                <a:sym typeface="Wingdings" panose="05000000000000000000" pitchFamily="2" charset="2"/>
-              </a:rPr>
-              <a:t>Leben retten!</a:t>
-            </a:r>
-            <a:endParaRPr lang="de-DE" dirty="0">
-              <a:highlight>
-                <a:srgbClr val="FFFF00"/>
-              </a:highlight>
-            </a:endParaRPr>
-          </a:p>
-          <a:p>
-            <a:r>
-              <a:rPr lang="de-DE" dirty="0">
-                <a:highlight>
-                  <a:srgbClr val="FFFF00"/>
-                </a:highlight>
-              </a:rPr>
-              <a:t>Höheres Ansehen für ehrenamtliche Kräfte</a:t>
-            </a:r>
-          </a:p>
-          <a:p>
-            <a:r>
-              <a:rPr lang="de-DE" dirty="0">
-                <a:sym typeface="Wingdings" panose="05000000000000000000" pitchFamily="2" charset="2"/>
-              </a:rPr>
-              <a:t> Motivation steigt  mehr Helfer</a:t>
-            </a:r>
-            <a:endParaRPr lang="de-DE" dirty="0"/>
+            <a:fld id="{4FAB73BC-B049-4115-A692-8D63A059BFB8}" type="slidenum">
+              <a:rPr lang="en-US" smtClean="0"/>
+              <a:t>4</a:t>
+            </a:fld>
+            <a:endParaRPr lang="en-US" dirty="0"/>
           </a:p>
         </p:txBody>
       </p:sp>
     </p:spTree>
     <p:extLst>
       <p:ext uri="{BB962C8B-B14F-4D97-AF65-F5344CB8AC3E}">
-        <p14:creationId xmlns:p14="http://schemas.microsoft.com/office/powerpoint/2010/main" val="55442989"/>
+        <p14:creationId xmlns:p14="http://schemas.microsoft.com/office/powerpoint/2010/main" val="1784082682"/>
       </p:ext>
     </p:extLst>
   </p:cSld>
@@ -6313,7 +8206,7 @@
           <p:cNvPr id="2" name="Titel 1">
             <a:extLst>
               <a:ext uri="{FF2B5EF4-FFF2-40B4-BE49-F238E27FC236}">
-                <a16:creationId xmlns:a16="http://schemas.microsoft.com/office/drawing/2014/main" id="{D9C2B3F8-C7B1-4130-B33C-572F7634BCCC}"/>
+                <a16:creationId xmlns:a16="http://schemas.microsoft.com/office/drawing/2014/main" id="{633113EE-BEDC-4B61-986C-0F4655936E71}"/>
               </a:ext>
             </a:extLst>
           </p:cNvPr>
@@ -6331,15 +8224,7 @@
           <a:p>
             <a:r>
               <a:rPr lang="de-DE" dirty="0"/>
-              <a:t>Zwei </a:t>
-            </a:r>
-            <a:r>
-              <a:rPr lang="de-DE" strike="sngStrike" dirty="0"/>
-              <a:t>bis drei</a:t>
-            </a:r>
-            <a:r>
-              <a:rPr lang="de-DE" dirty="0"/>
-              <a:t> oder fünf Werte</a:t>
+              <a:t>Vision</a:t>
             </a:r>
           </a:p>
         </p:txBody>
@@ -6349,7 +8234,7 @@
           <p:cNvPr id="3" name="Inhaltsplatzhalter 2">
             <a:extLst>
               <a:ext uri="{FF2B5EF4-FFF2-40B4-BE49-F238E27FC236}">
-                <a16:creationId xmlns:a16="http://schemas.microsoft.com/office/drawing/2014/main" id="{E88EB1BA-F4B5-4229-BBD3-3C3B0645AF35}"/>
+                <a16:creationId xmlns:a16="http://schemas.microsoft.com/office/drawing/2014/main" id="{F5664BD1-CC79-4FAE-8469-349287A0CB80}"/>
               </a:ext>
             </a:extLst>
           </p:cNvPr>
@@ -6366,53 +8251,113 @@
           <a:lstStyle/>
           <a:p>
             <a:r>
-              <a:rPr lang="de-DE" strike="sngStrike" dirty="0"/>
-              <a:t>Zufriedenheit</a:t>
-            </a:r>
-          </a:p>
-          <a:p>
-            <a:r>
-              <a:rPr lang="de-DE" dirty="0"/>
-              <a:t>Harmonie</a:t>
-            </a:r>
-          </a:p>
-          <a:p>
-            <a:r>
-              <a:rPr lang="de-DE" strike="sngStrike" dirty="0"/>
-              <a:t>Anerkennung</a:t>
-            </a:r>
-          </a:p>
-          <a:p>
-            <a:r>
-              <a:rPr lang="de-DE" dirty="0"/>
-              <a:t>Work/</a:t>
-            </a:r>
-            <a:r>
-              <a:rPr lang="de-DE" dirty="0" err="1"/>
-              <a:t>life</a:t>
-            </a:r>
-            <a:r>
-              <a:rPr lang="de-DE" dirty="0"/>
-              <a:t> </a:t>
-            </a:r>
-            <a:r>
-              <a:rPr lang="de-DE" dirty="0" err="1"/>
-              <a:t>balance</a:t>
+              <a:rPr lang="de-DE" dirty="0"/>
+              <a:t>Sie haben keine Wahl!</a:t>
+            </a:r>
+          </a:p>
+          <a:p>
+            <a:r>
+              <a:rPr lang="de-DE" dirty="0">
+                <a:highlight>
+                  <a:srgbClr val="FFFF00"/>
+                </a:highlight>
+              </a:rPr>
+              <a:t>Einzigartig</a:t>
             </a:r>
             <a:endParaRPr lang="de-DE" dirty="0"/>
           </a:p>
           <a:p>
             <a:r>
-              <a:rPr lang="de-DE" strike="sngStrike" dirty="0"/>
-              <a:t>Leistung</a:t>
-            </a:r>
+              <a:rPr lang="de-DE" dirty="0"/>
+              <a:t>Kann global eingesetzt werden</a:t>
+            </a:r>
+          </a:p>
+          <a:p>
+            <a:r>
+              <a:rPr lang="de-DE" dirty="0"/>
+              <a:t>verkürzte Ausrückezeiten,</a:t>
+            </a:r>
+          </a:p>
+          <a:p>
+            <a:r>
+              <a:rPr lang="de-DE" dirty="0"/>
+              <a:t>d.h. Betroffenen kann schneller geholfen werden </a:t>
+            </a:r>
+            <a:r>
+              <a:rPr lang="de-DE" dirty="0">
+                <a:sym typeface="Wingdings" panose="05000000000000000000" pitchFamily="2" charset="2"/>
+              </a:rPr>
+              <a:t> </a:t>
+            </a:r>
+            <a:r>
+              <a:rPr lang="de-DE" dirty="0">
+                <a:highlight>
+                  <a:srgbClr val="FFFF00"/>
+                </a:highlight>
+                <a:sym typeface="Wingdings" panose="05000000000000000000" pitchFamily="2" charset="2"/>
+              </a:rPr>
+              <a:t>Leben retten!</a:t>
+            </a:r>
+            <a:endParaRPr lang="de-DE" dirty="0">
+              <a:highlight>
+                <a:srgbClr val="FFFF00"/>
+              </a:highlight>
+            </a:endParaRPr>
+          </a:p>
+          <a:p>
+            <a:r>
+              <a:rPr lang="de-DE" dirty="0">
+                <a:highlight>
+                  <a:srgbClr val="FFFF00"/>
+                </a:highlight>
+              </a:rPr>
+              <a:t>Höheres Ansehen für ehrenamtliche Kräfte</a:t>
+            </a:r>
+          </a:p>
+          <a:p>
+            <a:r>
+              <a:rPr lang="de-DE" dirty="0">
+                <a:sym typeface="Wingdings" panose="05000000000000000000" pitchFamily="2" charset="2"/>
+              </a:rPr>
+              <a:t> Motivation steigt  mehr Helfer</a:t>
+            </a:r>
+            <a:endParaRPr lang="de-DE" dirty="0"/>
+          </a:p>
+        </p:txBody>
+      </p:sp>
+      <p:sp>
+        <p:nvSpPr>
+          <p:cNvPr id="4" name="Foliennummernplatzhalter 3">
+            <a:extLst>
+              <a:ext uri="{FF2B5EF4-FFF2-40B4-BE49-F238E27FC236}">
+                <a16:creationId xmlns:a16="http://schemas.microsoft.com/office/drawing/2014/main" id="{070B0ED9-E7DE-416E-A217-9A71808204CD}"/>
+              </a:ext>
+            </a:extLst>
+          </p:cNvPr>
+          <p:cNvSpPr>
+            <a:spLocks noGrp="1"/>
+          </p:cNvSpPr>
+          <p:nvPr>
+            <p:ph type="sldNum" sz="quarter" idx="12"/>
+          </p:nvPr>
+        </p:nvSpPr>
+        <p:spPr/>
+        <p:txBody>
+          <a:bodyPr/>
+          <a:lstStyle/>
+          <a:p>
+            <a:fld id="{4FAB73BC-B049-4115-A692-8D63A059BFB8}" type="slidenum">
+              <a:rPr lang="en-US" smtClean="0"/>
+              <a:t>5</a:t>
+            </a:fld>
+            <a:endParaRPr lang="en-US" dirty="0"/>
           </a:p>
         </p:txBody>
       </p:sp>
     </p:spTree>
     <p:extLst>
       <p:ext uri="{BB962C8B-B14F-4D97-AF65-F5344CB8AC3E}">
-        <p14:creationId xmlns:p14="http://schemas.microsoft.com/office/powerpoint/2010/main" val="1758332168"/>
+        <p14:creationId xmlns:p14="http://schemas.microsoft.com/office/powerpoint/2010/main" val="55442989"/>
       </p:ext>
     </p:extLst>
   </p:cSld>
@@ -6444,7 +8389,7 @@
           <p:cNvPr id="2" name="Titel 1">
             <a:extLst>
               <a:ext uri="{FF2B5EF4-FFF2-40B4-BE49-F238E27FC236}">
-                <a16:creationId xmlns:a16="http://schemas.microsoft.com/office/drawing/2014/main" id="{87222D29-A322-4F71-92A4-9C6543B2C0E5}"/>
+                <a16:creationId xmlns:a16="http://schemas.microsoft.com/office/drawing/2014/main" id="{D9C2B3F8-C7B1-4130-B33C-572F7634BCCC}"/>
               </a:ext>
             </a:extLst>
           </p:cNvPr>
@@ -6462,7 +8407,15 @@
           <a:p>
             <a:r>
               <a:rPr lang="de-DE" dirty="0"/>
-              <a:t>Fazit</a:t>
+              <a:t>Zwei </a:t>
+            </a:r>
+            <a:r>
+              <a:rPr lang="de-DE" strike="sngStrike" dirty="0"/>
+              <a:t>bis drei</a:t>
+            </a:r>
+            <a:r>
+              <a:rPr lang="de-DE" dirty="0"/>
+              <a:t> oder fünf Werte</a:t>
             </a:r>
           </a:p>
         </p:txBody>
@@ -6472,7 +8425,7 @@
           <p:cNvPr id="3" name="Inhaltsplatzhalter 2">
             <a:extLst>
               <a:ext uri="{FF2B5EF4-FFF2-40B4-BE49-F238E27FC236}">
-                <a16:creationId xmlns:a16="http://schemas.microsoft.com/office/drawing/2014/main" id="{924E97FC-8B82-4685-956A-0A6C99EA4160}"/>
+                <a16:creationId xmlns:a16="http://schemas.microsoft.com/office/drawing/2014/main" id="{E88EB1BA-F4B5-4229-BBD3-3C3B0645AF35}"/>
               </a:ext>
             </a:extLst>
           </p:cNvPr>
@@ -6489,78 +8442,69 @@
           <a:lstStyle/>
           <a:p>
             <a:r>
-              <a:rPr lang="de-DE" dirty="0"/>
-              <a:t>Unternehmen entwickelt einzigartige App(s) um Menschen zu helfen</a:t>
-            </a:r>
-          </a:p>
-          <a:p>
-            <a:r>
-              <a:rPr lang="de-DE" dirty="0"/>
-              <a:t>Zusammenarbeit im Unternehmen ist harmonisch</a:t>
-            </a:r>
-          </a:p>
-          <a:p>
-            <a:r>
-              <a:rPr lang="de-DE" dirty="0"/>
-              <a:t>Mitarbeiter haben gute Work/</a:t>
-            </a:r>
-            <a:r>
-              <a:rPr lang="de-DE" dirty="0" err="1"/>
-              <a:t>life</a:t>
-            </a:r>
-            <a:r>
-              <a:rPr lang="de-DE" dirty="0"/>
-              <a:t> </a:t>
-            </a:r>
-            <a:r>
-              <a:rPr lang="de-DE" dirty="0" err="1"/>
-              <a:t>balance</a:t>
-            </a:r>
-            <a:endParaRPr lang="de-DE" dirty="0"/>
-          </a:p>
-          <a:p>
-            <a:endParaRPr lang="de-DE" dirty="0"/>
-          </a:p>
-          <a:p>
-            <a:r>
-              <a:rPr lang="de-DE" dirty="0">
-                <a:highlight>
-                  <a:srgbClr val="FFFF00"/>
-                </a:highlight>
-                <a:sym typeface="Wingdings" panose="05000000000000000000" pitchFamily="2" charset="2"/>
-              </a:rPr>
-              <a:t> Harmonie und </a:t>
-            </a:r>
-            <a:r>
-              <a:rPr lang="de-DE" dirty="0" err="1">
-                <a:highlight>
-                  <a:srgbClr val="FFFF00"/>
-                </a:highlight>
-                <a:sym typeface="Wingdings" panose="05000000000000000000" pitchFamily="2" charset="2"/>
-              </a:rPr>
-              <a:t>Wlb</a:t>
-            </a:r>
-            <a:r>
-              <a:rPr lang="de-DE" dirty="0">
-                <a:highlight>
-                  <a:srgbClr val="FFFF00"/>
-                </a:highlight>
-                <a:sym typeface="Wingdings" panose="05000000000000000000" pitchFamily="2" charset="2"/>
-              </a:rPr>
-              <a:t> als Wert zusammenfassen, Wert aus anderer Ebene (Zielsetzung) einfügen</a:t>
-            </a:r>
-            <a:endParaRPr lang="de-DE" dirty="0">
-              <a:highlight>
-                <a:srgbClr val="FFFF00"/>
-              </a:highlight>
-            </a:endParaRPr>
+              <a:rPr lang="de-DE" strike="sngStrike" dirty="0"/>
+              <a:t>Zufriedenheit</a:t>
+            </a:r>
+          </a:p>
+          <a:p>
+            <a:r>
+              <a:rPr lang="de-DE" dirty="0"/>
+              <a:t>Harmonie</a:t>
+            </a:r>
+          </a:p>
+          <a:p>
+            <a:r>
+              <a:rPr lang="de-DE" strike="sngStrike" dirty="0"/>
+              <a:t>Anerkennung</a:t>
+            </a:r>
+          </a:p>
+          <a:p>
+            <a:r>
+              <a:rPr lang="de-DE" dirty="0"/>
+              <a:t>Work/life balance</a:t>
+            </a:r>
+          </a:p>
+          <a:p>
+            <a:r>
+              <a:rPr lang="de-DE" strike="sngStrike" dirty="0"/>
+              <a:t>Leistung</a:t>
+            </a:r>
+          </a:p>
+        </p:txBody>
+      </p:sp>
+      <p:sp>
+        <p:nvSpPr>
+          <p:cNvPr id="4" name="Foliennummernplatzhalter 3">
+            <a:extLst>
+              <a:ext uri="{FF2B5EF4-FFF2-40B4-BE49-F238E27FC236}">
+                <a16:creationId xmlns:a16="http://schemas.microsoft.com/office/drawing/2014/main" id="{66C875E3-C3F9-428E-90CC-51C916900B29}"/>
+              </a:ext>
+            </a:extLst>
+          </p:cNvPr>
+          <p:cNvSpPr>
+            <a:spLocks noGrp="1"/>
+          </p:cNvSpPr>
+          <p:nvPr>
+            <p:ph type="sldNum" sz="quarter" idx="12"/>
+          </p:nvPr>
+        </p:nvSpPr>
+        <p:spPr/>
+        <p:txBody>
+          <a:bodyPr/>
+          <a:lstStyle/>
+          <a:p>
+            <a:fld id="{4FAB73BC-B049-4115-A692-8D63A059BFB8}" type="slidenum">
+              <a:rPr lang="en-US" smtClean="0"/>
+              <a:t>6</a:t>
+            </a:fld>
+            <a:endParaRPr lang="en-US" dirty="0"/>
           </a:p>
         </p:txBody>
       </p:sp>
     </p:spTree>
     <p:extLst>
       <p:ext uri="{BB962C8B-B14F-4D97-AF65-F5344CB8AC3E}">
-        <p14:creationId xmlns:p14="http://schemas.microsoft.com/office/powerpoint/2010/main" val="2889923665"/>
+        <p14:creationId xmlns:p14="http://schemas.microsoft.com/office/powerpoint/2010/main" val="1758332168"/>
       </p:ext>
     </p:extLst>
   </p:cSld>
@@ -6571,7 +8515,7 @@
 </file>
 
 <file path=ppt/slides/slide7.xml><?xml version="1.0" encoding="utf-8"?>
-<p:sld xmlns:a="http://schemas.openxmlformats.org/drawingml/2006/main" xmlns:r="http://schemas.openxmlformats.org/officeDocument/2006/relationships" xmlns:p="http://schemas.openxmlformats.org/presentationml/2006/main" show="0">
+<p:sld xmlns:a="http://schemas.openxmlformats.org/drawingml/2006/main" xmlns:r="http://schemas.openxmlformats.org/officeDocument/2006/relationships" xmlns:p="http://schemas.openxmlformats.org/presentationml/2006/main">
   <p:cSld>
     <p:spTree>
       <p:nvGrpSpPr>
@@ -6592,7 +8536,7 @@
           <p:cNvPr id="2" name="Titel 1">
             <a:extLst>
               <a:ext uri="{FF2B5EF4-FFF2-40B4-BE49-F238E27FC236}">
-                <a16:creationId xmlns:a16="http://schemas.microsoft.com/office/drawing/2014/main" id="{6921F843-3C75-4A43-B114-6A10E6761B55}"/>
+                <a16:creationId xmlns:a16="http://schemas.microsoft.com/office/drawing/2014/main" id="{87222D29-A322-4F71-92A4-9C6543B2C0E5}"/>
               </a:ext>
             </a:extLst>
           </p:cNvPr>
@@ -6610,7 +8554,7 @@
           <a:p>
             <a:r>
               <a:rPr lang="de-DE" dirty="0"/>
-              <a:t>Strukturiertes Bewerbungsgespräch</a:t>
+              <a:t>Fazit</a:t>
             </a:r>
           </a:p>
         </p:txBody>
@@ -6620,7 +8564,7 @@
           <p:cNvPr id="3" name="Inhaltsplatzhalter 2">
             <a:extLst>
               <a:ext uri="{FF2B5EF4-FFF2-40B4-BE49-F238E27FC236}">
-                <a16:creationId xmlns:a16="http://schemas.microsoft.com/office/drawing/2014/main" id="{590C72E2-7DF9-4FD9-8DB5-DF51DD6E4194}"/>
+                <a16:creationId xmlns:a16="http://schemas.microsoft.com/office/drawing/2014/main" id="{924E97FC-8B82-4685-956A-0A6C99EA4160}"/>
               </a:ext>
             </a:extLst>
           </p:cNvPr>
@@ -6638,81 +8582,75 @@
           <a:p>
             <a:r>
               <a:rPr lang="de-DE" dirty="0"/>
-              <a:t>Smalltalk (5‘)</a:t>
-            </a:r>
-          </a:p>
-          <a:p>
-            <a:r>
-              <a:rPr lang="de-DE" dirty="0"/>
-              <a:t>Kennenlernen (15‘)</a:t>
-            </a:r>
-          </a:p>
-          <a:p>
-            <a:pPr lvl="1"/>
-            <a:r>
-              <a:rPr lang="de-DE" dirty="0"/>
-              <a:t>Über sich erzählen</a:t>
-            </a:r>
-          </a:p>
-          <a:p>
-            <a:pPr lvl="1"/>
-            <a:r>
-              <a:rPr lang="de-DE" dirty="0"/>
-              <a:t>Warum bei uns beworben?</a:t>
-            </a:r>
-          </a:p>
-          <a:p>
-            <a:pPr lvl="1"/>
-            <a:r>
-              <a:rPr lang="de-DE" dirty="0"/>
-              <a:t>Warum gerade SIE einstellen?</a:t>
-            </a:r>
-          </a:p>
-          <a:p>
-            <a:pPr lvl="1"/>
-            <a:r>
-              <a:rPr lang="de-DE" dirty="0"/>
-              <a:t>Zeigen, dass optimal qualifiziert und Stelle für mich logischer Karriereschritt</a:t>
-            </a:r>
-          </a:p>
-          <a:p>
-            <a:r>
-              <a:rPr lang="de-DE" dirty="0"/>
-              <a:t>Vorstellung (10‘)</a:t>
-            </a:r>
-          </a:p>
-          <a:p>
-            <a:pPr lvl="1"/>
-            <a:r>
-              <a:rPr lang="de-DE" dirty="0"/>
-              <a:t>Beide Seiten</a:t>
-            </a:r>
-          </a:p>
-          <a:p>
-            <a:r>
-              <a:rPr lang="de-DE" dirty="0"/>
-              <a:t>Rückfragen (10‘)</a:t>
-            </a:r>
-          </a:p>
-          <a:p>
-            <a:r>
-              <a:rPr lang="de-DE" dirty="0"/>
-              <a:t>Abschluss (5‘)</a:t>
-            </a:r>
-          </a:p>
-          <a:p>
-            <a:pPr lvl="1"/>
-            <a:r>
-              <a:rPr lang="de-DE" dirty="0"/>
-              <a:t>Wie geht es weiter? „Wann darf ich Sie anrufen?“</a:t>
-            </a:r>
+              <a:t>Unternehmen entwickelt einzigartige App(s) um Menschen zu helfen</a:t>
+            </a:r>
+          </a:p>
+          <a:p>
+            <a:r>
+              <a:rPr lang="de-DE" dirty="0"/>
+              <a:t>Zusammenarbeit im Unternehmen ist harmonisch</a:t>
+            </a:r>
+          </a:p>
+          <a:p>
+            <a:r>
+              <a:rPr lang="de-DE" dirty="0"/>
+              <a:t>Mitarbeiter haben gute Work/life balance</a:t>
+            </a:r>
+          </a:p>
+          <a:p>
+            <a:endParaRPr lang="de-DE" dirty="0"/>
+          </a:p>
+          <a:p>
+            <a:r>
+              <a:rPr lang="de-DE" dirty="0">
+                <a:highlight>
+                  <a:srgbClr val="FFFF00"/>
+                </a:highlight>
+                <a:sym typeface="Wingdings" panose="05000000000000000000" pitchFamily="2" charset="2"/>
+              </a:rPr>
+              <a:t> Harmonie und Wlb als Wert zusammenfassen, Wert aus anderer Ebene (Zielsetzung) einfügen</a:t>
+            </a:r>
+            <a:endParaRPr lang="de-DE" dirty="0">
+              <a:highlight>
+                <a:srgbClr val="FFFF00"/>
+              </a:highlight>
+            </a:endParaRPr>
+          </a:p>
+        </p:txBody>
+      </p:sp>
+      <p:sp>
+        <p:nvSpPr>
+          <p:cNvPr id="4" name="Foliennummernplatzhalter 3">
+            <a:extLst>
+              <a:ext uri="{FF2B5EF4-FFF2-40B4-BE49-F238E27FC236}">
+                <a16:creationId xmlns:a16="http://schemas.microsoft.com/office/drawing/2014/main" id="{B7D89843-E317-41B0-9D0A-8A3C86066ED5}"/>
+              </a:ext>
+            </a:extLst>
+          </p:cNvPr>
+          <p:cNvSpPr>
+            <a:spLocks noGrp="1"/>
+          </p:cNvSpPr>
+          <p:nvPr>
+            <p:ph type="sldNum" sz="quarter" idx="12"/>
+          </p:nvPr>
+        </p:nvSpPr>
+        <p:spPr/>
+        <p:txBody>
+          <a:bodyPr/>
+          <a:lstStyle/>
+          <a:p>
+            <a:fld id="{4FAB73BC-B049-4115-A692-8D63A059BFB8}" type="slidenum">
+              <a:rPr lang="en-US" smtClean="0"/>
+              <a:t>7</a:t>
+            </a:fld>
+            <a:endParaRPr lang="en-US" dirty="0"/>
           </a:p>
         </p:txBody>
       </p:sp>
     </p:spTree>
     <p:extLst>
       <p:ext uri="{BB962C8B-B14F-4D97-AF65-F5344CB8AC3E}">
-        <p14:creationId xmlns:p14="http://schemas.microsoft.com/office/powerpoint/2010/main" val="4088920978"/>
+        <p14:creationId xmlns:p14="http://schemas.microsoft.com/office/powerpoint/2010/main" val="2889923665"/>
       </p:ext>
     </p:extLst>
   </p:cSld>
@@ -6744,7 +8682,7 @@
           <p:cNvPr id="2" name="Titel 1">
             <a:extLst>
               <a:ext uri="{FF2B5EF4-FFF2-40B4-BE49-F238E27FC236}">
-                <a16:creationId xmlns:a16="http://schemas.microsoft.com/office/drawing/2014/main" id="{F69A9393-FE75-49B0-95EA-96CDD8634A23}"/>
+                <a16:creationId xmlns:a16="http://schemas.microsoft.com/office/drawing/2014/main" id="{6921F843-3C75-4A43-B114-6A10E6761B55}"/>
               </a:ext>
             </a:extLst>
           </p:cNvPr>
@@ -6762,7 +8700,7 @@
           <a:p>
             <a:r>
               <a:rPr lang="de-DE" dirty="0"/>
-              <a:t>Funktionen im Team</a:t>
+              <a:t>Strukturiertes Bewerbungsgespräch</a:t>
             </a:r>
           </a:p>
         </p:txBody>
@@ -6772,7 +8710,7 @@
           <p:cNvPr id="3" name="Inhaltsplatzhalter 2">
             <a:extLst>
               <a:ext uri="{FF2B5EF4-FFF2-40B4-BE49-F238E27FC236}">
-                <a16:creationId xmlns:a16="http://schemas.microsoft.com/office/drawing/2014/main" id="{C1207083-5945-47DA-88E9-65C28A4FA781}"/>
+                <a16:creationId xmlns:a16="http://schemas.microsoft.com/office/drawing/2014/main" id="{590C72E2-7DF9-4FD9-8DB5-DF51DD6E4194}"/>
               </a:ext>
             </a:extLst>
           </p:cNvPr>
@@ -6790,57 +8728,110 @@
           <a:p>
             <a:r>
               <a:rPr lang="de-DE" dirty="0"/>
-              <a:t>Entwickler</a:t>
-            </a:r>
-          </a:p>
-          <a:p>
-            <a:r>
-              <a:rPr lang="de-DE" dirty="0"/>
-              <a:t>BWLer</a:t>
-            </a:r>
-          </a:p>
-          <a:p>
-            <a:r>
-              <a:rPr lang="de-DE" dirty="0"/>
-              <a:t>Marketing / Helfer im </a:t>
-            </a:r>
-            <a:r>
-              <a:rPr lang="de-DE" dirty="0" err="1"/>
-              <a:t>BevSch</a:t>
-            </a:r>
-            <a:endParaRPr lang="de-DE" dirty="0"/>
-          </a:p>
-          <a:p>
-            <a:endParaRPr lang="de-DE" dirty="0"/>
-          </a:p>
-          <a:p>
-            <a:r>
-              <a:rPr lang="de-DE" dirty="0"/>
-              <a:t>gesucht: Wirtschaftsinformatiker </a:t>
-            </a:r>
-            <a:br>
-              <a:rPr lang="de-DE" dirty="0"/>
-            </a:br>
-            <a:r>
-              <a:rPr lang="de-DE" dirty="0">
-                <a:sym typeface="Wingdings" panose="05000000000000000000" pitchFamily="2" charset="2"/>
-              </a:rPr>
-              <a:t> kann entwickeln, und hat mal was von BWL gehört</a:t>
-            </a:r>
-            <a:endParaRPr lang="de-DE" dirty="0"/>
-          </a:p>
-          <a:p>
-            <a:endParaRPr lang="de-DE" dirty="0"/>
-          </a:p>
-          <a:p>
-            <a:endParaRPr lang="de-DE" dirty="0"/>
+              <a:t>Smalltalk (5‘)</a:t>
+            </a:r>
+          </a:p>
+          <a:p>
+            <a:r>
+              <a:rPr lang="de-DE" dirty="0"/>
+              <a:t>Kennenlernen (15‘)</a:t>
+            </a:r>
+          </a:p>
+          <a:p>
+            <a:pPr lvl="1"/>
+            <a:r>
+              <a:rPr lang="de-DE" dirty="0"/>
+              <a:t>Über sich erzählen</a:t>
+            </a:r>
+          </a:p>
+          <a:p>
+            <a:pPr lvl="1"/>
+            <a:r>
+              <a:rPr lang="de-DE" dirty="0"/>
+              <a:t>Warum bei uns beworben?</a:t>
+            </a:r>
+          </a:p>
+          <a:p>
+            <a:pPr lvl="1"/>
+            <a:r>
+              <a:rPr lang="de-DE" dirty="0"/>
+              <a:t>Warum gerade SIE einstellen?</a:t>
+            </a:r>
+          </a:p>
+          <a:p>
+            <a:pPr lvl="1"/>
+            <a:r>
+              <a:rPr lang="de-DE" dirty="0"/>
+              <a:t>Zeigen, dass optimal qualifiziert und Stelle für mich logischer Karriereschritt</a:t>
+            </a:r>
+          </a:p>
+          <a:p>
+            <a:r>
+              <a:rPr lang="de-DE" dirty="0"/>
+              <a:t>Vorstellung (10‘)</a:t>
+            </a:r>
+          </a:p>
+          <a:p>
+            <a:pPr lvl="1"/>
+            <a:r>
+              <a:rPr lang="de-DE" dirty="0"/>
+              <a:t>Beide Seiten</a:t>
+            </a:r>
+          </a:p>
+          <a:p>
+            <a:r>
+              <a:rPr lang="de-DE" dirty="0"/>
+              <a:t>Rückfragen (10‘)</a:t>
+            </a:r>
+          </a:p>
+          <a:p>
+            <a:r>
+              <a:rPr lang="de-DE" dirty="0"/>
+              <a:t>Abschluss (5‘)</a:t>
+            </a:r>
+          </a:p>
+          <a:p>
+            <a:pPr lvl="1"/>
+            <a:r>
+              <a:rPr lang="de-DE" dirty="0"/>
+              <a:t>Wie geht es weiter? „Wann darf ich Sie anrufen?“</a:t>
+            </a:r>
+          </a:p>
+        </p:txBody>
+      </p:sp>
+      <p:sp>
+        <p:nvSpPr>
+          <p:cNvPr id="4" name="Foliennummernplatzhalter 3">
+            <a:extLst>
+              <a:ext uri="{FF2B5EF4-FFF2-40B4-BE49-F238E27FC236}">
+                <a16:creationId xmlns:a16="http://schemas.microsoft.com/office/drawing/2014/main" id="{85F86701-ACD6-4CCF-A4BA-7D4CC9B41F27}"/>
+              </a:ext>
+            </a:extLst>
+          </p:cNvPr>
+          <p:cNvSpPr>
+            <a:spLocks noGrp="1"/>
+          </p:cNvSpPr>
+          <p:nvPr>
+            <p:ph type="sldNum" sz="quarter" idx="12"/>
+          </p:nvPr>
+        </p:nvSpPr>
+        <p:spPr/>
+        <p:txBody>
+          <a:bodyPr/>
+          <a:lstStyle/>
+          <a:p>
+            <a:fld id="{4FAB73BC-B049-4115-A692-8D63A059BFB8}" type="slidenum">
+              <a:rPr lang="en-US" smtClean="0"/>
+              <a:t>8</a:t>
+            </a:fld>
+            <a:endParaRPr lang="en-US" dirty="0"/>
           </a:p>
         </p:txBody>
       </p:sp>
     </p:spTree>
     <p:extLst>
       <p:ext uri="{BB962C8B-B14F-4D97-AF65-F5344CB8AC3E}">
-        <p14:creationId xmlns:p14="http://schemas.microsoft.com/office/powerpoint/2010/main" val="1771085200"/>
+        <p14:creationId xmlns:p14="http://schemas.microsoft.com/office/powerpoint/2010/main" val="4088920978"/>
       </p:ext>
     </p:extLst>
   </p:cSld>
@@ -6872,7 +8863,7 @@
           <p:cNvPr id="2" name="Titel 1">
             <a:extLst>
               <a:ext uri="{FF2B5EF4-FFF2-40B4-BE49-F238E27FC236}">
-                <a16:creationId xmlns:a16="http://schemas.microsoft.com/office/drawing/2014/main" id="{2BB8E544-E1B5-46F4-A2CD-016EEA7D119F}"/>
+                <a16:creationId xmlns:a16="http://schemas.microsoft.com/office/drawing/2014/main" id="{F69A9393-FE75-49B0-95EA-96CDD8634A23}"/>
               </a:ext>
             </a:extLst>
           </p:cNvPr>
@@ -6890,7 +8881,7 @@
           <a:p>
             <a:r>
               <a:rPr lang="de-DE" dirty="0"/>
-              <a:t>Notizen Bewerbungsgespräch</a:t>
+              <a:t>Funktionen im Team</a:t>
             </a:r>
           </a:p>
         </p:txBody>
@@ -6900,7 +8891,7 @@
           <p:cNvPr id="3" name="Inhaltsplatzhalter 2">
             <a:extLst>
               <a:ext uri="{FF2B5EF4-FFF2-40B4-BE49-F238E27FC236}">
-                <a16:creationId xmlns:a16="http://schemas.microsoft.com/office/drawing/2014/main" id="{87EAA219-79ED-4460-8F78-C091408638FD}"/>
+                <a16:creationId xmlns:a16="http://schemas.microsoft.com/office/drawing/2014/main" id="{C1207083-5945-47DA-88E9-65C28A4FA781}"/>
               </a:ext>
             </a:extLst>
           </p:cNvPr>
@@ -6918,13 +8909,19 @@
           <a:p>
             <a:r>
               <a:rPr lang="de-DE" dirty="0"/>
-              <a:t>Personaler:	Max</a:t>
-            </a:r>
-          </a:p>
-          <a:p>
-            <a:r>
-              <a:rPr lang="de-DE" dirty="0"/>
-              <a:t>Bewerber:	Niklas</a:t>
+              <a:t>Entwickler</a:t>
+            </a:r>
+          </a:p>
+          <a:p>
+            <a:r>
+              <a:rPr lang="de-DE" dirty="0"/>
+              <a:t>BWLer</a:t>
+            </a:r>
+          </a:p>
+          <a:p>
+            <a:r>
+              <a:rPr lang="de-DE" dirty="0"/>
+              <a:t>Marketing / Helfer im BevSch</a:t>
             </a:r>
           </a:p>
           <a:p>
@@ -6933,39 +8930,60 @@
           <a:p>
             <a:r>
               <a:rPr lang="de-DE" dirty="0"/>
-              <a:t>Smalltalk:		Anfahrt</a:t>
-            </a:r>
-          </a:p>
-          <a:p>
-            <a:r>
-              <a:rPr lang="de-DE" dirty="0"/>
-              <a:t>Kennenlernen:	erfüllt Anforderungen, motiviert durch Tätigkeit in FF</a:t>
-            </a:r>
-          </a:p>
-          <a:p>
-            <a:r>
-              <a:rPr lang="de-DE" dirty="0"/>
-              <a:t>Vorstellung:		Team braucht zuerst Entwickler, später dann BWL</a:t>
-            </a:r>
-          </a:p>
-          <a:p>
-            <a:r>
-              <a:rPr lang="de-DE" dirty="0"/>
-              <a:t>Rückfragen:		wie ist Team zusammengesetzt, wie lange läuft das Projekt</a:t>
-            </a:r>
-          </a:p>
-          <a:p>
-            <a:r>
-              <a:rPr lang="de-DE" dirty="0"/>
-              <a:t>Abschluss:		Nachfrage, wann melden </a:t>
-            </a:r>
+              <a:t>gesucht: Wirtschaftsinformatiker </a:t>
+            </a:r>
+            <a:br>
+              <a:rPr lang="de-DE" dirty="0"/>
+            </a:br>
+            <a:r>
+              <a:rPr lang="de-DE" dirty="0">
+                <a:sym typeface="Wingdings" panose="05000000000000000000" pitchFamily="2" charset="2"/>
+              </a:rPr>
+              <a:t> kann entwickeln, und hat mal was von BWL gehört</a:t>
+            </a:r>
+            <a:endParaRPr lang="de-DE" dirty="0"/>
+          </a:p>
+          <a:p>
+            <a:endParaRPr lang="de-DE" dirty="0"/>
+          </a:p>
+          <a:p>
+            <a:endParaRPr lang="de-DE" dirty="0"/>
+          </a:p>
+        </p:txBody>
+      </p:sp>
+      <p:sp>
+        <p:nvSpPr>
+          <p:cNvPr id="4" name="Foliennummernplatzhalter 3">
+            <a:extLst>
+              <a:ext uri="{FF2B5EF4-FFF2-40B4-BE49-F238E27FC236}">
+                <a16:creationId xmlns:a16="http://schemas.microsoft.com/office/drawing/2014/main" id="{C7F31DEE-2D20-484D-BA61-D0342056590A}"/>
+              </a:ext>
+            </a:extLst>
+          </p:cNvPr>
+          <p:cNvSpPr>
+            <a:spLocks noGrp="1"/>
+          </p:cNvSpPr>
+          <p:nvPr>
+            <p:ph type="sldNum" sz="quarter" idx="12"/>
+          </p:nvPr>
+        </p:nvSpPr>
+        <p:spPr/>
+        <p:txBody>
+          <a:bodyPr/>
+          <a:lstStyle/>
+          <a:p>
+            <a:fld id="{4FAB73BC-B049-4115-A692-8D63A059BFB8}" type="slidenum">
+              <a:rPr lang="en-US" smtClean="0"/>
+              <a:t>9</a:t>
+            </a:fld>
+            <a:endParaRPr lang="en-US" dirty="0"/>
           </a:p>
         </p:txBody>
       </p:sp>
     </p:spTree>
     <p:extLst>
       <p:ext uri="{BB962C8B-B14F-4D97-AF65-F5344CB8AC3E}">
-        <p14:creationId xmlns:p14="http://schemas.microsoft.com/office/powerpoint/2010/main" val="489202906"/>
+        <p14:creationId xmlns:p14="http://schemas.microsoft.com/office/powerpoint/2010/main" val="1771085200"/>
       </p:ext>
     </p:extLst>
   </p:cSld>
@@ -7202,4 +9220,299 @@
     </a:ext>
   </a:extLst>
 </a:theme>
+</file>
+
+<file path=ppt/theme/theme2.xml><?xml version="1.0" encoding="utf-8"?>
+<a:theme xmlns:a="http://schemas.openxmlformats.org/drawingml/2006/main" name="Office">
+  <a:themeElements>
+    <a:clrScheme name="Office">
+      <a:dk1>
+        <a:sysClr val="windowText" lastClr="000000"/>
+      </a:dk1>
+      <a:lt1>
+        <a:sysClr val="window" lastClr="FFFFFF"/>
+      </a:lt1>
+      <a:dk2>
+        <a:srgbClr val="44546A"/>
+      </a:dk2>
+      <a:lt2>
+        <a:srgbClr val="E7E6E6"/>
+      </a:lt2>
+      <a:accent1>
+        <a:srgbClr val="4472C4"/>
+      </a:accent1>
+      <a:accent2>
+        <a:srgbClr val="ED7D31"/>
+      </a:accent2>
+      <a:accent3>
+        <a:srgbClr val="A5A5A5"/>
+      </a:accent3>
+      <a:accent4>
+        <a:srgbClr val="FFC000"/>
+      </a:accent4>
+      <a:accent5>
+        <a:srgbClr val="5B9BD5"/>
+      </a:accent5>
+      <a:accent6>
+        <a:srgbClr val="70AD47"/>
+      </a:accent6>
+      <a:hlink>
+        <a:srgbClr val="0563C1"/>
+      </a:hlink>
+      <a:folHlink>
+        <a:srgbClr val="954F72"/>
+      </a:folHlink>
+    </a:clrScheme>
+    <a:fontScheme name="Office">
+      <a:majorFont>
+        <a:latin typeface="Calibri Light" panose="020F0302020204030204"/>
+        <a:ea typeface=""/>
+        <a:cs typeface=""/>
+        <a:font script="Jpan" typeface="游ゴシック Light"/>
+        <a:font script="Hang" typeface="맑은 고딕"/>
+        <a:font script="Hans" typeface="等线 Light"/>
+        <a:font script="Hant" typeface="新細明體"/>
+        <a:font script="Arab" typeface="Times New Roman"/>
+        <a:font script="Hebr" typeface="Times New Roman"/>
+        <a:font script="Thai" typeface="Angsana New"/>
+        <a:font script="Ethi" typeface="Nyala"/>
+        <a:font script="Beng" typeface="Vrinda"/>
+        <a:font script="Gujr" typeface="Shruti"/>
+        <a:font script="Khmr" typeface="MoolBoran"/>
+        <a:font script="Knda" typeface="Tunga"/>
+        <a:font script="Guru" typeface="Raavi"/>
+        <a:font script="Cans" typeface="Euphemia"/>
+        <a:font script="Cher" typeface="Plantagenet Cherokee"/>
+        <a:font script="Yiii" typeface="Microsoft Yi Baiti"/>
+        <a:font script="Tibt" typeface="Microsoft Himalaya"/>
+        <a:font script="Thaa" typeface="MV Boli"/>
+        <a:font script="Deva" typeface="Mangal"/>
+        <a:font script="Telu" typeface="Gautami"/>
+        <a:font script="Taml" typeface="Latha"/>
+        <a:font script="Syrc" typeface="Estrangelo Edessa"/>
+        <a:font script="Orya" typeface="Kalinga"/>
+        <a:font script="Mlym" typeface="Kartika"/>
+        <a:font script="Laoo" typeface="DokChampa"/>
+        <a:font script="Sinh" typeface="Iskoola Pota"/>
+        <a:font script="Mong" typeface="Mongolian Baiti"/>
+        <a:font script="Viet" typeface="Times New Roman"/>
+        <a:font script="Uigh" typeface="Microsoft Uighur"/>
+        <a:font script="Geor" typeface="Sylfaen"/>
+        <a:font script="Armn" typeface="Arial"/>
+        <a:font script="Bugi" typeface="Leelawadee UI"/>
+        <a:font script="Bopo" typeface="Microsoft JhengHei"/>
+        <a:font script="Java" typeface="Javanese Text"/>
+        <a:font script="Lisu" typeface="Segoe UI"/>
+        <a:font script="Mymr" typeface="Myanmar Text"/>
+        <a:font script="Nkoo" typeface="Ebrima"/>
+        <a:font script="Olck" typeface="Nirmala UI"/>
+        <a:font script="Osma" typeface="Ebrima"/>
+        <a:font script="Phag" typeface="Phagspa"/>
+        <a:font script="Syrn" typeface="Estrangelo Edessa"/>
+        <a:font script="Syrj" typeface="Estrangelo Edessa"/>
+        <a:font script="Syre" typeface="Estrangelo Edessa"/>
+        <a:font script="Sora" typeface="Nirmala UI"/>
+        <a:font script="Tale" typeface="Microsoft Tai Le"/>
+        <a:font script="Talu" typeface="Microsoft New Tai Lue"/>
+        <a:font script="Tfng" typeface="Ebrima"/>
+      </a:majorFont>
+      <a:minorFont>
+        <a:latin typeface="Calibri" panose="020F0502020204030204"/>
+        <a:ea typeface=""/>
+        <a:cs typeface=""/>
+        <a:font script="Jpan" typeface="游ゴシック"/>
+        <a:font script="Hang" typeface="맑은 고딕"/>
+        <a:font script="Hans" typeface="等线"/>
+        <a:font script="Hant" typeface="新細明體"/>
+        <a:font script="Arab" typeface="Arial"/>
+        <a:font script="Hebr" typeface="Arial"/>
+        <a:font script="Thai" typeface="Cordia New"/>
+        <a:font script="Ethi" typeface="Nyala"/>
+        <a:font script="Beng" typeface="Vrinda"/>
+        <a:font script="Gujr" typeface="Shruti"/>
+        <a:font script="Khmr" typeface="DaunPenh"/>
+        <a:font script="Knda" typeface="Tunga"/>
+        <a:font script="Guru" typeface="Raavi"/>
+        <a:font script="Cans" typeface="Euphemia"/>
+        <a:font script="Cher" typeface="Plantagenet Cherokee"/>
+        <a:font script="Yiii" typeface="Microsoft Yi Baiti"/>
+        <a:font script="Tibt" typeface="Microsoft Himalaya"/>
+        <a:font script="Thaa" typeface="MV Boli"/>
+        <a:font script="Deva" typeface="Mangal"/>
+        <a:font script="Telu" typeface="Gautami"/>
+        <a:font script="Taml" typeface="Latha"/>
+        <a:font script="Syrc" typeface="Estrangelo Edessa"/>
+        <a:font script="Orya" typeface="Kalinga"/>
+        <a:font script="Mlym" typeface="Kartika"/>
+        <a:font script="Laoo" typeface="DokChampa"/>
+        <a:font script="Sinh" typeface="Iskoola Pota"/>
+        <a:font script="Mong" typeface="Mongolian Baiti"/>
+        <a:font script="Viet" typeface="Arial"/>
+        <a:font script="Uigh" typeface="Microsoft Uighur"/>
+        <a:font script="Geor" typeface="Sylfaen"/>
+        <a:font script="Armn" typeface="Arial"/>
+        <a:font script="Bugi" typeface="Leelawadee UI"/>
+        <a:font script="Bopo" typeface="Microsoft JhengHei"/>
+        <a:font script="Java" typeface="Javanese Text"/>
+        <a:font script="Lisu" typeface="Segoe UI"/>
+        <a:font script="Mymr" typeface="Myanmar Text"/>
+        <a:font script="Nkoo" typeface="Ebrima"/>
+        <a:font script="Olck" typeface="Nirmala UI"/>
+        <a:font script="Osma" typeface="Ebrima"/>
+        <a:font script="Phag" typeface="Phagspa"/>
+        <a:font script="Syrn" typeface="Estrangelo Edessa"/>
+        <a:font script="Syrj" typeface="Estrangelo Edessa"/>
+        <a:font script="Syre" typeface="Estrangelo Edessa"/>
+        <a:font script="Sora" typeface="Nirmala UI"/>
+        <a:font script="Tale" typeface="Microsoft Tai Le"/>
+        <a:font script="Talu" typeface="Microsoft New Tai Lue"/>
+        <a:font script="Tfng" typeface="Ebrima"/>
+      </a:minorFont>
+    </a:fontScheme>
+    <a:fmtScheme name="Office">
+      <a:fillStyleLst>
+        <a:solidFill>
+          <a:schemeClr val="phClr"/>
+        </a:solidFill>
+        <a:gradFill rotWithShape="1">
+          <a:gsLst>
+            <a:gs pos="0">
+              <a:schemeClr val="phClr">
+                <a:lumMod val="110000"/>
+                <a:satMod val="105000"/>
+                <a:tint val="67000"/>
+              </a:schemeClr>
+            </a:gs>
+            <a:gs pos="50000">
+              <a:schemeClr val="phClr">
+                <a:lumMod val="105000"/>
+                <a:satMod val="103000"/>
+                <a:tint val="73000"/>
+              </a:schemeClr>
+            </a:gs>
+            <a:gs pos="100000">
+              <a:schemeClr val="phClr">
+                <a:lumMod val="105000"/>
+                <a:satMod val="109000"/>
+                <a:tint val="81000"/>
+              </a:schemeClr>
+            </a:gs>
+          </a:gsLst>
+          <a:lin ang="5400000" scaled="0"/>
+        </a:gradFill>
+        <a:gradFill rotWithShape="1">
+          <a:gsLst>
+            <a:gs pos="0">
+              <a:schemeClr val="phClr">
+                <a:satMod val="103000"/>
+                <a:lumMod val="102000"/>
+                <a:tint val="94000"/>
+              </a:schemeClr>
+            </a:gs>
+            <a:gs pos="50000">
+              <a:schemeClr val="phClr">
+                <a:satMod val="110000"/>
+                <a:lumMod val="100000"/>
+                <a:shade val="100000"/>
+              </a:schemeClr>
+            </a:gs>
+            <a:gs pos="100000">
+              <a:schemeClr val="phClr">
+                <a:lumMod val="99000"/>
+                <a:satMod val="120000"/>
+                <a:shade val="78000"/>
+              </a:schemeClr>
+            </a:gs>
+          </a:gsLst>
+          <a:lin ang="5400000" scaled="0"/>
+        </a:gradFill>
+      </a:fillStyleLst>
+      <a:lnStyleLst>
+        <a:ln w="6350" cap="flat" cmpd="sng" algn="ctr">
+          <a:solidFill>
+            <a:schemeClr val="phClr"/>
+          </a:solidFill>
+          <a:prstDash val="solid"/>
+          <a:miter lim="800000"/>
+        </a:ln>
+        <a:ln w="12700" cap="flat" cmpd="sng" algn="ctr">
+          <a:solidFill>
+            <a:schemeClr val="phClr"/>
+          </a:solidFill>
+          <a:prstDash val="solid"/>
+          <a:miter lim="800000"/>
+        </a:ln>
+        <a:ln w="19050" cap="flat" cmpd="sng" algn="ctr">
+          <a:solidFill>
+            <a:schemeClr val="phClr"/>
+          </a:solidFill>
+          <a:prstDash val="solid"/>
+          <a:miter lim="800000"/>
+        </a:ln>
+      </a:lnStyleLst>
+      <a:effectStyleLst>
+        <a:effectStyle>
+          <a:effectLst/>
+        </a:effectStyle>
+        <a:effectStyle>
+          <a:effectLst/>
+        </a:effectStyle>
+        <a:effectStyle>
+          <a:effectLst>
+            <a:outerShdw blurRad="57150" dist="19050" dir="5400000" algn="ctr" rotWithShape="0">
+              <a:srgbClr val="000000">
+                <a:alpha val="63000"/>
+              </a:srgbClr>
+            </a:outerShdw>
+          </a:effectLst>
+        </a:effectStyle>
+      </a:effectStyleLst>
+      <a:bgFillStyleLst>
+        <a:solidFill>
+          <a:schemeClr val="phClr"/>
+        </a:solidFill>
+        <a:solidFill>
+          <a:schemeClr val="phClr">
+            <a:tint val="95000"/>
+            <a:satMod val="170000"/>
+          </a:schemeClr>
+        </a:solidFill>
+        <a:gradFill rotWithShape="1">
+          <a:gsLst>
+            <a:gs pos="0">
+              <a:schemeClr val="phClr">
+                <a:tint val="93000"/>
+                <a:satMod val="150000"/>
+                <a:shade val="98000"/>
+                <a:lumMod val="102000"/>
+              </a:schemeClr>
+            </a:gs>
+            <a:gs pos="50000">
+              <a:schemeClr val="phClr">
+                <a:tint val="98000"/>
+                <a:satMod val="130000"/>
+                <a:shade val="90000"/>
+                <a:lumMod val="103000"/>
+              </a:schemeClr>
+            </a:gs>
+            <a:gs pos="100000">
+              <a:schemeClr val="phClr">
+                <a:shade val="63000"/>
+                <a:satMod val="120000"/>
+              </a:schemeClr>
+            </a:gs>
+          </a:gsLst>
+          <a:lin ang="5400000" scaled="0"/>
+        </a:gradFill>
+      </a:bgFillStyleLst>
+    </a:fmtScheme>
+  </a:themeElements>
+  <a:objectDefaults/>
+  <a:extraClrSchemeLst/>
+  <a:extLst>
+    <a:ext uri="{05A4C25C-085E-4340-85A3-A5531E510DB2}">
+      <thm15:themeFamily xmlns:thm15="http://schemas.microsoft.com/office/thememl/2012/main" name="Office Theme" id="{62F939B6-93AF-4DB8-9C6B-D6C7DFDC589F}" vid="{4A3C46E8-61CC-4603-A589-7422A47A8E4A}"/>
+    </a:ext>
+  </a:extLst>
+</a:theme>
 </file>
--- a/Präsentation.pptx
+++ b/Präsentation.pptx
@@ -5,7 +5,7 @@
     <p:sldMasterId id="2147483840" r:id="rId1"/>
   </p:sldMasterIdLst>
   <p:notesMasterIdLst>
-    <p:notesMasterId r:id="rId24"/>
+    <p:notesMasterId r:id="rId28"/>
   </p:notesMasterIdLst>
   <p:sldIdLst>
     <p:sldId id="256" r:id="rId2"/>
@@ -25,11 +25,15 @@
     <p:sldId id="268" r:id="rId16"/>
     <p:sldId id="275" r:id="rId17"/>
     <p:sldId id="270" r:id="rId18"/>
-    <p:sldId id="272" r:id="rId19"/>
-    <p:sldId id="271" r:id="rId20"/>
-    <p:sldId id="273" r:id="rId21"/>
-    <p:sldId id="276" r:id="rId22"/>
-    <p:sldId id="277" r:id="rId23"/>
+    <p:sldId id="278" r:id="rId19"/>
+    <p:sldId id="280" r:id="rId20"/>
+    <p:sldId id="281" r:id="rId21"/>
+    <p:sldId id="272" r:id="rId22"/>
+    <p:sldId id="271" r:id="rId23"/>
+    <p:sldId id="273" r:id="rId24"/>
+    <p:sldId id="276" r:id="rId25"/>
+    <p:sldId id="277" r:id="rId26"/>
+    <p:sldId id="282" r:id="rId27"/>
   </p:sldIdLst>
   <p:sldSz cx="12192000" cy="6858000"/>
   <p:notesSz cx="6858000" cy="9144000"/>
@@ -140,6 +144,2651 @@
 <p1510:revInfo xmlns:a="http://schemas.openxmlformats.org/drawingml/2006/main" xmlns:r="http://schemas.openxmlformats.org/officeDocument/2006/relationships" xmlns:p1510="http://schemas.microsoft.com/office/powerpoint/2015/10/main"/>
 </file>
 
+<file path=ppt/charts/chart1.xml><?xml version="1.0" encoding="utf-8"?>
+<c:chartSpace xmlns:c="http://schemas.openxmlformats.org/drawingml/2006/chart" xmlns:a="http://schemas.openxmlformats.org/drawingml/2006/main" xmlns:r="http://schemas.openxmlformats.org/officeDocument/2006/relationships" xmlns:c16r2="http://schemas.microsoft.com/office/drawing/2015/06/chart">
+  <c:date1904 val="0"/>
+  <c:lang val="de-DE"/>
+  <c:roundedCorners val="0"/>
+  <mc:AlternateContent xmlns:mc="http://schemas.openxmlformats.org/markup-compatibility/2006">
+    <mc:Choice xmlns:c14="http://schemas.microsoft.com/office/drawing/2007/8/2/chart" Requires="c14">
+      <c14:style val="102"/>
+    </mc:Choice>
+    <mc:Fallback>
+      <c:style val="2"/>
+    </mc:Fallback>
+  </mc:AlternateContent>
+  <c:chart>
+    <c:title>
+      <c:tx>
+        <c:rich>
+          <a:bodyPr rot="0" spcFirstLastPara="1" vertOverflow="ellipsis" vert="horz" wrap="square" anchor="ctr" anchorCtr="1"/>
+          <a:lstStyle/>
+          <a:p>
+            <a:pPr>
+              <a:defRPr sz="1400" b="0" i="0" u="none" strike="noStrike" kern="1200" spc="0" baseline="0">
+                <a:solidFill>
+                  <a:schemeClr val="tx1">
+                    <a:lumMod val="65000"/>
+                    <a:lumOff val="35000"/>
+                  </a:schemeClr>
+                </a:solidFill>
+                <a:latin typeface="+mn-lt"/>
+                <a:ea typeface="+mn-ea"/>
+                <a:cs typeface="+mn-cs"/>
+              </a:defRPr>
+            </a:pPr>
+            <a:r>
+              <a:rPr lang="de-DE" dirty="0"/>
+              <a:t>Einnahmen</a:t>
+            </a:r>
+            <a:r>
+              <a:rPr lang="de-DE" baseline="0" dirty="0"/>
+              <a:t> und Ausgaben</a:t>
+            </a:r>
+            <a:endParaRPr lang="de-DE" dirty="0"/>
+          </a:p>
+        </c:rich>
+      </c:tx>
+      <c:overlay val="0"/>
+      <c:spPr>
+        <a:noFill/>
+        <a:ln>
+          <a:noFill/>
+        </a:ln>
+        <a:effectLst/>
+      </c:spPr>
+    </c:title>
+    <c:autoTitleDeleted val="0"/>
+    <c:plotArea>
+      <c:layout/>
+      <c:scatterChart>
+        <c:scatterStyle val="lineMarker"/>
+        <c:varyColors val="0"/>
+        <c:ser>
+          <c:idx val="4"/>
+          <c:order val="0"/>
+          <c:spPr>
+            <a:ln>
+              <a:solidFill>
+                <a:srgbClr val="00B050"/>
+              </a:solidFill>
+            </a:ln>
+          </c:spPr>
+          <c:marker>
+            <c:spPr>
+              <a:solidFill>
+                <a:srgbClr val="92D050"/>
+              </a:solidFill>
+              <a:ln>
+                <a:solidFill>
+                  <a:srgbClr val="00B050"/>
+                </a:solidFill>
+              </a:ln>
+            </c:spPr>
+          </c:marker>
+          <c:yVal>
+            <c:numRef>
+              <c:f>Tabelle1!$D$8:$AM$8</c:f>
+              <c:numCache>
+                <c:formatCode>_("€"* #,##0.00_);_("€"* \(#,##0.00\);_("€"* "-"??_);_(@_)</c:formatCode>
+                <c:ptCount val="36"/>
+                <c:pt idx="0">
+                  <c:v>210</c:v>
+                </c:pt>
+                <c:pt idx="1">
+                  <c:v>440</c:v>
+                </c:pt>
+                <c:pt idx="2">
+                  <c:v>730</c:v>
+                </c:pt>
+                <c:pt idx="3">
+                  <c:v>1080</c:v>
+                </c:pt>
+                <c:pt idx="4">
+                  <c:v>1490</c:v>
+                </c:pt>
+                <c:pt idx="5">
+                  <c:v>1930</c:v>
+                </c:pt>
+                <c:pt idx="6">
+                  <c:v>2430</c:v>
+                </c:pt>
+                <c:pt idx="7">
+                  <c:v>2850</c:v>
+                </c:pt>
+                <c:pt idx="8">
+                  <c:v>3270</c:v>
+                </c:pt>
+                <c:pt idx="9">
+                  <c:v>3660</c:v>
+                </c:pt>
+                <c:pt idx="10">
+                  <c:v>4050</c:v>
+                </c:pt>
+                <c:pt idx="11">
+                  <c:v>4440</c:v>
+                </c:pt>
+                <c:pt idx="12">
+                  <c:v>4800</c:v>
+                </c:pt>
+                <c:pt idx="13">
+                  <c:v>5160</c:v>
+                </c:pt>
+                <c:pt idx="14">
+                  <c:v>5520</c:v>
+                </c:pt>
+                <c:pt idx="15">
+                  <c:v>5880</c:v>
+                </c:pt>
+                <c:pt idx="16">
+                  <c:v>6210</c:v>
+                </c:pt>
+                <c:pt idx="17">
+                  <c:v>6540</c:v>
+                </c:pt>
+                <c:pt idx="18">
+                  <c:v>6870</c:v>
+                </c:pt>
+                <c:pt idx="19">
+                  <c:v>7200</c:v>
+                </c:pt>
+                <c:pt idx="20">
+                  <c:v>7530</c:v>
+                </c:pt>
+                <c:pt idx="21">
+                  <c:v>7830</c:v>
+                </c:pt>
+                <c:pt idx="22">
+                  <c:v>8130</c:v>
+                </c:pt>
+                <c:pt idx="23">
+                  <c:v>8430</c:v>
+                </c:pt>
+                <c:pt idx="24">
+                  <c:v>8730</c:v>
+                </c:pt>
+                <c:pt idx="25">
+                  <c:v>9030</c:v>
+                </c:pt>
+                <c:pt idx="26">
+                  <c:v>9300</c:v>
+                </c:pt>
+                <c:pt idx="27">
+                  <c:v>9570</c:v>
+                </c:pt>
+                <c:pt idx="28">
+                  <c:v>9840</c:v>
+                </c:pt>
+                <c:pt idx="29">
+                  <c:v>10110</c:v>
+                </c:pt>
+                <c:pt idx="30">
+                  <c:v>10380</c:v>
+                </c:pt>
+                <c:pt idx="31">
+                  <c:v>10620</c:v>
+                </c:pt>
+                <c:pt idx="32">
+                  <c:v>10860</c:v>
+                </c:pt>
+                <c:pt idx="33">
+                  <c:v>11100</c:v>
+                </c:pt>
+                <c:pt idx="34">
+                  <c:v>11340</c:v>
+                </c:pt>
+                <c:pt idx="35">
+                  <c:v>11580</c:v>
+                </c:pt>
+              </c:numCache>
+            </c:numRef>
+          </c:yVal>
+          <c:smooth val="0"/>
+          <c:extLst>
+            <c:ext xmlns:c16="http://schemas.microsoft.com/office/drawing/2014/chart" uri="{C3380CC4-5D6E-409C-BE32-E72D297353CC}">
+              <c16:uniqueId val="{00000000-B7C0-459C-AB4A-931CE39845CE}"/>
+            </c:ext>
+          </c:extLst>
+        </c:ser>
+        <c:ser>
+          <c:idx val="0"/>
+          <c:order val="1"/>
+          <c:tx>
+            <c:v>Kosten</c:v>
+          </c:tx>
+          <c:spPr>
+            <a:ln>
+              <a:solidFill>
+                <a:srgbClr val="C00000"/>
+              </a:solidFill>
+            </a:ln>
+          </c:spPr>
+          <c:marker>
+            <c:spPr>
+              <a:solidFill>
+                <a:srgbClr val="FF0000"/>
+              </a:solidFill>
+              <a:ln>
+                <a:solidFill>
+                  <a:srgbClr val="C00000"/>
+                </a:solidFill>
+              </a:ln>
+            </c:spPr>
+          </c:marker>
+          <c:yVal>
+            <c:numRef>
+              <c:f>Tabelle1!$D$36:$AM$36</c:f>
+              <c:numCache>
+                <c:formatCode>_("€"* #,##0.00_);_("€"* \(#,##0.00\);_("€"* "-"??_);_(@_)</c:formatCode>
+                <c:ptCount val="36"/>
+                <c:pt idx="0">
+                  <c:v>9725</c:v>
+                </c:pt>
+                <c:pt idx="1">
+                  <c:v>725</c:v>
+                </c:pt>
+                <c:pt idx="2">
+                  <c:v>725</c:v>
+                </c:pt>
+                <c:pt idx="3">
+                  <c:v>725</c:v>
+                </c:pt>
+                <c:pt idx="4">
+                  <c:v>725</c:v>
+                </c:pt>
+                <c:pt idx="5">
+                  <c:v>725</c:v>
+                </c:pt>
+                <c:pt idx="6">
+                  <c:v>725</c:v>
+                </c:pt>
+                <c:pt idx="7">
+                  <c:v>725</c:v>
+                </c:pt>
+                <c:pt idx="8">
+                  <c:v>725</c:v>
+                </c:pt>
+                <c:pt idx="9">
+                  <c:v>725</c:v>
+                </c:pt>
+                <c:pt idx="10">
+                  <c:v>725</c:v>
+                </c:pt>
+                <c:pt idx="11">
+                  <c:v>725</c:v>
+                </c:pt>
+                <c:pt idx="12">
+                  <c:v>9851</c:v>
+                </c:pt>
+                <c:pt idx="13">
+                  <c:v>7851</c:v>
+                </c:pt>
+                <c:pt idx="14">
+                  <c:v>7851</c:v>
+                </c:pt>
+                <c:pt idx="15">
+                  <c:v>7851</c:v>
+                </c:pt>
+                <c:pt idx="16">
+                  <c:v>7851</c:v>
+                </c:pt>
+                <c:pt idx="17">
+                  <c:v>7851</c:v>
+                </c:pt>
+                <c:pt idx="18">
+                  <c:v>7851</c:v>
+                </c:pt>
+                <c:pt idx="19">
+                  <c:v>7851</c:v>
+                </c:pt>
+                <c:pt idx="20">
+                  <c:v>7851</c:v>
+                </c:pt>
+                <c:pt idx="21">
+                  <c:v>7851</c:v>
+                </c:pt>
+                <c:pt idx="22">
+                  <c:v>7851</c:v>
+                </c:pt>
+                <c:pt idx="23">
+                  <c:v>7851</c:v>
+                </c:pt>
+                <c:pt idx="24">
+                  <c:v>9876</c:v>
+                </c:pt>
+                <c:pt idx="25">
+                  <c:v>7876</c:v>
+                </c:pt>
+                <c:pt idx="26">
+                  <c:v>7876</c:v>
+                </c:pt>
+                <c:pt idx="27">
+                  <c:v>7876</c:v>
+                </c:pt>
+                <c:pt idx="28">
+                  <c:v>7876</c:v>
+                </c:pt>
+                <c:pt idx="29">
+                  <c:v>7876</c:v>
+                </c:pt>
+                <c:pt idx="30">
+                  <c:v>7876</c:v>
+                </c:pt>
+                <c:pt idx="31">
+                  <c:v>7876</c:v>
+                </c:pt>
+                <c:pt idx="32">
+                  <c:v>7876</c:v>
+                </c:pt>
+                <c:pt idx="33">
+                  <c:v>7876</c:v>
+                </c:pt>
+                <c:pt idx="34">
+                  <c:v>7876</c:v>
+                </c:pt>
+                <c:pt idx="35">
+                  <c:v>7876</c:v>
+                </c:pt>
+              </c:numCache>
+            </c:numRef>
+          </c:yVal>
+          <c:smooth val="0"/>
+          <c:extLst>
+            <c:ext xmlns:c16="http://schemas.microsoft.com/office/drawing/2014/chart" uri="{C3380CC4-5D6E-409C-BE32-E72D297353CC}">
+              <c16:uniqueId val="{00000001-B7C0-459C-AB4A-931CE39845CE}"/>
+            </c:ext>
+          </c:extLst>
+        </c:ser>
+        <c:dLbls>
+          <c:showLegendKey val="0"/>
+          <c:showVal val="0"/>
+          <c:showCatName val="0"/>
+          <c:showSerName val="0"/>
+          <c:showPercent val="0"/>
+          <c:showBubbleSize val="0"/>
+        </c:dLbls>
+        <c:axId val="468337599"/>
+        <c:axId val="478418383"/>
+      </c:scatterChart>
+      <c:valAx>
+        <c:axId val="468337599"/>
+        <c:scaling>
+          <c:orientation val="minMax"/>
+          <c:max val="36"/>
+          <c:min val="0"/>
+        </c:scaling>
+        <c:delete val="0"/>
+        <c:axPos val="b"/>
+        <c:majorGridlines>
+          <c:spPr>
+            <a:ln w="9525" cap="flat" cmpd="sng" algn="ctr">
+              <a:solidFill>
+                <a:schemeClr val="tx1">
+                  <a:lumMod val="15000"/>
+                  <a:lumOff val="85000"/>
+                </a:schemeClr>
+              </a:solidFill>
+              <a:round/>
+            </a:ln>
+            <a:effectLst/>
+          </c:spPr>
+        </c:majorGridlines>
+        <c:majorTickMark val="none"/>
+        <c:minorTickMark val="none"/>
+        <c:tickLblPos val="nextTo"/>
+        <c:spPr>
+          <a:noFill/>
+          <a:ln w="9525" cap="flat" cmpd="sng" algn="ctr">
+            <a:solidFill>
+              <a:schemeClr val="tx1">
+                <a:lumMod val="25000"/>
+                <a:lumOff val="75000"/>
+              </a:schemeClr>
+            </a:solidFill>
+            <a:round/>
+          </a:ln>
+          <a:effectLst/>
+        </c:spPr>
+        <c:txPr>
+          <a:bodyPr rot="-60000000" spcFirstLastPara="1" vertOverflow="ellipsis" vert="horz" wrap="square" anchor="ctr" anchorCtr="1"/>
+          <a:lstStyle/>
+          <a:p>
+            <a:pPr>
+              <a:defRPr sz="900" b="0" i="0" u="none" strike="noStrike" kern="1200" baseline="0">
+                <a:solidFill>
+                  <a:schemeClr val="tx1">
+                    <a:lumMod val="65000"/>
+                    <a:lumOff val="35000"/>
+                  </a:schemeClr>
+                </a:solidFill>
+                <a:latin typeface="+mn-lt"/>
+                <a:ea typeface="+mn-ea"/>
+                <a:cs typeface="+mn-cs"/>
+              </a:defRPr>
+            </a:pPr>
+            <a:endParaRPr lang="de-DE"/>
+          </a:p>
+        </c:txPr>
+        <c:crossAx val="478418383"/>
+        <c:crosses val="autoZero"/>
+        <c:crossBetween val="midCat"/>
+        <c:majorUnit val="6"/>
+        <c:minorUnit val="1"/>
+      </c:valAx>
+      <c:valAx>
+        <c:axId val="478418383"/>
+        <c:scaling>
+          <c:orientation val="minMax"/>
+          <c:max val="12000"/>
+          <c:min val="0"/>
+        </c:scaling>
+        <c:delete val="0"/>
+        <c:axPos val="l"/>
+        <c:majorGridlines>
+          <c:spPr>
+            <a:ln w="9525" cap="flat" cmpd="sng" algn="ctr">
+              <a:solidFill>
+                <a:schemeClr val="tx1">
+                  <a:lumMod val="15000"/>
+                  <a:lumOff val="85000"/>
+                </a:schemeClr>
+              </a:solidFill>
+              <a:round/>
+            </a:ln>
+            <a:effectLst/>
+          </c:spPr>
+        </c:majorGridlines>
+        <c:numFmt formatCode="_(&quot;€&quot;* #,##0.00_);_(&quot;€&quot;* \(#,##0.00\);_(&quot;€&quot;* &quot;-&quot;??_);_(@_)" sourceLinked="1"/>
+        <c:majorTickMark val="none"/>
+        <c:minorTickMark val="none"/>
+        <c:tickLblPos val="nextTo"/>
+        <c:spPr>
+          <a:noFill/>
+          <a:ln w="9525" cap="flat" cmpd="sng" algn="ctr">
+            <a:solidFill>
+              <a:schemeClr val="tx1">
+                <a:lumMod val="25000"/>
+                <a:lumOff val="75000"/>
+              </a:schemeClr>
+            </a:solidFill>
+            <a:round/>
+          </a:ln>
+          <a:effectLst/>
+        </c:spPr>
+        <c:txPr>
+          <a:bodyPr rot="-60000000" spcFirstLastPara="1" vertOverflow="ellipsis" vert="horz" wrap="square" anchor="ctr" anchorCtr="1"/>
+          <a:lstStyle/>
+          <a:p>
+            <a:pPr>
+              <a:defRPr sz="900" b="0" i="0" u="none" strike="noStrike" kern="1200" baseline="0">
+                <a:solidFill>
+                  <a:schemeClr val="tx1">
+                    <a:lumMod val="65000"/>
+                    <a:lumOff val="35000"/>
+                  </a:schemeClr>
+                </a:solidFill>
+                <a:latin typeface="+mn-lt"/>
+                <a:ea typeface="+mn-ea"/>
+                <a:cs typeface="+mn-cs"/>
+              </a:defRPr>
+            </a:pPr>
+            <a:endParaRPr lang="de-DE"/>
+          </a:p>
+        </c:txPr>
+        <c:crossAx val="468337599"/>
+        <c:crosses val="autoZero"/>
+        <c:crossBetween val="midCat"/>
+      </c:valAx>
+    </c:plotArea>
+    <c:plotVisOnly val="1"/>
+    <c:dispBlanksAs val="gap"/>
+    <c:showDLblsOverMax val="0"/>
+  </c:chart>
+  <c:txPr>
+    <a:bodyPr/>
+    <a:lstStyle/>
+    <a:p>
+      <a:pPr>
+        <a:defRPr/>
+      </a:pPr>
+      <a:endParaRPr lang="de-DE"/>
+    </a:p>
+  </c:txPr>
+  <c:externalData r:id="rId1">
+    <c:autoUpdate val="0"/>
+  </c:externalData>
+</c:chartSpace>
+</file>
+
+<file path=ppt/charts/chart2.xml><?xml version="1.0" encoding="utf-8"?>
+<c:chartSpace xmlns:c="http://schemas.openxmlformats.org/drawingml/2006/chart" xmlns:a="http://schemas.openxmlformats.org/drawingml/2006/main" xmlns:r="http://schemas.openxmlformats.org/officeDocument/2006/relationships" xmlns:c16r2="http://schemas.microsoft.com/office/drawing/2015/06/chart">
+  <c:date1904 val="0"/>
+  <c:lang val="de-DE"/>
+  <c:roundedCorners val="0"/>
+  <mc:AlternateContent xmlns:mc="http://schemas.openxmlformats.org/markup-compatibility/2006">
+    <mc:Choice xmlns:c14="http://schemas.microsoft.com/office/drawing/2007/8/2/chart" Requires="c14">
+      <c14:style val="102"/>
+    </mc:Choice>
+    <mc:Fallback>
+      <c:style val="2"/>
+    </mc:Fallback>
+  </mc:AlternateContent>
+  <c:chart>
+    <c:title>
+      <c:tx>
+        <c:rich>
+          <a:bodyPr rot="0" spcFirstLastPara="1" vertOverflow="ellipsis" vert="horz" wrap="square" anchor="ctr" anchorCtr="1"/>
+          <a:lstStyle/>
+          <a:p>
+            <a:pPr>
+              <a:defRPr sz="1400" b="0" i="0" u="none" strike="noStrike" kern="1200" spc="0" baseline="0">
+                <a:solidFill>
+                  <a:schemeClr val="tx1">
+                    <a:lumMod val="65000"/>
+                    <a:lumOff val="35000"/>
+                  </a:schemeClr>
+                </a:solidFill>
+                <a:latin typeface="+mn-lt"/>
+                <a:ea typeface="+mn-ea"/>
+                <a:cs typeface="+mn-cs"/>
+              </a:defRPr>
+            </a:pPr>
+            <a:r>
+              <a:rPr lang="de-DE" dirty="0"/>
+              <a:t>Einnahmen -</a:t>
+            </a:r>
+            <a:r>
+              <a:rPr lang="de-DE" baseline="0" dirty="0"/>
+              <a:t> Ausgaben</a:t>
+            </a:r>
+            <a:endParaRPr lang="de-DE" dirty="0"/>
+          </a:p>
+        </c:rich>
+      </c:tx>
+      <c:overlay val="0"/>
+      <c:spPr>
+        <a:noFill/>
+        <a:ln>
+          <a:noFill/>
+        </a:ln>
+        <a:effectLst/>
+      </c:spPr>
+    </c:title>
+    <c:autoTitleDeleted val="0"/>
+    <c:plotArea>
+      <c:layout/>
+      <c:scatterChart>
+        <c:scatterStyle val="lineMarker"/>
+        <c:varyColors val="0"/>
+        <c:ser>
+          <c:idx val="0"/>
+          <c:order val="0"/>
+          <c:marker>
+            <c:symbol val="circle"/>
+            <c:size val="5"/>
+            <c:spPr>
+              <a:solidFill>
+                <a:schemeClr val="accent1"/>
+              </a:solidFill>
+              <a:ln w="9525">
+                <a:solidFill>
+                  <a:schemeClr val="accent1"/>
+                </a:solidFill>
+              </a:ln>
+              <a:effectLst/>
+            </c:spPr>
+          </c:marker>
+          <c:yVal>
+            <c:numRef>
+              <c:f>Tabelle1!$D$39:$AM$39</c:f>
+              <c:numCache>
+                <c:formatCode>_("€"* #,##0.00_);_("€"* \(#,##0.00\);_("€"* "-"??_);_(@_)</c:formatCode>
+                <c:ptCount val="36"/>
+                <c:pt idx="0">
+                  <c:v>-9515</c:v>
+                </c:pt>
+                <c:pt idx="1">
+                  <c:v>-285</c:v>
+                </c:pt>
+                <c:pt idx="2">
+                  <c:v>5</c:v>
+                </c:pt>
+                <c:pt idx="3">
+                  <c:v>355</c:v>
+                </c:pt>
+                <c:pt idx="4">
+                  <c:v>765</c:v>
+                </c:pt>
+                <c:pt idx="5">
+                  <c:v>1205</c:v>
+                </c:pt>
+                <c:pt idx="6">
+                  <c:v>1705</c:v>
+                </c:pt>
+                <c:pt idx="7">
+                  <c:v>2125</c:v>
+                </c:pt>
+                <c:pt idx="8">
+                  <c:v>2545</c:v>
+                </c:pt>
+                <c:pt idx="9">
+                  <c:v>2935</c:v>
+                </c:pt>
+                <c:pt idx="10">
+                  <c:v>3325</c:v>
+                </c:pt>
+                <c:pt idx="11">
+                  <c:v>3715</c:v>
+                </c:pt>
+                <c:pt idx="12">
+                  <c:v>-5051</c:v>
+                </c:pt>
+                <c:pt idx="13">
+                  <c:v>-2691</c:v>
+                </c:pt>
+                <c:pt idx="14">
+                  <c:v>-2331</c:v>
+                </c:pt>
+                <c:pt idx="15">
+                  <c:v>-1971</c:v>
+                </c:pt>
+                <c:pt idx="16">
+                  <c:v>-1641</c:v>
+                </c:pt>
+                <c:pt idx="17">
+                  <c:v>-1311</c:v>
+                </c:pt>
+                <c:pt idx="18">
+                  <c:v>-981</c:v>
+                </c:pt>
+                <c:pt idx="19">
+                  <c:v>-651</c:v>
+                </c:pt>
+                <c:pt idx="20">
+                  <c:v>-321</c:v>
+                </c:pt>
+                <c:pt idx="21">
+                  <c:v>-21</c:v>
+                </c:pt>
+                <c:pt idx="22">
+                  <c:v>279</c:v>
+                </c:pt>
+                <c:pt idx="23">
+                  <c:v>579</c:v>
+                </c:pt>
+                <c:pt idx="24">
+                  <c:v>-1146</c:v>
+                </c:pt>
+                <c:pt idx="25">
+                  <c:v>1154</c:v>
+                </c:pt>
+                <c:pt idx="26">
+                  <c:v>1424</c:v>
+                </c:pt>
+                <c:pt idx="27">
+                  <c:v>1694</c:v>
+                </c:pt>
+                <c:pt idx="28">
+                  <c:v>1964</c:v>
+                </c:pt>
+                <c:pt idx="29">
+                  <c:v>2234</c:v>
+                </c:pt>
+                <c:pt idx="30">
+                  <c:v>2504</c:v>
+                </c:pt>
+                <c:pt idx="31">
+                  <c:v>2744</c:v>
+                </c:pt>
+                <c:pt idx="32">
+                  <c:v>2984</c:v>
+                </c:pt>
+                <c:pt idx="33">
+                  <c:v>3224</c:v>
+                </c:pt>
+                <c:pt idx="34">
+                  <c:v>3464</c:v>
+                </c:pt>
+                <c:pt idx="35">
+                  <c:v>3704</c:v>
+                </c:pt>
+              </c:numCache>
+            </c:numRef>
+          </c:yVal>
+          <c:smooth val="0"/>
+          <c:extLst>
+            <c:ext xmlns:c16="http://schemas.microsoft.com/office/drawing/2014/chart" uri="{C3380CC4-5D6E-409C-BE32-E72D297353CC}">
+              <c16:uniqueId val="{00000000-D321-4D5D-800B-9627A68C2F17}"/>
+            </c:ext>
+          </c:extLst>
+        </c:ser>
+        <c:dLbls>
+          <c:showLegendKey val="0"/>
+          <c:showVal val="0"/>
+          <c:showCatName val="0"/>
+          <c:showSerName val="0"/>
+          <c:showPercent val="0"/>
+          <c:showBubbleSize val="0"/>
+        </c:dLbls>
+        <c:axId val="468337599"/>
+        <c:axId val="478418383"/>
+      </c:scatterChart>
+      <c:valAx>
+        <c:axId val="468337599"/>
+        <c:scaling>
+          <c:orientation val="minMax"/>
+          <c:max val="36"/>
+        </c:scaling>
+        <c:delete val="0"/>
+        <c:axPos val="b"/>
+        <c:majorGridlines>
+          <c:spPr>
+            <a:ln w="9525" cap="flat" cmpd="sng" algn="ctr">
+              <a:solidFill>
+                <a:schemeClr val="tx1">
+                  <a:lumMod val="15000"/>
+                  <a:lumOff val="85000"/>
+                </a:schemeClr>
+              </a:solidFill>
+              <a:round/>
+            </a:ln>
+            <a:effectLst/>
+          </c:spPr>
+        </c:majorGridlines>
+        <c:majorTickMark val="none"/>
+        <c:minorTickMark val="none"/>
+        <c:tickLblPos val="nextTo"/>
+        <c:spPr>
+          <a:noFill/>
+          <a:ln w="9525" cap="flat" cmpd="sng" algn="ctr">
+            <a:solidFill>
+              <a:schemeClr val="tx1">
+                <a:lumMod val="25000"/>
+                <a:lumOff val="75000"/>
+              </a:schemeClr>
+            </a:solidFill>
+            <a:round/>
+          </a:ln>
+          <a:effectLst/>
+        </c:spPr>
+        <c:txPr>
+          <a:bodyPr rot="-60000000" spcFirstLastPara="1" vertOverflow="ellipsis" vert="horz" wrap="square" anchor="ctr" anchorCtr="1"/>
+          <a:lstStyle/>
+          <a:p>
+            <a:pPr>
+              <a:defRPr sz="900" b="0" i="0" u="none" strike="noStrike" kern="1200" baseline="0">
+                <a:solidFill>
+                  <a:schemeClr val="tx1">
+                    <a:lumMod val="65000"/>
+                    <a:lumOff val="35000"/>
+                  </a:schemeClr>
+                </a:solidFill>
+                <a:latin typeface="+mn-lt"/>
+                <a:ea typeface="+mn-ea"/>
+                <a:cs typeface="+mn-cs"/>
+              </a:defRPr>
+            </a:pPr>
+            <a:endParaRPr lang="de-DE"/>
+          </a:p>
+        </c:txPr>
+        <c:crossAx val="478418383"/>
+        <c:crosses val="autoZero"/>
+        <c:crossBetween val="midCat"/>
+        <c:majorUnit val="6"/>
+      </c:valAx>
+      <c:valAx>
+        <c:axId val="478418383"/>
+        <c:scaling>
+          <c:orientation val="minMax"/>
+        </c:scaling>
+        <c:delete val="0"/>
+        <c:axPos val="l"/>
+        <c:majorGridlines>
+          <c:spPr>
+            <a:ln w="9525" cap="flat" cmpd="sng" algn="ctr">
+              <a:solidFill>
+                <a:schemeClr val="tx1">
+                  <a:lumMod val="15000"/>
+                  <a:lumOff val="85000"/>
+                </a:schemeClr>
+              </a:solidFill>
+              <a:round/>
+            </a:ln>
+            <a:effectLst/>
+          </c:spPr>
+        </c:majorGridlines>
+        <c:numFmt formatCode="_(&quot;€&quot;* #,##0.00_);_(&quot;€&quot;* \(#,##0.00\);_(&quot;€&quot;* &quot;-&quot;??_);_(@_)" sourceLinked="1"/>
+        <c:majorTickMark val="none"/>
+        <c:minorTickMark val="none"/>
+        <c:tickLblPos val="nextTo"/>
+        <c:spPr>
+          <a:noFill/>
+          <a:ln w="9525" cap="flat" cmpd="sng" algn="ctr">
+            <a:solidFill>
+              <a:schemeClr val="tx1">
+                <a:lumMod val="25000"/>
+                <a:lumOff val="75000"/>
+              </a:schemeClr>
+            </a:solidFill>
+            <a:round/>
+          </a:ln>
+          <a:effectLst/>
+        </c:spPr>
+        <c:txPr>
+          <a:bodyPr rot="-60000000" spcFirstLastPara="1" vertOverflow="ellipsis" vert="horz" wrap="square" anchor="ctr" anchorCtr="1"/>
+          <a:lstStyle/>
+          <a:p>
+            <a:pPr>
+              <a:defRPr sz="900" b="0" i="0" u="none" strike="noStrike" kern="1200" baseline="0">
+                <a:solidFill>
+                  <a:schemeClr val="tx1">
+                    <a:lumMod val="65000"/>
+                    <a:lumOff val="35000"/>
+                  </a:schemeClr>
+                </a:solidFill>
+                <a:latin typeface="+mn-lt"/>
+                <a:ea typeface="+mn-ea"/>
+                <a:cs typeface="+mn-cs"/>
+              </a:defRPr>
+            </a:pPr>
+            <a:endParaRPr lang="de-DE"/>
+          </a:p>
+        </c:txPr>
+        <c:crossAx val="468337599"/>
+        <c:crosses val="autoZero"/>
+        <c:crossBetween val="midCat"/>
+      </c:valAx>
+    </c:plotArea>
+    <c:plotVisOnly val="1"/>
+    <c:dispBlanksAs val="gap"/>
+    <c:showDLblsOverMax val="0"/>
+  </c:chart>
+  <c:txPr>
+    <a:bodyPr/>
+    <a:lstStyle/>
+    <a:p>
+      <a:pPr>
+        <a:defRPr/>
+      </a:pPr>
+      <a:endParaRPr lang="de-DE"/>
+    </a:p>
+  </c:txPr>
+  <c:externalData r:id="rId1">
+    <c:autoUpdate val="0"/>
+  </c:externalData>
+</c:chartSpace>
+</file>
+
+<file path=ppt/charts/chart3.xml><?xml version="1.0" encoding="utf-8"?>
+<c:chartSpace xmlns:c="http://schemas.openxmlformats.org/drawingml/2006/chart" xmlns:a="http://schemas.openxmlformats.org/drawingml/2006/main" xmlns:r="http://schemas.openxmlformats.org/officeDocument/2006/relationships" xmlns:c16r2="http://schemas.microsoft.com/office/drawing/2015/06/chart">
+  <c:date1904 val="0"/>
+  <c:lang val="de-DE"/>
+  <c:roundedCorners val="0"/>
+  <mc:AlternateContent xmlns:mc="http://schemas.openxmlformats.org/markup-compatibility/2006">
+    <mc:Choice xmlns:c14="http://schemas.microsoft.com/office/drawing/2007/8/2/chart" Requires="c14">
+      <c14:style val="102"/>
+    </mc:Choice>
+    <mc:Fallback>
+      <c:style val="2"/>
+    </mc:Fallback>
+  </mc:AlternateContent>
+  <c:chart>
+    <c:autoTitleDeleted val="1"/>
+    <c:plotArea>
+      <c:layout/>
+      <c:scatterChart>
+        <c:scatterStyle val="lineMarker"/>
+        <c:varyColors val="0"/>
+        <c:ser>
+          <c:idx val="4"/>
+          <c:order val="0"/>
+          <c:yVal>
+            <c:numRef>
+              <c:f>Tabelle1!$D$37:$AM$37</c:f>
+              <c:numCache>
+                <c:formatCode>_("€"* #,##0.00_);_("€"* \(#,##0.00\);_("€"* "-"??_);_(@_)</c:formatCode>
+                <c:ptCount val="36"/>
+                <c:pt idx="0">
+                  <c:v>-9515</c:v>
+                </c:pt>
+                <c:pt idx="1">
+                  <c:v>-9800</c:v>
+                </c:pt>
+                <c:pt idx="2">
+                  <c:v>-9795</c:v>
+                </c:pt>
+                <c:pt idx="3">
+                  <c:v>-9440</c:v>
+                </c:pt>
+                <c:pt idx="4">
+                  <c:v>-8675</c:v>
+                </c:pt>
+                <c:pt idx="5">
+                  <c:v>-7470</c:v>
+                </c:pt>
+                <c:pt idx="6">
+                  <c:v>-5765</c:v>
+                </c:pt>
+                <c:pt idx="7">
+                  <c:v>-3640</c:v>
+                </c:pt>
+                <c:pt idx="8">
+                  <c:v>-1095</c:v>
+                </c:pt>
+                <c:pt idx="9">
+                  <c:v>1840</c:v>
+                </c:pt>
+                <c:pt idx="10">
+                  <c:v>5165</c:v>
+                </c:pt>
+                <c:pt idx="11">
+                  <c:v>8880</c:v>
+                </c:pt>
+                <c:pt idx="12">
+                  <c:v>3829</c:v>
+                </c:pt>
+                <c:pt idx="13">
+                  <c:v>1138</c:v>
+                </c:pt>
+                <c:pt idx="14">
+                  <c:v>-1193</c:v>
+                </c:pt>
+                <c:pt idx="15">
+                  <c:v>-3164</c:v>
+                </c:pt>
+                <c:pt idx="16">
+                  <c:v>-4805</c:v>
+                </c:pt>
+                <c:pt idx="17">
+                  <c:v>-6116</c:v>
+                </c:pt>
+                <c:pt idx="18">
+                  <c:v>-7097</c:v>
+                </c:pt>
+                <c:pt idx="19">
+                  <c:v>-7748</c:v>
+                </c:pt>
+                <c:pt idx="20">
+                  <c:v>-8069</c:v>
+                </c:pt>
+                <c:pt idx="21">
+                  <c:v>-8090</c:v>
+                </c:pt>
+                <c:pt idx="22">
+                  <c:v>-7811</c:v>
+                </c:pt>
+                <c:pt idx="23">
+                  <c:v>-7232</c:v>
+                </c:pt>
+                <c:pt idx="24">
+                  <c:v>-8378</c:v>
+                </c:pt>
+                <c:pt idx="25">
+                  <c:v>-7224</c:v>
+                </c:pt>
+                <c:pt idx="26">
+                  <c:v>-5800</c:v>
+                </c:pt>
+                <c:pt idx="27">
+                  <c:v>-4106</c:v>
+                </c:pt>
+                <c:pt idx="28">
+                  <c:v>-2142</c:v>
+                </c:pt>
+                <c:pt idx="29">
+                  <c:v>92</c:v>
+                </c:pt>
+                <c:pt idx="30">
+                  <c:v>2596</c:v>
+                </c:pt>
+                <c:pt idx="31">
+                  <c:v>5340</c:v>
+                </c:pt>
+                <c:pt idx="32">
+                  <c:v>8324</c:v>
+                </c:pt>
+                <c:pt idx="33">
+                  <c:v>11548</c:v>
+                </c:pt>
+                <c:pt idx="34">
+                  <c:v>15012</c:v>
+                </c:pt>
+                <c:pt idx="35">
+                  <c:v>18716</c:v>
+                </c:pt>
+              </c:numCache>
+            </c:numRef>
+          </c:yVal>
+          <c:smooth val="0"/>
+          <c:extLst>
+            <c:ext xmlns:c16="http://schemas.microsoft.com/office/drawing/2014/chart" uri="{C3380CC4-5D6E-409C-BE32-E72D297353CC}">
+              <c16:uniqueId val="{00000000-1931-4AE6-A749-80000D7AB194}"/>
+            </c:ext>
+          </c:extLst>
+        </c:ser>
+        <c:ser>
+          <c:idx val="5"/>
+          <c:order val="1"/>
+          <c:spPr>
+            <a:ln w="19050" cap="rnd">
+              <a:solidFill>
+                <a:schemeClr val="accent1"/>
+              </a:solidFill>
+              <a:round/>
+            </a:ln>
+            <a:effectLst/>
+          </c:spPr>
+          <c:yVal>
+            <c:numRef>
+              <c:f>Tabelle1!$D$37:$AM$37</c:f>
+              <c:numCache>
+                <c:formatCode>_("€"* #,##0.00_);_("€"* \(#,##0.00\);_("€"* "-"??_);_(@_)</c:formatCode>
+                <c:ptCount val="36"/>
+                <c:pt idx="0">
+                  <c:v>-9515</c:v>
+                </c:pt>
+                <c:pt idx="1">
+                  <c:v>-9800</c:v>
+                </c:pt>
+                <c:pt idx="2">
+                  <c:v>-9795</c:v>
+                </c:pt>
+                <c:pt idx="3">
+                  <c:v>-9440</c:v>
+                </c:pt>
+                <c:pt idx="4">
+                  <c:v>-8675</c:v>
+                </c:pt>
+                <c:pt idx="5">
+                  <c:v>-7470</c:v>
+                </c:pt>
+                <c:pt idx="6">
+                  <c:v>-5765</c:v>
+                </c:pt>
+                <c:pt idx="7">
+                  <c:v>-3640</c:v>
+                </c:pt>
+                <c:pt idx="8">
+                  <c:v>-1095</c:v>
+                </c:pt>
+                <c:pt idx="9">
+                  <c:v>1840</c:v>
+                </c:pt>
+                <c:pt idx="10">
+                  <c:v>5165</c:v>
+                </c:pt>
+                <c:pt idx="11">
+                  <c:v>8880</c:v>
+                </c:pt>
+                <c:pt idx="12">
+                  <c:v>3829</c:v>
+                </c:pt>
+                <c:pt idx="13">
+                  <c:v>1138</c:v>
+                </c:pt>
+                <c:pt idx="14">
+                  <c:v>-1193</c:v>
+                </c:pt>
+                <c:pt idx="15">
+                  <c:v>-3164</c:v>
+                </c:pt>
+                <c:pt idx="16">
+                  <c:v>-4805</c:v>
+                </c:pt>
+                <c:pt idx="17">
+                  <c:v>-6116</c:v>
+                </c:pt>
+                <c:pt idx="18">
+                  <c:v>-7097</c:v>
+                </c:pt>
+                <c:pt idx="19">
+                  <c:v>-7748</c:v>
+                </c:pt>
+                <c:pt idx="20">
+                  <c:v>-8069</c:v>
+                </c:pt>
+                <c:pt idx="21">
+                  <c:v>-8090</c:v>
+                </c:pt>
+                <c:pt idx="22">
+                  <c:v>-7811</c:v>
+                </c:pt>
+                <c:pt idx="23">
+                  <c:v>-7232</c:v>
+                </c:pt>
+                <c:pt idx="24">
+                  <c:v>-8378</c:v>
+                </c:pt>
+                <c:pt idx="25">
+                  <c:v>-7224</c:v>
+                </c:pt>
+                <c:pt idx="26">
+                  <c:v>-5800</c:v>
+                </c:pt>
+                <c:pt idx="27">
+                  <c:v>-4106</c:v>
+                </c:pt>
+                <c:pt idx="28">
+                  <c:v>-2142</c:v>
+                </c:pt>
+                <c:pt idx="29">
+                  <c:v>92</c:v>
+                </c:pt>
+                <c:pt idx="30">
+                  <c:v>2596</c:v>
+                </c:pt>
+                <c:pt idx="31">
+                  <c:v>5340</c:v>
+                </c:pt>
+                <c:pt idx="32">
+                  <c:v>8324</c:v>
+                </c:pt>
+                <c:pt idx="33">
+                  <c:v>11548</c:v>
+                </c:pt>
+                <c:pt idx="34">
+                  <c:v>15012</c:v>
+                </c:pt>
+                <c:pt idx="35">
+                  <c:v>18716</c:v>
+                </c:pt>
+              </c:numCache>
+            </c:numRef>
+          </c:yVal>
+          <c:smooth val="0"/>
+          <c:extLst>
+            <c:ext xmlns:c16="http://schemas.microsoft.com/office/drawing/2014/chart" uri="{C3380CC4-5D6E-409C-BE32-E72D297353CC}">
+              <c16:uniqueId val="{00000001-1931-4AE6-A749-80000D7AB194}"/>
+            </c:ext>
+          </c:extLst>
+        </c:ser>
+        <c:ser>
+          <c:idx val="6"/>
+          <c:order val="2"/>
+          <c:yVal>
+            <c:numRef>
+              <c:f>Tabelle1!$D$37:$AM$37</c:f>
+              <c:numCache>
+                <c:formatCode>_("€"* #,##0.00_);_("€"* \(#,##0.00\);_("€"* "-"??_);_(@_)</c:formatCode>
+                <c:ptCount val="36"/>
+                <c:pt idx="0">
+                  <c:v>-9515</c:v>
+                </c:pt>
+                <c:pt idx="1">
+                  <c:v>-9800</c:v>
+                </c:pt>
+                <c:pt idx="2">
+                  <c:v>-9795</c:v>
+                </c:pt>
+                <c:pt idx="3">
+                  <c:v>-9440</c:v>
+                </c:pt>
+                <c:pt idx="4">
+                  <c:v>-8675</c:v>
+                </c:pt>
+                <c:pt idx="5">
+                  <c:v>-7470</c:v>
+                </c:pt>
+                <c:pt idx="6">
+                  <c:v>-5765</c:v>
+                </c:pt>
+                <c:pt idx="7">
+                  <c:v>-3640</c:v>
+                </c:pt>
+                <c:pt idx="8">
+                  <c:v>-1095</c:v>
+                </c:pt>
+                <c:pt idx="9">
+                  <c:v>1840</c:v>
+                </c:pt>
+                <c:pt idx="10">
+                  <c:v>5165</c:v>
+                </c:pt>
+                <c:pt idx="11">
+                  <c:v>8880</c:v>
+                </c:pt>
+                <c:pt idx="12">
+                  <c:v>3829</c:v>
+                </c:pt>
+                <c:pt idx="13">
+                  <c:v>1138</c:v>
+                </c:pt>
+                <c:pt idx="14">
+                  <c:v>-1193</c:v>
+                </c:pt>
+                <c:pt idx="15">
+                  <c:v>-3164</c:v>
+                </c:pt>
+                <c:pt idx="16">
+                  <c:v>-4805</c:v>
+                </c:pt>
+                <c:pt idx="17">
+                  <c:v>-6116</c:v>
+                </c:pt>
+                <c:pt idx="18">
+                  <c:v>-7097</c:v>
+                </c:pt>
+                <c:pt idx="19">
+                  <c:v>-7748</c:v>
+                </c:pt>
+                <c:pt idx="20">
+                  <c:v>-8069</c:v>
+                </c:pt>
+                <c:pt idx="21">
+                  <c:v>-8090</c:v>
+                </c:pt>
+                <c:pt idx="22">
+                  <c:v>-7811</c:v>
+                </c:pt>
+                <c:pt idx="23">
+                  <c:v>-7232</c:v>
+                </c:pt>
+                <c:pt idx="24">
+                  <c:v>-8378</c:v>
+                </c:pt>
+                <c:pt idx="25">
+                  <c:v>-7224</c:v>
+                </c:pt>
+                <c:pt idx="26">
+                  <c:v>-5800</c:v>
+                </c:pt>
+                <c:pt idx="27">
+                  <c:v>-4106</c:v>
+                </c:pt>
+                <c:pt idx="28">
+                  <c:v>-2142</c:v>
+                </c:pt>
+                <c:pt idx="29">
+                  <c:v>92</c:v>
+                </c:pt>
+                <c:pt idx="30">
+                  <c:v>2596</c:v>
+                </c:pt>
+                <c:pt idx="31">
+                  <c:v>5340</c:v>
+                </c:pt>
+                <c:pt idx="32">
+                  <c:v>8324</c:v>
+                </c:pt>
+                <c:pt idx="33">
+                  <c:v>11548</c:v>
+                </c:pt>
+                <c:pt idx="34">
+                  <c:v>15012</c:v>
+                </c:pt>
+                <c:pt idx="35">
+                  <c:v>18716</c:v>
+                </c:pt>
+              </c:numCache>
+            </c:numRef>
+          </c:yVal>
+          <c:smooth val="0"/>
+          <c:extLst>
+            <c:ext xmlns:c16="http://schemas.microsoft.com/office/drawing/2014/chart" uri="{C3380CC4-5D6E-409C-BE32-E72D297353CC}">
+              <c16:uniqueId val="{00000002-1931-4AE6-A749-80000D7AB194}"/>
+            </c:ext>
+          </c:extLst>
+        </c:ser>
+        <c:ser>
+          <c:idx val="7"/>
+          <c:order val="3"/>
+          <c:spPr>
+            <a:ln w="19050" cap="rnd">
+              <a:solidFill>
+                <a:schemeClr val="accent1"/>
+              </a:solidFill>
+              <a:round/>
+            </a:ln>
+            <a:effectLst/>
+          </c:spPr>
+          <c:yVal>
+            <c:numRef>
+              <c:f>Tabelle1!$D$37:$AM$37</c:f>
+              <c:numCache>
+                <c:formatCode>_("€"* #,##0.00_);_("€"* \(#,##0.00\);_("€"* "-"??_);_(@_)</c:formatCode>
+                <c:ptCount val="36"/>
+                <c:pt idx="0">
+                  <c:v>-9515</c:v>
+                </c:pt>
+                <c:pt idx="1">
+                  <c:v>-9800</c:v>
+                </c:pt>
+                <c:pt idx="2">
+                  <c:v>-9795</c:v>
+                </c:pt>
+                <c:pt idx="3">
+                  <c:v>-9440</c:v>
+                </c:pt>
+                <c:pt idx="4">
+                  <c:v>-8675</c:v>
+                </c:pt>
+                <c:pt idx="5">
+                  <c:v>-7470</c:v>
+                </c:pt>
+                <c:pt idx="6">
+                  <c:v>-5765</c:v>
+                </c:pt>
+                <c:pt idx="7">
+                  <c:v>-3640</c:v>
+                </c:pt>
+                <c:pt idx="8">
+                  <c:v>-1095</c:v>
+                </c:pt>
+                <c:pt idx="9">
+                  <c:v>1840</c:v>
+                </c:pt>
+                <c:pt idx="10">
+                  <c:v>5165</c:v>
+                </c:pt>
+                <c:pt idx="11">
+                  <c:v>8880</c:v>
+                </c:pt>
+                <c:pt idx="12">
+                  <c:v>3829</c:v>
+                </c:pt>
+                <c:pt idx="13">
+                  <c:v>1138</c:v>
+                </c:pt>
+                <c:pt idx="14">
+                  <c:v>-1193</c:v>
+                </c:pt>
+                <c:pt idx="15">
+                  <c:v>-3164</c:v>
+                </c:pt>
+                <c:pt idx="16">
+                  <c:v>-4805</c:v>
+                </c:pt>
+                <c:pt idx="17">
+                  <c:v>-6116</c:v>
+                </c:pt>
+                <c:pt idx="18">
+                  <c:v>-7097</c:v>
+                </c:pt>
+                <c:pt idx="19">
+                  <c:v>-7748</c:v>
+                </c:pt>
+                <c:pt idx="20">
+                  <c:v>-8069</c:v>
+                </c:pt>
+                <c:pt idx="21">
+                  <c:v>-8090</c:v>
+                </c:pt>
+                <c:pt idx="22">
+                  <c:v>-7811</c:v>
+                </c:pt>
+                <c:pt idx="23">
+                  <c:v>-7232</c:v>
+                </c:pt>
+                <c:pt idx="24">
+                  <c:v>-8378</c:v>
+                </c:pt>
+                <c:pt idx="25">
+                  <c:v>-7224</c:v>
+                </c:pt>
+                <c:pt idx="26">
+                  <c:v>-5800</c:v>
+                </c:pt>
+                <c:pt idx="27">
+                  <c:v>-4106</c:v>
+                </c:pt>
+                <c:pt idx="28">
+                  <c:v>-2142</c:v>
+                </c:pt>
+                <c:pt idx="29">
+                  <c:v>92</c:v>
+                </c:pt>
+                <c:pt idx="30">
+                  <c:v>2596</c:v>
+                </c:pt>
+                <c:pt idx="31">
+                  <c:v>5340</c:v>
+                </c:pt>
+                <c:pt idx="32">
+                  <c:v>8324</c:v>
+                </c:pt>
+                <c:pt idx="33">
+                  <c:v>11548</c:v>
+                </c:pt>
+                <c:pt idx="34">
+                  <c:v>15012</c:v>
+                </c:pt>
+                <c:pt idx="35">
+                  <c:v>18716</c:v>
+                </c:pt>
+              </c:numCache>
+            </c:numRef>
+          </c:yVal>
+          <c:smooth val="0"/>
+          <c:extLst>
+            <c:ext xmlns:c16="http://schemas.microsoft.com/office/drawing/2014/chart" uri="{C3380CC4-5D6E-409C-BE32-E72D297353CC}">
+              <c16:uniqueId val="{00000003-1931-4AE6-A749-80000D7AB194}"/>
+            </c:ext>
+          </c:extLst>
+        </c:ser>
+        <c:ser>
+          <c:idx val="8"/>
+          <c:order val="4"/>
+          <c:yVal>
+            <c:numRef>
+              <c:f>Tabelle1!$D$37:$AM$37</c:f>
+              <c:numCache>
+                <c:formatCode>_("€"* #,##0.00_);_("€"* \(#,##0.00\);_("€"* "-"??_);_(@_)</c:formatCode>
+                <c:ptCount val="36"/>
+                <c:pt idx="0">
+                  <c:v>-9515</c:v>
+                </c:pt>
+                <c:pt idx="1">
+                  <c:v>-9800</c:v>
+                </c:pt>
+                <c:pt idx="2">
+                  <c:v>-9795</c:v>
+                </c:pt>
+                <c:pt idx="3">
+                  <c:v>-9440</c:v>
+                </c:pt>
+                <c:pt idx="4">
+                  <c:v>-8675</c:v>
+                </c:pt>
+                <c:pt idx="5">
+                  <c:v>-7470</c:v>
+                </c:pt>
+                <c:pt idx="6">
+                  <c:v>-5765</c:v>
+                </c:pt>
+                <c:pt idx="7">
+                  <c:v>-3640</c:v>
+                </c:pt>
+                <c:pt idx="8">
+                  <c:v>-1095</c:v>
+                </c:pt>
+                <c:pt idx="9">
+                  <c:v>1840</c:v>
+                </c:pt>
+                <c:pt idx="10">
+                  <c:v>5165</c:v>
+                </c:pt>
+                <c:pt idx="11">
+                  <c:v>8880</c:v>
+                </c:pt>
+                <c:pt idx="12">
+                  <c:v>3829</c:v>
+                </c:pt>
+                <c:pt idx="13">
+                  <c:v>1138</c:v>
+                </c:pt>
+                <c:pt idx="14">
+                  <c:v>-1193</c:v>
+                </c:pt>
+                <c:pt idx="15">
+                  <c:v>-3164</c:v>
+                </c:pt>
+                <c:pt idx="16">
+                  <c:v>-4805</c:v>
+                </c:pt>
+                <c:pt idx="17">
+                  <c:v>-6116</c:v>
+                </c:pt>
+                <c:pt idx="18">
+                  <c:v>-7097</c:v>
+                </c:pt>
+                <c:pt idx="19">
+                  <c:v>-7748</c:v>
+                </c:pt>
+                <c:pt idx="20">
+                  <c:v>-8069</c:v>
+                </c:pt>
+                <c:pt idx="21">
+                  <c:v>-8090</c:v>
+                </c:pt>
+                <c:pt idx="22">
+                  <c:v>-7811</c:v>
+                </c:pt>
+                <c:pt idx="23">
+                  <c:v>-7232</c:v>
+                </c:pt>
+                <c:pt idx="24">
+                  <c:v>-8378</c:v>
+                </c:pt>
+                <c:pt idx="25">
+                  <c:v>-7224</c:v>
+                </c:pt>
+                <c:pt idx="26">
+                  <c:v>-5800</c:v>
+                </c:pt>
+                <c:pt idx="27">
+                  <c:v>-4106</c:v>
+                </c:pt>
+                <c:pt idx="28">
+                  <c:v>-2142</c:v>
+                </c:pt>
+                <c:pt idx="29">
+                  <c:v>92</c:v>
+                </c:pt>
+                <c:pt idx="30">
+                  <c:v>2596</c:v>
+                </c:pt>
+                <c:pt idx="31">
+                  <c:v>5340</c:v>
+                </c:pt>
+                <c:pt idx="32">
+                  <c:v>8324</c:v>
+                </c:pt>
+                <c:pt idx="33">
+                  <c:v>11548</c:v>
+                </c:pt>
+                <c:pt idx="34">
+                  <c:v>15012</c:v>
+                </c:pt>
+                <c:pt idx="35">
+                  <c:v>18716</c:v>
+                </c:pt>
+              </c:numCache>
+            </c:numRef>
+          </c:yVal>
+          <c:smooth val="0"/>
+          <c:extLst>
+            <c:ext xmlns:c16="http://schemas.microsoft.com/office/drawing/2014/chart" uri="{C3380CC4-5D6E-409C-BE32-E72D297353CC}">
+              <c16:uniqueId val="{00000004-1931-4AE6-A749-80000D7AB194}"/>
+            </c:ext>
+          </c:extLst>
+        </c:ser>
+        <c:ser>
+          <c:idx val="9"/>
+          <c:order val="5"/>
+          <c:spPr>
+            <a:ln w="19050" cap="rnd">
+              <a:solidFill>
+                <a:schemeClr val="accent1"/>
+              </a:solidFill>
+              <a:round/>
+            </a:ln>
+            <a:effectLst/>
+          </c:spPr>
+          <c:yVal>
+            <c:numRef>
+              <c:f>Tabelle1!$D$37:$AM$37</c:f>
+              <c:numCache>
+                <c:formatCode>_("€"* #,##0.00_);_("€"* \(#,##0.00\);_("€"* "-"??_);_(@_)</c:formatCode>
+                <c:ptCount val="36"/>
+                <c:pt idx="0">
+                  <c:v>-9515</c:v>
+                </c:pt>
+                <c:pt idx="1">
+                  <c:v>-9800</c:v>
+                </c:pt>
+                <c:pt idx="2">
+                  <c:v>-9795</c:v>
+                </c:pt>
+                <c:pt idx="3">
+                  <c:v>-9440</c:v>
+                </c:pt>
+                <c:pt idx="4">
+                  <c:v>-8675</c:v>
+                </c:pt>
+                <c:pt idx="5">
+                  <c:v>-7470</c:v>
+                </c:pt>
+                <c:pt idx="6">
+                  <c:v>-5765</c:v>
+                </c:pt>
+                <c:pt idx="7">
+                  <c:v>-3640</c:v>
+                </c:pt>
+                <c:pt idx="8">
+                  <c:v>-1095</c:v>
+                </c:pt>
+                <c:pt idx="9">
+                  <c:v>1840</c:v>
+                </c:pt>
+                <c:pt idx="10">
+                  <c:v>5165</c:v>
+                </c:pt>
+                <c:pt idx="11">
+                  <c:v>8880</c:v>
+                </c:pt>
+                <c:pt idx="12">
+                  <c:v>3829</c:v>
+                </c:pt>
+                <c:pt idx="13">
+                  <c:v>1138</c:v>
+                </c:pt>
+                <c:pt idx="14">
+                  <c:v>-1193</c:v>
+                </c:pt>
+                <c:pt idx="15">
+                  <c:v>-3164</c:v>
+                </c:pt>
+                <c:pt idx="16">
+                  <c:v>-4805</c:v>
+                </c:pt>
+                <c:pt idx="17">
+                  <c:v>-6116</c:v>
+                </c:pt>
+                <c:pt idx="18">
+                  <c:v>-7097</c:v>
+                </c:pt>
+                <c:pt idx="19">
+                  <c:v>-7748</c:v>
+                </c:pt>
+                <c:pt idx="20">
+                  <c:v>-8069</c:v>
+                </c:pt>
+                <c:pt idx="21">
+                  <c:v>-8090</c:v>
+                </c:pt>
+                <c:pt idx="22">
+                  <c:v>-7811</c:v>
+                </c:pt>
+                <c:pt idx="23">
+                  <c:v>-7232</c:v>
+                </c:pt>
+                <c:pt idx="24">
+                  <c:v>-8378</c:v>
+                </c:pt>
+                <c:pt idx="25">
+                  <c:v>-7224</c:v>
+                </c:pt>
+                <c:pt idx="26">
+                  <c:v>-5800</c:v>
+                </c:pt>
+                <c:pt idx="27">
+                  <c:v>-4106</c:v>
+                </c:pt>
+                <c:pt idx="28">
+                  <c:v>-2142</c:v>
+                </c:pt>
+                <c:pt idx="29">
+                  <c:v>92</c:v>
+                </c:pt>
+                <c:pt idx="30">
+                  <c:v>2596</c:v>
+                </c:pt>
+                <c:pt idx="31">
+                  <c:v>5340</c:v>
+                </c:pt>
+                <c:pt idx="32">
+                  <c:v>8324</c:v>
+                </c:pt>
+                <c:pt idx="33">
+                  <c:v>11548</c:v>
+                </c:pt>
+                <c:pt idx="34">
+                  <c:v>15012</c:v>
+                </c:pt>
+                <c:pt idx="35">
+                  <c:v>18716</c:v>
+                </c:pt>
+              </c:numCache>
+            </c:numRef>
+          </c:yVal>
+          <c:smooth val="0"/>
+          <c:extLst>
+            <c:ext xmlns:c16="http://schemas.microsoft.com/office/drawing/2014/chart" uri="{C3380CC4-5D6E-409C-BE32-E72D297353CC}">
+              <c16:uniqueId val="{00000005-1931-4AE6-A749-80000D7AB194}"/>
+            </c:ext>
+          </c:extLst>
+        </c:ser>
+        <c:ser>
+          <c:idx val="10"/>
+          <c:order val="6"/>
+          <c:yVal>
+            <c:numRef>
+              <c:f>Tabelle1!$D$37:$AM$37</c:f>
+              <c:numCache>
+                <c:formatCode>_("€"* #,##0.00_);_("€"* \(#,##0.00\);_("€"* "-"??_);_(@_)</c:formatCode>
+                <c:ptCount val="36"/>
+                <c:pt idx="0">
+                  <c:v>-9515</c:v>
+                </c:pt>
+                <c:pt idx="1">
+                  <c:v>-9800</c:v>
+                </c:pt>
+                <c:pt idx="2">
+                  <c:v>-9795</c:v>
+                </c:pt>
+                <c:pt idx="3">
+                  <c:v>-9440</c:v>
+                </c:pt>
+                <c:pt idx="4">
+                  <c:v>-8675</c:v>
+                </c:pt>
+                <c:pt idx="5">
+                  <c:v>-7470</c:v>
+                </c:pt>
+                <c:pt idx="6">
+                  <c:v>-5765</c:v>
+                </c:pt>
+                <c:pt idx="7">
+                  <c:v>-3640</c:v>
+                </c:pt>
+                <c:pt idx="8">
+                  <c:v>-1095</c:v>
+                </c:pt>
+                <c:pt idx="9">
+                  <c:v>1840</c:v>
+                </c:pt>
+                <c:pt idx="10">
+                  <c:v>5165</c:v>
+                </c:pt>
+                <c:pt idx="11">
+                  <c:v>8880</c:v>
+                </c:pt>
+                <c:pt idx="12">
+                  <c:v>3829</c:v>
+                </c:pt>
+                <c:pt idx="13">
+                  <c:v>1138</c:v>
+                </c:pt>
+                <c:pt idx="14">
+                  <c:v>-1193</c:v>
+                </c:pt>
+                <c:pt idx="15">
+                  <c:v>-3164</c:v>
+                </c:pt>
+                <c:pt idx="16">
+                  <c:v>-4805</c:v>
+                </c:pt>
+                <c:pt idx="17">
+                  <c:v>-6116</c:v>
+                </c:pt>
+                <c:pt idx="18">
+                  <c:v>-7097</c:v>
+                </c:pt>
+                <c:pt idx="19">
+                  <c:v>-7748</c:v>
+                </c:pt>
+                <c:pt idx="20">
+                  <c:v>-8069</c:v>
+                </c:pt>
+                <c:pt idx="21">
+                  <c:v>-8090</c:v>
+                </c:pt>
+                <c:pt idx="22">
+                  <c:v>-7811</c:v>
+                </c:pt>
+                <c:pt idx="23">
+                  <c:v>-7232</c:v>
+                </c:pt>
+                <c:pt idx="24">
+                  <c:v>-8378</c:v>
+                </c:pt>
+                <c:pt idx="25">
+                  <c:v>-7224</c:v>
+                </c:pt>
+                <c:pt idx="26">
+                  <c:v>-5800</c:v>
+                </c:pt>
+                <c:pt idx="27">
+                  <c:v>-4106</c:v>
+                </c:pt>
+                <c:pt idx="28">
+                  <c:v>-2142</c:v>
+                </c:pt>
+                <c:pt idx="29">
+                  <c:v>92</c:v>
+                </c:pt>
+                <c:pt idx="30">
+                  <c:v>2596</c:v>
+                </c:pt>
+                <c:pt idx="31">
+                  <c:v>5340</c:v>
+                </c:pt>
+                <c:pt idx="32">
+                  <c:v>8324</c:v>
+                </c:pt>
+                <c:pt idx="33">
+                  <c:v>11548</c:v>
+                </c:pt>
+                <c:pt idx="34">
+                  <c:v>15012</c:v>
+                </c:pt>
+                <c:pt idx="35">
+                  <c:v>18716</c:v>
+                </c:pt>
+              </c:numCache>
+            </c:numRef>
+          </c:yVal>
+          <c:smooth val="0"/>
+          <c:extLst>
+            <c:ext xmlns:c16="http://schemas.microsoft.com/office/drawing/2014/chart" uri="{C3380CC4-5D6E-409C-BE32-E72D297353CC}">
+              <c16:uniqueId val="{00000006-1931-4AE6-A749-80000D7AB194}"/>
+            </c:ext>
+          </c:extLst>
+        </c:ser>
+        <c:ser>
+          <c:idx val="11"/>
+          <c:order val="7"/>
+          <c:spPr>
+            <a:ln w="19050" cap="rnd">
+              <a:solidFill>
+                <a:schemeClr val="accent1"/>
+              </a:solidFill>
+              <a:round/>
+            </a:ln>
+            <a:effectLst/>
+          </c:spPr>
+          <c:yVal>
+            <c:numRef>
+              <c:f>Tabelle1!$D$37:$AM$37</c:f>
+              <c:numCache>
+                <c:formatCode>_("€"* #,##0.00_);_("€"* \(#,##0.00\);_("€"* "-"??_);_(@_)</c:formatCode>
+                <c:ptCount val="36"/>
+                <c:pt idx="0">
+                  <c:v>-9515</c:v>
+                </c:pt>
+                <c:pt idx="1">
+                  <c:v>-9800</c:v>
+                </c:pt>
+                <c:pt idx="2">
+                  <c:v>-9795</c:v>
+                </c:pt>
+                <c:pt idx="3">
+                  <c:v>-9440</c:v>
+                </c:pt>
+                <c:pt idx="4">
+                  <c:v>-8675</c:v>
+                </c:pt>
+                <c:pt idx="5">
+                  <c:v>-7470</c:v>
+                </c:pt>
+                <c:pt idx="6">
+                  <c:v>-5765</c:v>
+                </c:pt>
+                <c:pt idx="7">
+                  <c:v>-3640</c:v>
+                </c:pt>
+                <c:pt idx="8">
+                  <c:v>-1095</c:v>
+                </c:pt>
+                <c:pt idx="9">
+                  <c:v>1840</c:v>
+                </c:pt>
+                <c:pt idx="10">
+                  <c:v>5165</c:v>
+                </c:pt>
+                <c:pt idx="11">
+                  <c:v>8880</c:v>
+                </c:pt>
+                <c:pt idx="12">
+                  <c:v>3829</c:v>
+                </c:pt>
+                <c:pt idx="13">
+                  <c:v>1138</c:v>
+                </c:pt>
+                <c:pt idx="14">
+                  <c:v>-1193</c:v>
+                </c:pt>
+                <c:pt idx="15">
+                  <c:v>-3164</c:v>
+                </c:pt>
+                <c:pt idx="16">
+                  <c:v>-4805</c:v>
+                </c:pt>
+                <c:pt idx="17">
+                  <c:v>-6116</c:v>
+                </c:pt>
+                <c:pt idx="18">
+                  <c:v>-7097</c:v>
+                </c:pt>
+                <c:pt idx="19">
+                  <c:v>-7748</c:v>
+                </c:pt>
+                <c:pt idx="20">
+                  <c:v>-8069</c:v>
+                </c:pt>
+                <c:pt idx="21">
+                  <c:v>-8090</c:v>
+                </c:pt>
+                <c:pt idx="22">
+                  <c:v>-7811</c:v>
+                </c:pt>
+                <c:pt idx="23">
+                  <c:v>-7232</c:v>
+                </c:pt>
+                <c:pt idx="24">
+                  <c:v>-8378</c:v>
+                </c:pt>
+                <c:pt idx="25">
+                  <c:v>-7224</c:v>
+                </c:pt>
+                <c:pt idx="26">
+                  <c:v>-5800</c:v>
+                </c:pt>
+                <c:pt idx="27">
+                  <c:v>-4106</c:v>
+                </c:pt>
+                <c:pt idx="28">
+                  <c:v>-2142</c:v>
+                </c:pt>
+                <c:pt idx="29">
+                  <c:v>92</c:v>
+                </c:pt>
+                <c:pt idx="30">
+                  <c:v>2596</c:v>
+                </c:pt>
+                <c:pt idx="31">
+                  <c:v>5340</c:v>
+                </c:pt>
+                <c:pt idx="32">
+                  <c:v>8324</c:v>
+                </c:pt>
+                <c:pt idx="33">
+                  <c:v>11548</c:v>
+                </c:pt>
+                <c:pt idx="34">
+                  <c:v>15012</c:v>
+                </c:pt>
+                <c:pt idx="35">
+                  <c:v>18716</c:v>
+                </c:pt>
+              </c:numCache>
+            </c:numRef>
+          </c:yVal>
+          <c:smooth val="0"/>
+          <c:extLst>
+            <c:ext xmlns:c16="http://schemas.microsoft.com/office/drawing/2014/chart" uri="{C3380CC4-5D6E-409C-BE32-E72D297353CC}">
+              <c16:uniqueId val="{00000007-1931-4AE6-A749-80000D7AB194}"/>
+            </c:ext>
+          </c:extLst>
+        </c:ser>
+        <c:ser>
+          <c:idx val="2"/>
+          <c:order val="8"/>
+          <c:yVal>
+            <c:numRef>
+              <c:f>Tabelle1!$D$37:$AM$37</c:f>
+              <c:numCache>
+                <c:formatCode>_("€"* #,##0.00_);_("€"* \(#,##0.00\);_("€"* "-"??_);_(@_)</c:formatCode>
+                <c:ptCount val="36"/>
+                <c:pt idx="0">
+                  <c:v>-9515</c:v>
+                </c:pt>
+                <c:pt idx="1">
+                  <c:v>-9800</c:v>
+                </c:pt>
+                <c:pt idx="2">
+                  <c:v>-9795</c:v>
+                </c:pt>
+                <c:pt idx="3">
+                  <c:v>-9440</c:v>
+                </c:pt>
+                <c:pt idx="4">
+                  <c:v>-8675</c:v>
+                </c:pt>
+                <c:pt idx="5">
+                  <c:v>-7470</c:v>
+                </c:pt>
+                <c:pt idx="6">
+                  <c:v>-5765</c:v>
+                </c:pt>
+                <c:pt idx="7">
+                  <c:v>-3640</c:v>
+                </c:pt>
+                <c:pt idx="8">
+                  <c:v>-1095</c:v>
+                </c:pt>
+                <c:pt idx="9">
+                  <c:v>1840</c:v>
+                </c:pt>
+                <c:pt idx="10">
+                  <c:v>5165</c:v>
+                </c:pt>
+                <c:pt idx="11">
+                  <c:v>8880</c:v>
+                </c:pt>
+                <c:pt idx="12">
+                  <c:v>3829</c:v>
+                </c:pt>
+                <c:pt idx="13">
+                  <c:v>1138</c:v>
+                </c:pt>
+                <c:pt idx="14">
+                  <c:v>-1193</c:v>
+                </c:pt>
+                <c:pt idx="15">
+                  <c:v>-3164</c:v>
+                </c:pt>
+                <c:pt idx="16">
+                  <c:v>-4805</c:v>
+                </c:pt>
+                <c:pt idx="17">
+                  <c:v>-6116</c:v>
+                </c:pt>
+                <c:pt idx="18">
+                  <c:v>-7097</c:v>
+                </c:pt>
+                <c:pt idx="19">
+                  <c:v>-7748</c:v>
+                </c:pt>
+                <c:pt idx="20">
+                  <c:v>-8069</c:v>
+                </c:pt>
+                <c:pt idx="21">
+                  <c:v>-8090</c:v>
+                </c:pt>
+                <c:pt idx="22">
+                  <c:v>-7811</c:v>
+                </c:pt>
+                <c:pt idx="23">
+                  <c:v>-7232</c:v>
+                </c:pt>
+                <c:pt idx="24">
+                  <c:v>-8378</c:v>
+                </c:pt>
+                <c:pt idx="25">
+                  <c:v>-7224</c:v>
+                </c:pt>
+                <c:pt idx="26">
+                  <c:v>-5800</c:v>
+                </c:pt>
+                <c:pt idx="27">
+                  <c:v>-4106</c:v>
+                </c:pt>
+                <c:pt idx="28">
+                  <c:v>-2142</c:v>
+                </c:pt>
+                <c:pt idx="29">
+                  <c:v>92</c:v>
+                </c:pt>
+                <c:pt idx="30">
+                  <c:v>2596</c:v>
+                </c:pt>
+                <c:pt idx="31">
+                  <c:v>5340</c:v>
+                </c:pt>
+                <c:pt idx="32">
+                  <c:v>8324</c:v>
+                </c:pt>
+                <c:pt idx="33">
+                  <c:v>11548</c:v>
+                </c:pt>
+                <c:pt idx="34">
+                  <c:v>15012</c:v>
+                </c:pt>
+                <c:pt idx="35">
+                  <c:v>18716</c:v>
+                </c:pt>
+              </c:numCache>
+            </c:numRef>
+          </c:yVal>
+          <c:smooth val="0"/>
+          <c:extLst>
+            <c:ext xmlns:c16="http://schemas.microsoft.com/office/drawing/2014/chart" uri="{C3380CC4-5D6E-409C-BE32-E72D297353CC}">
+              <c16:uniqueId val="{00000008-1931-4AE6-A749-80000D7AB194}"/>
+            </c:ext>
+          </c:extLst>
+        </c:ser>
+        <c:ser>
+          <c:idx val="3"/>
+          <c:order val="9"/>
+          <c:spPr>
+            <a:ln w="19050" cap="rnd">
+              <a:solidFill>
+                <a:schemeClr val="accent1"/>
+              </a:solidFill>
+              <a:round/>
+            </a:ln>
+            <a:effectLst/>
+          </c:spPr>
+          <c:yVal>
+            <c:numRef>
+              <c:f>Tabelle1!$D$37:$AM$37</c:f>
+              <c:numCache>
+                <c:formatCode>_("€"* #,##0.00_);_("€"* \(#,##0.00\);_("€"* "-"??_);_(@_)</c:formatCode>
+                <c:ptCount val="36"/>
+                <c:pt idx="0">
+                  <c:v>-9515</c:v>
+                </c:pt>
+                <c:pt idx="1">
+                  <c:v>-9800</c:v>
+                </c:pt>
+                <c:pt idx="2">
+                  <c:v>-9795</c:v>
+                </c:pt>
+                <c:pt idx="3">
+                  <c:v>-9440</c:v>
+                </c:pt>
+                <c:pt idx="4">
+                  <c:v>-8675</c:v>
+                </c:pt>
+                <c:pt idx="5">
+                  <c:v>-7470</c:v>
+                </c:pt>
+                <c:pt idx="6">
+                  <c:v>-5765</c:v>
+                </c:pt>
+                <c:pt idx="7">
+                  <c:v>-3640</c:v>
+                </c:pt>
+                <c:pt idx="8">
+                  <c:v>-1095</c:v>
+                </c:pt>
+                <c:pt idx="9">
+                  <c:v>1840</c:v>
+                </c:pt>
+                <c:pt idx="10">
+                  <c:v>5165</c:v>
+                </c:pt>
+                <c:pt idx="11">
+                  <c:v>8880</c:v>
+                </c:pt>
+                <c:pt idx="12">
+                  <c:v>3829</c:v>
+                </c:pt>
+                <c:pt idx="13">
+                  <c:v>1138</c:v>
+                </c:pt>
+                <c:pt idx="14">
+                  <c:v>-1193</c:v>
+                </c:pt>
+                <c:pt idx="15">
+                  <c:v>-3164</c:v>
+                </c:pt>
+                <c:pt idx="16">
+                  <c:v>-4805</c:v>
+                </c:pt>
+                <c:pt idx="17">
+                  <c:v>-6116</c:v>
+                </c:pt>
+                <c:pt idx="18">
+                  <c:v>-7097</c:v>
+                </c:pt>
+                <c:pt idx="19">
+                  <c:v>-7748</c:v>
+                </c:pt>
+                <c:pt idx="20">
+                  <c:v>-8069</c:v>
+                </c:pt>
+                <c:pt idx="21">
+                  <c:v>-8090</c:v>
+                </c:pt>
+                <c:pt idx="22">
+                  <c:v>-7811</c:v>
+                </c:pt>
+                <c:pt idx="23">
+                  <c:v>-7232</c:v>
+                </c:pt>
+                <c:pt idx="24">
+                  <c:v>-8378</c:v>
+                </c:pt>
+                <c:pt idx="25">
+                  <c:v>-7224</c:v>
+                </c:pt>
+                <c:pt idx="26">
+                  <c:v>-5800</c:v>
+                </c:pt>
+                <c:pt idx="27">
+                  <c:v>-4106</c:v>
+                </c:pt>
+                <c:pt idx="28">
+                  <c:v>-2142</c:v>
+                </c:pt>
+                <c:pt idx="29">
+                  <c:v>92</c:v>
+                </c:pt>
+                <c:pt idx="30">
+                  <c:v>2596</c:v>
+                </c:pt>
+                <c:pt idx="31">
+                  <c:v>5340</c:v>
+                </c:pt>
+                <c:pt idx="32">
+                  <c:v>8324</c:v>
+                </c:pt>
+                <c:pt idx="33">
+                  <c:v>11548</c:v>
+                </c:pt>
+                <c:pt idx="34">
+                  <c:v>15012</c:v>
+                </c:pt>
+                <c:pt idx="35">
+                  <c:v>18716</c:v>
+                </c:pt>
+              </c:numCache>
+            </c:numRef>
+          </c:yVal>
+          <c:smooth val="0"/>
+          <c:extLst>
+            <c:ext xmlns:c16="http://schemas.microsoft.com/office/drawing/2014/chart" uri="{C3380CC4-5D6E-409C-BE32-E72D297353CC}">
+              <c16:uniqueId val="{00000009-1931-4AE6-A749-80000D7AB194}"/>
+            </c:ext>
+          </c:extLst>
+        </c:ser>
+        <c:ser>
+          <c:idx val="1"/>
+          <c:order val="10"/>
+          <c:yVal>
+            <c:numRef>
+              <c:f>Tabelle1!$D$37:$AM$37</c:f>
+              <c:numCache>
+                <c:formatCode>_("€"* #,##0.00_);_("€"* \(#,##0.00\);_("€"* "-"??_);_(@_)</c:formatCode>
+                <c:ptCount val="36"/>
+                <c:pt idx="0">
+                  <c:v>-9515</c:v>
+                </c:pt>
+                <c:pt idx="1">
+                  <c:v>-9800</c:v>
+                </c:pt>
+                <c:pt idx="2">
+                  <c:v>-9795</c:v>
+                </c:pt>
+                <c:pt idx="3">
+                  <c:v>-9440</c:v>
+                </c:pt>
+                <c:pt idx="4">
+                  <c:v>-8675</c:v>
+                </c:pt>
+                <c:pt idx="5">
+                  <c:v>-7470</c:v>
+                </c:pt>
+                <c:pt idx="6">
+                  <c:v>-5765</c:v>
+                </c:pt>
+                <c:pt idx="7">
+                  <c:v>-3640</c:v>
+                </c:pt>
+                <c:pt idx="8">
+                  <c:v>-1095</c:v>
+                </c:pt>
+                <c:pt idx="9">
+                  <c:v>1840</c:v>
+                </c:pt>
+                <c:pt idx="10">
+                  <c:v>5165</c:v>
+                </c:pt>
+                <c:pt idx="11">
+                  <c:v>8880</c:v>
+                </c:pt>
+                <c:pt idx="12">
+                  <c:v>3829</c:v>
+                </c:pt>
+                <c:pt idx="13">
+                  <c:v>1138</c:v>
+                </c:pt>
+                <c:pt idx="14">
+                  <c:v>-1193</c:v>
+                </c:pt>
+                <c:pt idx="15">
+                  <c:v>-3164</c:v>
+                </c:pt>
+                <c:pt idx="16">
+                  <c:v>-4805</c:v>
+                </c:pt>
+                <c:pt idx="17">
+                  <c:v>-6116</c:v>
+                </c:pt>
+                <c:pt idx="18">
+                  <c:v>-7097</c:v>
+                </c:pt>
+                <c:pt idx="19">
+                  <c:v>-7748</c:v>
+                </c:pt>
+                <c:pt idx="20">
+                  <c:v>-8069</c:v>
+                </c:pt>
+                <c:pt idx="21">
+                  <c:v>-8090</c:v>
+                </c:pt>
+                <c:pt idx="22">
+                  <c:v>-7811</c:v>
+                </c:pt>
+                <c:pt idx="23">
+                  <c:v>-7232</c:v>
+                </c:pt>
+                <c:pt idx="24">
+                  <c:v>-8378</c:v>
+                </c:pt>
+                <c:pt idx="25">
+                  <c:v>-7224</c:v>
+                </c:pt>
+                <c:pt idx="26">
+                  <c:v>-5800</c:v>
+                </c:pt>
+                <c:pt idx="27">
+                  <c:v>-4106</c:v>
+                </c:pt>
+                <c:pt idx="28">
+                  <c:v>-2142</c:v>
+                </c:pt>
+                <c:pt idx="29">
+                  <c:v>92</c:v>
+                </c:pt>
+                <c:pt idx="30">
+                  <c:v>2596</c:v>
+                </c:pt>
+                <c:pt idx="31">
+                  <c:v>5340</c:v>
+                </c:pt>
+                <c:pt idx="32">
+                  <c:v>8324</c:v>
+                </c:pt>
+                <c:pt idx="33">
+                  <c:v>11548</c:v>
+                </c:pt>
+                <c:pt idx="34">
+                  <c:v>15012</c:v>
+                </c:pt>
+                <c:pt idx="35">
+                  <c:v>18716</c:v>
+                </c:pt>
+              </c:numCache>
+            </c:numRef>
+          </c:yVal>
+          <c:smooth val="0"/>
+          <c:extLst>
+            <c:ext xmlns:c16="http://schemas.microsoft.com/office/drawing/2014/chart" uri="{C3380CC4-5D6E-409C-BE32-E72D297353CC}">
+              <c16:uniqueId val="{0000000A-1931-4AE6-A749-80000D7AB194}"/>
+            </c:ext>
+          </c:extLst>
+        </c:ser>
+        <c:ser>
+          <c:idx val="0"/>
+          <c:order val="11"/>
+          <c:spPr>
+            <a:ln w="19050" cap="rnd">
+              <a:solidFill>
+                <a:schemeClr val="accent1"/>
+              </a:solidFill>
+              <a:round/>
+            </a:ln>
+            <a:effectLst/>
+          </c:spPr>
+          <c:marker>
+            <c:symbol val="circle"/>
+            <c:size val="5"/>
+            <c:spPr>
+              <a:solidFill>
+                <a:schemeClr val="accent1"/>
+              </a:solidFill>
+              <a:ln w="9525">
+                <a:solidFill>
+                  <a:schemeClr val="accent1"/>
+                </a:solidFill>
+              </a:ln>
+              <a:effectLst/>
+            </c:spPr>
+          </c:marker>
+          <c:yVal>
+            <c:numRef>
+              <c:f>Tabelle1!$D$37:$AM$37</c:f>
+              <c:numCache>
+                <c:formatCode>_("€"* #,##0.00_);_("€"* \(#,##0.00\);_("€"* "-"??_);_(@_)</c:formatCode>
+                <c:ptCount val="36"/>
+                <c:pt idx="0">
+                  <c:v>-9515</c:v>
+                </c:pt>
+                <c:pt idx="1">
+                  <c:v>-9800</c:v>
+                </c:pt>
+                <c:pt idx="2">
+                  <c:v>-9795</c:v>
+                </c:pt>
+                <c:pt idx="3">
+                  <c:v>-9440</c:v>
+                </c:pt>
+                <c:pt idx="4">
+                  <c:v>-8675</c:v>
+                </c:pt>
+                <c:pt idx="5">
+                  <c:v>-7470</c:v>
+                </c:pt>
+                <c:pt idx="6">
+                  <c:v>-5765</c:v>
+                </c:pt>
+                <c:pt idx="7">
+                  <c:v>-3640</c:v>
+                </c:pt>
+                <c:pt idx="8">
+                  <c:v>-1095</c:v>
+                </c:pt>
+                <c:pt idx="9">
+                  <c:v>1840</c:v>
+                </c:pt>
+                <c:pt idx="10">
+                  <c:v>5165</c:v>
+                </c:pt>
+                <c:pt idx="11">
+                  <c:v>8880</c:v>
+                </c:pt>
+                <c:pt idx="12">
+                  <c:v>3829</c:v>
+                </c:pt>
+                <c:pt idx="13">
+                  <c:v>1138</c:v>
+                </c:pt>
+                <c:pt idx="14">
+                  <c:v>-1193</c:v>
+                </c:pt>
+                <c:pt idx="15">
+                  <c:v>-3164</c:v>
+                </c:pt>
+                <c:pt idx="16">
+                  <c:v>-4805</c:v>
+                </c:pt>
+                <c:pt idx="17">
+                  <c:v>-6116</c:v>
+                </c:pt>
+                <c:pt idx="18">
+                  <c:v>-7097</c:v>
+                </c:pt>
+                <c:pt idx="19">
+                  <c:v>-7748</c:v>
+                </c:pt>
+                <c:pt idx="20">
+                  <c:v>-8069</c:v>
+                </c:pt>
+                <c:pt idx="21">
+                  <c:v>-8090</c:v>
+                </c:pt>
+                <c:pt idx="22">
+                  <c:v>-7811</c:v>
+                </c:pt>
+                <c:pt idx="23">
+                  <c:v>-7232</c:v>
+                </c:pt>
+                <c:pt idx="24">
+                  <c:v>-8378</c:v>
+                </c:pt>
+                <c:pt idx="25">
+                  <c:v>-7224</c:v>
+                </c:pt>
+                <c:pt idx="26">
+                  <c:v>-5800</c:v>
+                </c:pt>
+                <c:pt idx="27">
+                  <c:v>-4106</c:v>
+                </c:pt>
+                <c:pt idx="28">
+                  <c:v>-2142</c:v>
+                </c:pt>
+                <c:pt idx="29">
+                  <c:v>92</c:v>
+                </c:pt>
+                <c:pt idx="30">
+                  <c:v>2596</c:v>
+                </c:pt>
+                <c:pt idx="31">
+                  <c:v>5340</c:v>
+                </c:pt>
+                <c:pt idx="32">
+                  <c:v>8324</c:v>
+                </c:pt>
+                <c:pt idx="33">
+                  <c:v>11548</c:v>
+                </c:pt>
+                <c:pt idx="34">
+                  <c:v>15012</c:v>
+                </c:pt>
+                <c:pt idx="35">
+                  <c:v>18716</c:v>
+                </c:pt>
+              </c:numCache>
+            </c:numRef>
+          </c:yVal>
+          <c:smooth val="0"/>
+          <c:extLst>
+            <c:ext xmlns:c16="http://schemas.microsoft.com/office/drawing/2014/chart" uri="{C3380CC4-5D6E-409C-BE32-E72D297353CC}">
+              <c16:uniqueId val="{0000000B-1931-4AE6-A749-80000D7AB194}"/>
+            </c:ext>
+          </c:extLst>
+        </c:ser>
+        <c:dLbls>
+          <c:showLegendKey val="0"/>
+          <c:showVal val="0"/>
+          <c:showCatName val="0"/>
+          <c:showSerName val="0"/>
+          <c:showPercent val="0"/>
+          <c:showBubbleSize val="0"/>
+        </c:dLbls>
+        <c:axId val="468337599"/>
+        <c:axId val="478418383"/>
+      </c:scatterChart>
+      <c:valAx>
+        <c:axId val="468337599"/>
+        <c:scaling>
+          <c:orientation val="minMax"/>
+          <c:max val="36"/>
+        </c:scaling>
+        <c:delete val="0"/>
+        <c:axPos val="b"/>
+        <c:majorGridlines>
+          <c:spPr>
+            <a:ln w="9525" cap="flat" cmpd="sng" algn="ctr">
+              <a:solidFill>
+                <a:schemeClr val="tx1">
+                  <a:lumMod val="15000"/>
+                  <a:lumOff val="85000"/>
+                </a:schemeClr>
+              </a:solidFill>
+              <a:round/>
+            </a:ln>
+            <a:effectLst/>
+          </c:spPr>
+        </c:majorGridlines>
+        <c:majorTickMark val="none"/>
+        <c:minorTickMark val="none"/>
+        <c:tickLblPos val="nextTo"/>
+        <c:spPr>
+          <a:noFill/>
+          <a:ln w="9525" cap="flat" cmpd="sng" algn="ctr">
+            <a:solidFill>
+              <a:schemeClr val="tx1">
+                <a:lumMod val="25000"/>
+                <a:lumOff val="75000"/>
+              </a:schemeClr>
+            </a:solidFill>
+            <a:round/>
+          </a:ln>
+          <a:effectLst/>
+        </c:spPr>
+        <c:txPr>
+          <a:bodyPr rot="-60000000" spcFirstLastPara="1" vertOverflow="ellipsis" vert="horz" wrap="square" anchor="ctr" anchorCtr="1"/>
+          <a:lstStyle/>
+          <a:p>
+            <a:pPr>
+              <a:defRPr sz="900" b="0" i="0" u="none" strike="noStrike" kern="1200" baseline="0">
+                <a:solidFill>
+                  <a:schemeClr val="tx1">
+                    <a:lumMod val="65000"/>
+                    <a:lumOff val="35000"/>
+                  </a:schemeClr>
+                </a:solidFill>
+                <a:latin typeface="+mn-lt"/>
+                <a:ea typeface="+mn-ea"/>
+                <a:cs typeface="+mn-cs"/>
+              </a:defRPr>
+            </a:pPr>
+            <a:endParaRPr lang="de-DE"/>
+          </a:p>
+        </c:txPr>
+        <c:crossAx val="478418383"/>
+        <c:crosses val="autoZero"/>
+        <c:crossBetween val="midCat"/>
+        <c:majorUnit val="6"/>
+      </c:valAx>
+      <c:valAx>
+        <c:axId val="478418383"/>
+        <c:scaling>
+          <c:orientation val="minMax"/>
+        </c:scaling>
+        <c:delete val="0"/>
+        <c:axPos val="l"/>
+        <c:majorGridlines>
+          <c:spPr>
+            <a:ln w="9525" cap="flat" cmpd="sng" algn="ctr">
+              <a:solidFill>
+                <a:schemeClr val="tx1">
+                  <a:lumMod val="15000"/>
+                  <a:lumOff val="85000"/>
+                </a:schemeClr>
+              </a:solidFill>
+              <a:round/>
+            </a:ln>
+            <a:effectLst/>
+          </c:spPr>
+        </c:majorGridlines>
+        <c:numFmt formatCode="_(&quot;€&quot;* #,##0.00_);_(&quot;€&quot;* \(#,##0.00\);_(&quot;€&quot;* &quot;-&quot;??_);_(@_)" sourceLinked="1"/>
+        <c:majorTickMark val="none"/>
+        <c:minorTickMark val="none"/>
+        <c:tickLblPos val="nextTo"/>
+        <c:spPr>
+          <a:noFill/>
+          <a:ln w="9525" cap="flat" cmpd="sng" algn="ctr">
+            <a:solidFill>
+              <a:schemeClr val="tx1">
+                <a:lumMod val="25000"/>
+                <a:lumOff val="75000"/>
+              </a:schemeClr>
+            </a:solidFill>
+            <a:round/>
+          </a:ln>
+          <a:effectLst/>
+        </c:spPr>
+        <c:txPr>
+          <a:bodyPr rot="-60000000" spcFirstLastPara="1" vertOverflow="ellipsis" vert="horz" wrap="square" anchor="ctr" anchorCtr="1"/>
+          <a:lstStyle/>
+          <a:p>
+            <a:pPr>
+              <a:defRPr sz="900" b="0" i="0" u="none" strike="noStrike" kern="1200" baseline="0">
+                <a:solidFill>
+                  <a:schemeClr val="tx1">
+                    <a:lumMod val="65000"/>
+                    <a:lumOff val="35000"/>
+                  </a:schemeClr>
+                </a:solidFill>
+                <a:latin typeface="+mn-lt"/>
+                <a:ea typeface="+mn-ea"/>
+                <a:cs typeface="+mn-cs"/>
+              </a:defRPr>
+            </a:pPr>
+            <a:endParaRPr lang="de-DE"/>
+          </a:p>
+        </c:txPr>
+        <c:crossAx val="468337599"/>
+        <c:crosses val="autoZero"/>
+        <c:crossBetween val="midCat"/>
+      </c:valAx>
+    </c:plotArea>
+    <c:plotVisOnly val="1"/>
+    <c:dispBlanksAs val="gap"/>
+    <c:showDLblsOverMax val="0"/>
+  </c:chart>
+  <c:txPr>
+    <a:bodyPr/>
+    <a:lstStyle/>
+    <a:p>
+      <a:pPr>
+        <a:defRPr/>
+      </a:pPr>
+      <a:endParaRPr lang="de-DE"/>
+    </a:p>
+  </c:txPr>
+  <c:externalData r:id="rId1">
+    <c:autoUpdate val="0"/>
+  </c:externalData>
+</c:chartSpace>
+</file>
+
 <file path=ppt/notesMasters/notesMaster1.xml><?xml version="1.0" encoding="utf-8"?>
 <p:notesMaster xmlns:a="http://schemas.openxmlformats.org/drawingml/2006/main" xmlns:r="http://schemas.openxmlformats.org/officeDocument/2006/relationships" xmlns:p="http://schemas.openxmlformats.org/presentationml/2006/main">
   <p:cSld>
@@ -222,7 +2871,7 @@
           <a:p>
             <a:fld id="{7F25B902-8226-4635-9754-C5921A9652AF}" type="datetimeFigureOut">
               <a:rPr lang="de-DE" smtClean="0"/>
-              <a:t>05.12.2017</a:t>
+              <a:t>11.12.2017</a:t>
             </a:fld>
             <a:endParaRPr lang="de-DE" dirty="0"/>
           </a:p>
@@ -892,7 +3541,7 @@
           <a:p>
             <a:fld id="{5FBA5A71-6BD3-480F-9759-2BB3084220F4}" type="datetime1">
               <a:rPr lang="en-US" smtClean="0"/>
-              <a:t>12/5/2017</a:t>
+              <a:t>12/11/2017</a:t>
             </a:fld>
             <a:endParaRPr lang="en-US" dirty="0"/>
           </a:p>
@@ -1067,7 +3716,7 @@
           <a:p>
             <a:fld id="{6B4F17F1-269D-43DC-BD70-904E0CA622BE}" type="datetime1">
               <a:rPr lang="en-US" smtClean="0"/>
-              <a:t>12/5/2017</a:t>
+              <a:t>12/11/2017</a:t>
             </a:fld>
             <a:endParaRPr lang="en-US" dirty="0"/>
           </a:p>
@@ -1242,7 +3891,7 @@
           <a:p>
             <a:fld id="{122849F1-4008-49B9-AFE8-976EABB41E71}" type="datetime1">
               <a:rPr lang="en-US" smtClean="0"/>
-              <a:t>12/5/2017</a:t>
+              <a:t>12/11/2017</a:t>
             </a:fld>
             <a:endParaRPr lang="en-US" dirty="0"/>
           </a:p>
@@ -1407,7 +4056,7 @@
           <a:p>
             <a:fld id="{358B7A8A-9313-42A5-8A75-EF1F266C973D}" type="datetime1">
               <a:rPr lang="en-US" smtClean="0"/>
-              <a:t>12/5/2017</a:t>
+              <a:t>12/11/2017</a:t>
             </a:fld>
             <a:endParaRPr lang="en-US" dirty="0"/>
           </a:p>
@@ -1715,7 +4364,7 @@
           <a:p>
             <a:fld id="{18BF9F77-35C6-4BE5-BFEB-DAE518CAB825}" type="datetime1">
               <a:rPr lang="en-US" smtClean="0"/>
-              <a:t>12/5/2017</a:t>
+              <a:t>12/11/2017</a:t>
             </a:fld>
             <a:endParaRPr lang="en-US" dirty="0"/>
           </a:p>
@@ -2097,7 +4746,7 @@
           <a:p>
             <a:fld id="{81CC2040-1409-446B-94B6-3099F0C12F70}" type="datetime1">
               <a:rPr lang="en-US" smtClean="0"/>
-              <a:t>12/5/2017</a:t>
+              <a:t>12/11/2017</a:t>
             </a:fld>
             <a:endParaRPr lang="en-US" dirty="0"/>
           </a:p>
@@ -2526,7 +5175,7 @@
           <a:p>
             <a:fld id="{27D6035E-EA8E-4A70-A82D-1CB39E288AD8}" type="datetime1">
               <a:rPr lang="en-US" smtClean="0"/>
-              <a:t>12/5/2017</a:t>
+              <a:t>12/11/2017</a:t>
             </a:fld>
             <a:endParaRPr lang="en-US" dirty="0"/>
           </a:p>
@@ -2639,7 +5288,7 @@
           <a:p>
             <a:fld id="{DFED80AF-49FC-450E-8DD3-F823659F6838}" type="datetime1">
               <a:rPr lang="en-US" smtClean="0"/>
-              <a:t>12/5/2017</a:t>
+              <a:t>12/11/2017</a:t>
             </a:fld>
             <a:endParaRPr lang="en-US" dirty="0"/>
           </a:p>
@@ -2729,7 +5378,7 @@
           <a:p>
             <a:fld id="{A9D8BD9D-A4CD-47B5-A984-A42AB2EDF017}" type="datetime1">
               <a:rPr lang="en-US" smtClean="0"/>
-              <a:t>12/5/2017</a:t>
+              <a:t>12/11/2017</a:t>
             </a:fld>
             <a:endParaRPr lang="en-US" dirty="0"/>
           </a:p>
@@ -3074,7 +5723,7 @@
           <a:p>
             <a:fld id="{70F7B7B7-7731-4AE4-AF7B-A2A2D7BD1621}" type="datetime1">
               <a:rPr lang="en-US" smtClean="0"/>
-              <a:t>12/5/2017</a:t>
+              <a:t>12/11/2017</a:t>
             </a:fld>
             <a:endParaRPr lang="en-US" dirty="0"/>
           </a:p>
@@ -3494,7 +6143,7 @@
           <a:p>
             <a:fld id="{405C13E6-E124-475C-A52A-51B23B41583F}" type="datetime1">
               <a:rPr lang="en-US" smtClean="0"/>
-              <a:t>12/5/2017</a:t>
+              <a:t>12/11/2017</a:t>
             </a:fld>
             <a:endParaRPr lang="en-US" dirty="0"/>
           </a:p>
@@ -3770,7 +6419,7 @@
           <a:p>
             <a:fld id="{920FEE2E-9D46-4F31-8D73-7186675940B4}" type="datetime1">
               <a:rPr lang="en-US" smtClean="0"/>
-              <a:t>12/5/2017</a:t>
+              <a:t>12/11/2017</a:t>
             </a:fld>
             <a:endParaRPr lang="en-US" dirty="0"/>
           </a:p>
@@ -5662,7 +8311,9 @@
         </p:nvSpPr>
         <p:spPr/>
         <p:txBody>
-          <a:bodyPr/>
+          <a:bodyPr>
+            <a:normAutofit lnSpcReduction="10000"/>
+          </a:bodyPr>
           <a:lstStyle/>
           <a:p>
             <a:r>
@@ -5686,12 +8337,29 @@
           </a:p>
           <a:p>
             <a:r>
-              <a:rPr lang="de-DE" dirty="0">
-                <a:highlight>
-                  <a:srgbClr val="FFFF00"/>
-                </a:highlight>
-              </a:rPr>
-              <a:t>Anzahl</a:t>
+              <a:rPr lang="de-DE" dirty="0"/>
+              <a:t>Anzahl:</a:t>
+            </a:r>
+          </a:p>
+          <a:p>
+            <a:pPr lvl="1"/>
+            <a:r>
+              <a:rPr lang="de-DE" dirty="0"/>
+              <a:t>2 bis 3 Einheiten pro Landkreis</a:t>
+            </a:r>
+          </a:p>
+          <a:p>
+            <a:pPr lvl="1"/>
+            <a:r>
+              <a:rPr lang="de-DE" dirty="0"/>
+              <a:t>300 Landkreise in Deutschland</a:t>
+            </a:r>
+          </a:p>
+          <a:p>
+            <a:pPr lvl="1"/>
+            <a:r>
+              <a:rPr lang="de-DE" dirty="0"/>
+              <a:t>Bis zu 900 mögliche Gruppen</a:t>
             </a:r>
           </a:p>
           <a:p>
@@ -6388,46 +9056,65 @@
           <a:p>
             <a:r>
               <a:rPr lang="de-DE" dirty="0"/>
-              <a:t>Bedarf gering</a:t>
-            </a:r>
-          </a:p>
-          <a:p>
-            <a:r>
-              <a:rPr lang="de-DE" dirty="0"/>
-              <a:t>Am besten Friends &amp; Family</a:t>
-            </a:r>
-          </a:p>
-          <a:p>
+              <a:t>Maximaler Finanzierungsbedarf</a:t>
+            </a:r>
+          </a:p>
+          <a:p>
+            <a:pPr lvl="1"/>
+            <a:r>
+              <a:rPr lang="de-DE" dirty="0"/>
+              <a:t>10 000 € in den ersten Monaten 	</a:t>
+            </a:r>
+            <a:r>
+              <a:rPr lang="de-DE" dirty="0">
+                <a:sym typeface="Wingdings" panose="05000000000000000000" pitchFamily="2" charset="2"/>
+              </a:rPr>
+              <a:t> Infrastruktur schaffen</a:t>
+            </a:r>
+          </a:p>
+          <a:p>
+            <a:pPr lvl="1"/>
+            <a:r>
+              <a:rPr lang="de-DE" dirty="0"/>
+              <a:t>10 000 € in Monat 13 und 25		</a:t>
+            </a:r>
+            <a:r>
+              <a:rPr lang="de-DE" dirty="0">
+                <a:sym typeface="Wingdings" panose="05000000000000000000" pitchFamily="2" charset="2"/>
+              </a:rPr>
+              <a:t> Lohnkosten und Testgeräte</a:t>
+            </a:r>
             <a:endParaRPr lang="de-DE" dirty="0"/>
           </a:p>
           <a:p>
+            <a:pPr lvl="1"/>
+            <a:endParaRPr lang="de-DE" dirty="0"/>
+          </a:p>
+          <a:p>
+            <a:r>
+              <a:rPr lang="de-DE" dirty="0"/>
+              <a:t>vergleichsweise geringer Bedarf</a:t>
+            </a:r>
+          </a:p>
+          <a:p>
             <a:r>
               <a:rPr lang="de-DE" dirty="0">
-                <a:highlight>
-                  <a:srgbClr val="FFFF00"/>
-                </a:highlight>
+                <a:sym typeface="Wingdings" panose="05000000000000000000" pitchFamily="2" charset="2"/>
               </a:rPr>
-              <a:t>Maximaler Finanzierungsbedarf?</a:t>
-            </a:r>
-          </a:p>
-          <a:p>
-            <a:r>
-              <a:rPr lang="de-DE" dirty="0">
-                <a:highlight>
-                  <a:srgbClr val="FFFF00"/>
-                </a:highlight>
-              </a:rPr>
-              <a:t>Breakeven?</a:t>
-            </a:r>
-          </a:p>
-          <a:p>
-            <a:r>
-              <a:rPr lang="de-DE" dirty="0">
-                <a:highlight>
-                  <a:srgbClr val="FFFF00"/>
-                </a:highlight>
-              </a:rPr>
-              <a:t>Kumulierter Breakeven?</a:t>
+              <a:t></a:t>
+            </a:r>
+            <a:r>
+              <a:rPr lang="de-DE" dirty="0"/>
+              <a:t>Friends &amp; Family</a:t>
+            </a:r>
+          </a:p>
+          <a:p>
+            <a:endParaRPr lang="de-DE" dirty="0"/>
+          </a:p>
+          <a:p>
+            <a:r>
+              <a:rPr lang="de-DE" dirty="0"/>
+              <a:t>Verzicht auf Gehalt in den ersten 12 Monaten</a:t>
             </a:r>
           </a:p>
         </p:txBody>
@@ -6496,7 +9183,7 @@
           <p:cNvPr id="2" name="Titel 1">
             <a:extLst>
               <a:ext uri="{FF2B5EF4-FFF2-40B4-BE49-F238E27FC236}">
-                <a16:creationId xmlns:a16="http://schemas.microsoft.com/office/drawing/2014/main" id="{18FB7D32-4568-41B2-93A8-934F6A49042E}"/>
+                <a16:creationId xmlns:a16="http://schemas.microsoft.com/office/drawing/2014/main" id="{C986E40B-8C9F-48A3-86DF-29636AF42823}"/>
               </a:ext>
             </a:extLst>
           </p:cNvPr>
@@ -6514,7 +9201,7 @@
           <a:p>
             <a:r>
               <a:rPr lang="de-DE" dirty="0"/>
-              <a:t>Geschäftsform</a:t>
+              <a:t>Finanzierung</a:t>
             </a:r>
           </a:p>
         </p:txBody>
@@ -6524,7 +9211,7 @@
           <p:cNvPr id="3" name="Inhaltsplatzhalter 2">
             <a:extLst>
               <a:ext uri="{FF2B5EF4-FFF2-40B4-BE49-F238E27FC236}">
-                <a16:creationId xmlns:a16="http://schemas.microsoft.com/office/drawing/2014/main" id="{6C287BC1-B35D-4006-857F-BB78294722E3}"/>
+                <a16:creationId xmlns:a16="http://schemas.microsoft.com/office/drawing/2014/main" id="{845417A4-2585-46B4-B6C9-0E1A0B6C5509}"/>
               </a:ext>
             </a:extLst>
           </p:cNvPr>
@@ -6535,31 +9222,56 @@
             <p:ph idx="1"/>
           </p:nvPr>
         </p:nvSpPr>
-        <p:spPr>
-          <a:xfrm>
-            <a:off x="1069848" y="2121408"/>
-            <a:ext cx="10058400" cy="4050792"/>
-          </a:xfrm>
-        </p:spPr>
+        <p:spPr/>
         <p:txBody>
           <a:bodyPr/>
           <a:lstStyle/>
           <a:p>
             <a:r>
               <a:rPr lang="de-DE" dirty="0"/>
-              <a:t>UG / GbR</a:t>
-            </a:r>
-          </a:p>
-          <a:p>
-            <a:r>
-              <a:rPr lang="de-DE" dirty="0"/>
-              <a:t>eigentlich egal, da mit unserem Produkt keine großen Risiken</a:t>
-            </a:r>
-          </a:p>
-          <a:p>
-            <a:r>
-              <a:rPr lang="de-DE" dirty="0"/>
-              <a:t>ggf. leichtere Finanzierung</a:t>
+              <a:t>Annahmen:</a:t>
+            </a:r>
+          </a:p>
+          <a:p>
+            <a:pPr lvl="1"/>
+            <a:r>
+              <a:rPr lang="de-DE" dirty="0"/>
+              <a:t>Stetiger Kundenzuwachs</a:t>
+            </a:r>
+          </a:p>
+          <a:p>
+            <a:pPr lvl="1"/>
+            <a:r>
+              <a:rPr lang="de-DE" dirty="0"/>
+              <a:t>2 neue Testgeräte pro Jahr</a:t>
+            </a:r>
+          </a:p>
+          <a:p>
+            <a:pPr lvl="1"/>
+            <a:r>
+              <a:rPr lang="de-DE" dirty="0"/>
+              <a:t>Höhere Serverkosten pro Jahr</a:t>
+            </a:r>
+          </a:p>
+          <a:p>
+            <a:pPr lvl="1"/>
+            <a:r>
+              <a:rPr lang="de-DE" dirty="0"/>
+              <a:t>Lohnkosten ab Monat 13</a:t>
+            </a:r>
+          </a:p>
+          <a:p>
+            <a:pPr lvl="2"/>
+            <a:r>
+              <a:rPr lang="de-DE" dirty="0"/>
+              <a:t>3 Mitarbeiter*innen</a:t>
+            </a:r>
+          </a:p>
+          <a:p>
+            <a:pPr lvl="2"/>
+            <a:r>
+              <a:rPr lang="de-DE" dirty="0"/>
+              <a:t>2 000 € brutto</a:t>
             </a:r>
           </a:p>
         </p:txBody>
@@ -6569,7 +9281,7 @@
           <p:cNvPr id="4" name="Foliennummernplatzhalter 3">
             <a:extLst>
               <a:ext uri="{FF2B5EF4-FFF2-40B4-BE49-F238E27FC236}">
-                <a16:creationId xmlns:a16="http://schemas.microsoft.com/office/drawing/2014/main" id="{41C9D3B1-3260-4C0F-86BA-20AECCB39590}"/>
+                <a16:creationId xmlns:a16="http://schemas.microsoft.com/office/drawing/2014/main" id="{2D11F9A0-0149-4812-9525-095385A18A2B}"/>
               </a:ext>
             </a:extLst>
           </p:cNvPr>
@@ -6593,10 +9305,40 @@
           </a:p>
         </p:txBody>
       </p:sp>
+      <p:graphicFrame>
+        <p:nvGraphicFramePr>
+          <p:cNvPr id="5" name="Diagramm 4">
+            <a:extLst>
+              <a:ext uri="{FF2B5EF4-FFF2-40B4-BE49-F238E27FC236}">
+                <a16:creationId xmlns:a16="http://schemas.microsoft.com/office/drawing/2014/main" id="{BAE1D665-F16E-441C-8267-F885AB7BBEF8}"/>
+              </a:ext>
+            </a:extLst>
+          </p:cNvPr>
+          <p:cNvGraphicFramePr>
+            <a:graphicFrameLocks/>
+          </p:cNvGraphicFramePr>
+          <p:nvPr>
+            <p:extLst>
+              <p:ext uri="{D42A27DB-BD31-4B8C-83A1-F6EECF244321}">
+                <p14:modId xmlns:p14="http://schemas.microsoft.com/office/powerpoint/2010/main" val="890818070"/>
+              </p:ext>
+            </p:extLst>
+          </p:nvPr>
+        </p:nvGraphicFramePr>
+        <p:xfrm>
+          <a:off x="5400000" y="360000"/>
+          <a:ext cx="6480000" cy="5760000"/>
+        </p:xfrm>
+        <a:graphic>
+          <a:graphicData uri="http://schemas.openxmlformats.org/drawingml/2006/chart">
+            <c:chart xmlns:c="http://schemas.openxmlformats.org/drawingml/2006/chart" xmlns:r="http://schemas.openxmlformats.org/officeDocument/2006/relationships" r:id="rId2"/>
+          </a:graphicData>
+        </a:graphic>
+      </p:graphicFrame>
     </p:spTree>
     <p:extLst>
       <p:ext uri="{BB962C8B-B14F-4D97-AF65-F5344CB8AC3E}">
-        <p14:creationId xmlns:p14="http://schemas.microsoft.com/office/powerpoint/2010/main" val="828659712"/>
+        <p14:creationId xmlns:p14="http://schemas.microsoft.com/office/powerpoint/2010/main" val="99611143"/>
       </p:ext>
     </p:extLst>
   </p:cSld>
@@ -6628,7 +9370,7 @@
           <p:cNvPr id="2" name="Titel 1">
             <a:extLst>
               <a:ext uri="{FF2B5EF4-FFF2-40B4-BE49-F238E27FC236}">
-                <a16:creationId xmlns:a16="http://schemas.microsoft.com/office/drawing/2014/main" id="{3CFA8E29-93D0-4B49-A698-120EE54213B0}"/>
+                <a16:creationId xmlns:a16="http://schemas.microsoft.com/office/drawing/2014/main" id="{C986E40B-8C9F-48A3-86DF-29636AF42823}"/>
               </a:ext>
             </a:extLst>
           </p:cNvPr>
@@ -6646,7 +9388,7 @@
           <a:p>
             <a:r>
               <a:rPr lang="de-DE" dirty="0"/>
-              <a:t>Patent oder schnell in den Markt?</a:t>
+              <a:t>Finanzierung</a:t>
             </a:r>
           </a:p>
         </p:txBody>
@@ -6656,7 +9398,7 @@
           <p:cNvPr id="3" name="Inhaltsplatzhalter 2">
             <a:extLst>
               <a:ext uri="{FF2B5EF4-FFF2-40B4-BE49-F238E27FC236}">
-                <a16:creationId xmlns:a16="http://schemas.microsoft.com/office/drawing/2014/main" id="{4A31E7D8-02C1-4060-8249-2F761FAC0AC0}"/>
+                <a16:creationId xmlns:a16="http://schemas.microsoft.com/office/drawing/2014/main" id="{845417A4-2585-46B4-B6C9-0E1A0B6C5509}"/>
               </a:ext>
             </a:extLst>
           </p:cNvPr>
@@ -6674,32 +9416,50 @@
           <a:p>
             <a:r>
               <a:rPr lang="de-DE" dirty="0"/>
-              <a:t>Patent ist nicht notwendig</a:t>
-            </a:r>
-          </a:p>
-          <a:p>
-            <a:r>
-              <a:rPr lang="de-DE" dirty="0"/>
-              <a:t>Idee nicht patentierungswürdig</a:t>
-            </a:r>
-          </a:p>
-          <a:p>
-            <a:endParaRPr lang="de-DE" dirty="0">
-              <a:latin typeface="Architects Daughter" pitchFamily="2" charset="0"/>
-              <a:sym typeface="Wingdings" panose="05000000000000000000" pitchFamily="2" charset="2"/>
-            </a:endParaRPr>
-          </a:p>
-          <a:p>
-            <a:r>
-              <a:rPr lang="de-DE" dirty="0">
-                <a:latin typeface="Architects Daughter" pitchFamily="2" charset="0"/>
-                <a:sym typeface="Wingdings" panose="05000000000000000000" pitchFamily="2" charset="2"/>
-              </a:rPr>
-              <a:t> be fast or be last</a:t>
-            </a:r>
-            <a:endParaRPr lang="de-DE" dirty="0">
-              <a:latin typeface="Architects Daughter" pitchFamily="2" charset="0"/>
-            </a:endParaRPr>
+              <a:t>Annahmen:</a:t>
+            </a:r>
+          </a:p>
+          <a:p>
+            <a:pPr lvl="1"/>
+            <a:r>
+              <a:rPr lang="de-DE" dirty="0"/>
+              <a:t>Stetiger Kundenzuwachs</a:t>
+            </a:r>
+          </a:p>
+          <a:p>
+            <a:pPr lvl="1"/>
+            <a:r>
+              <a:rPr lang="de-DE" dirty="0"/>
+              <a:t>2 neue Testgeräte pro Jahr</a:t>
+            </a:r>
+          </a:p>
+          <a:p>
+            <a:pPr lvl="1"/>
+            <a:r>
+              <a:rPr lang="de-DE" dirty="0"/>
+              <a:t>Höhere Serverkosten pro Jahr</a:t>
+            </a:r>
+          </a:p>
+          <a:p>
+            <a:pPr lvl="1"/>
+            <a:r>
+              <a:rPr lang="de-DE" dirty="0"/>
+              <a:t>Lohnkosten ab Monat 13</a:t>
+            </a:r>
+          </a:p>
+          <a:p>
+            <a:pPr lvl="2"/>
+            <a:r>
+              <a:rPr lang="de-DE" dirty="0"/>
+              <a:t>3 Mitarbeiter*innen</a:t>
+            </a:r>
+          </a:p>
+          <a:p>
+            <a:pPr lvl="2"/>
+            <a:r>
+              <a:rPr lang="de-DE" dirty="0"/>
+              <a:t>2 000 € brutto</a:t>
+            </a:r>
           </a:p>
         </p:txBody>
       </p:sp>
@@ -6708,7 +9468,7 @@
           <p:cNvPr id="4" name="Foliennummernplatzhalter 3">
             <a:extLst>
               <a:ext uri="{FF2B5EF4-FFF2-40B4-BE49-F238E27FC236}">
-                <a16:creationId xmlns:a16="http://schemas.microsoft.com/office/drawing/2014/main" id="{44B69492-39C7-4B73-86EA-3E4270F5954D}"/>
+                <a16:creationId xmlns:a16="http://schemas.microsoft.com/office/drawing/2014/main" id="{2D11F9A0-0149-4812-9525-095385A18A2B}"/>
               </a:ext>
             </a:extLst>
           </p:cNvPr>
@@ -6732,10 +9492,40 @@
           </a:p>
         </p:txBody>
       </p:sp>
+      <p:graphicFrame>
+        <p:nvGraphicFramePr>
+          <p:cNvPr id="6" name="Diagramm 5">
+            <a:extLst>
+              <a:ext uri="{FF2B5EF4-FFF2-40B4-BE49-F238E27FC236}">
+                <a16:creationId xmlns:a16="http://schemas.microsoft.com/office/drawing/2014/main" id="{3010B105-C543-408A-B74B-BC0B0E40A618}"/>
+              </a:ext>
+            </a:extLst>
+          </p:cNvPr>
+          <p:cNvGraphicFramePr>
+            <a:graphicFrameLocks/>
+          </p:cNvGraphicFramePr>
+          <p:nvPr>
+            <p:extLst>
+              <p:ext uri="{D42A27DB-BD31-4B8C-83A1-F6EECF244321}">
+                <p14:modId xmlns:p14="http://schemas.microsoft.com/office/powerpoint/2010/main" val="278955313"/>
+              </p:ext>
+            </p:extLst>
+          </p:nvPr>
+        </p:nvGraphicFramePr>
+        <p:xfrm>
+          <a:off x="5400000" y="360000"/>
+          <a:ext cx="6480000" cy="5760000"/>
+        </p:xfrm>
+        <a:graphic>
+          <a:graphicData uri="http://schemas.openxmlformats.org/drawingml/2006/chart">
+            <c:chart xmlns:c="http://schemas.openxmlformats.org/drawingml/2006/chart" xmlns:r="http://schemas.openxmlformats.org/officeDocument/2006/relationships" r:id="rId2"/>
+          </a:graphicData>
+        </a:graphic>
+      </p:graphicFrame>
     </p:spTree>
     <p:extLst>
       <p:ext uri="{BB962C8B-B14F-4D97-AF65-F5344CB8AC3E}">
-        <p14:creationId xmlns:p14="http://schemas.microsoft.com/office/powerpoint/2010/main" val="2825474165"/>
+        <p14:creationId xmlns:p14="http://schemas.microsoft.com/office/powerpoint/2010/main" val="3547628784"/>
       </p:ext>
     </p:extLst>
   </p:cSld>
@@ -6899,6 +9689,394 @@
 </file>
 
 <file path=ppt/slides/slide20.xml><?xml version="1.0" encoding="utf-8"?>
+<p:sld xmlns:a="http://schemas.openxmlformats.org/drawingml/2006/main" xmlns:r="http://schemas.openxmlformats.org/officeDocument/2006/relationships" xmlns:p="http://schemas.openxmlformats.org/presentationml/2006/main">
+  <p:cSld>
+    <p:spTree>
+      <p:nvGrpSpPr>
+        <p:cNvPr id="1" name=""/>
+        <p:cNvGrpSpPr/>
+        <p:nvPr/>
+      </p:nvGrpSpPr>
+      <p:grpSpPr>
+        <a:xfrm>
+          <a:off x="0" y="0"/>
+          <a:ext cx="0" cy="0"/>
+          <a:chOff x="0" y="0"/>
+          <a:chExt cx="0" cy="0"/>
+        </a:xfrm>
+      </p:grpSpPr>
+      <p:sp>
+        <p:nvSpPr>
+          <p:cNvPr id="2" name="Titel 1">
+            <a:extLst>
+              <a:ext uri="{FF2B5EF4-FFF2-40B4-BE49-F238E27FC236}">
+                <a16:creationId xmlns:a16="http://schemas.microsoft.com/office/drawing/2014/main" id="{9FA14B95-8C72-4C4E-81EE-4D3AE10A31F4}"/>
+              </a:ext>
+            </a:extLst>
+          </p:cNvPr>
+          <p:cNvSpPr>
+            <a:spLocks noGrp="1"/>
+          </p:cNvSpPr>
+          <p:nvPr>
+            <p:ph type="title"/>
+          </p:nvPr>
+        </p:nvSpPr>
+        <p:spPr/>
+        <p:txBody>
+          <a:bodyPr/>
+          <a:lstStyle/>
+          <a:p>
+            <a:r>
+              <a:rPr lang="de-DE" dirty="0"/>
+              <a:t>Gesamtbilanz</a:t>
+            </a:r>
+          </a:p>
+        </p:txBody>
+      </p:sp>
+      <p:sp>
+        <p:nvSpPr>
+          <p:cNvPr id="4" name="Foliennummernplatzhalter 3">
+            <a:extLst>
+              <a:ext uri="{FF2B5EF4-FFF2-40B4-BE49-F238E27FC236}">
+                <a16:creationId xmlns:a16="http://schemas.microsoft.com/office/drawing/2014/main" id="{9FC9BD66-E7D7-46E4-8A3D-ABF08191EFFE}"/>
+              </a:ext>
+            </a:extLst>
+          </p:cNvPr>
+          <p:cNvSpPr>
+            <a:spLocks noGrp="1"/>
+          </p:cNvSpPr>
+          <p:nvPr>
+            <p:ph type="sldNum" sz="quarter" idx="12"/>
+          </p:nvPr>
+        </p:nvSpPr>
+        <p:spPr/>
+        <p:txBody>
+          <a:bodyPr/>
+          <a:lstStyle/>
+          <a:p>
+            <a:fld id="{4FAB73BC-B049-4115-A692-8D63A059BFB8}" type="slidenum">
+              <a:rPr lang="en-US" smtClean="0"/>
+              <a:t>20</a:t>
+            </a:fld>
+            <a:endParaRPr lang="en-US" dirty="0"/>
+          </a:p>
+        </p:txBody>
+      </p:sp>
+      <p:graphicFrame>
+        <p:nvGraphicFramePr>
+          <p:cNvPr id="5" name="Diagramm 4">
+            <a:extLst>
+              <a:ext uri="{FF2B5EF4-FFF2-40B4-BE49-F238E27FC236}">
+                <a16:creationId xmlns:a16="http://schemas.microsoft.com/office/drawing/2014/main" id="{5DDC0C67-C01D-45CC-861A-479DCF258D0F}"/>
+              </a:ext>
+            </a:extLst>
+          </p:cNvPr>
+          <p:cNvGraphicFramePr>
+            <a:graphicFrameLocks/>
+          </p:cNvGraphicFramePr>
+          <p:nvPr>
+            <p:extLst>
+              <p:ext uri="{D42A27DB-BD31-4B8C-83A1-F6EECF244321}">
+                <p14:modId xmlns:p14="http://schemas.microsoft.com/office/powerpoint/2010/main" val="923949981"/>
+              </p:ext>
+            </p:extLst>
+          </p:nvPr>
+        </p:nvGraphicFramePr>
+        <p:xfrm>
+          <a:off x="1105050" y="1771048"/>
+          <a:ext cx="10017102" cy="4602320"/>
+        </p:xfrm>
+        <a:graphic>
+          <a:graphicData uri="http://schemas.openxmlformats.org/drawingml/2006/chart">
+            <c:chart xmlns:c="http://schemas.openxmlformats.org/drawingml/2006/chart" xmlns:r="http://schemas.openxmlformats.org/officeDocument/2006/relationships" r:id="rId2"/>
+          </a:graphicData>
+        </a:graphic>
+      </p:graphicFrame>
+    </p:spTree>
+    <p:extLst>
+      <p:ext uri="{BB962C8B-B14F-4D97-AF65-F5344CB8AC3E}">
+        <p14:creationId xmlns:p14="http://schemas.microsoft.com/office/powerpoint/2010/main" val="4099497869"/>
+      </p:ext>
+    </p:extLst>
+  </p:cSld>
+  <p:clrMapOvr>
+    <a:masterClrMapping/>
+  </p:clrMapOvr>
+</p:sld>
+</file>
+
+<file path=ppt/slides/slide21.xml><?xml version="1.0" encoding="utf-8"?>
+<p:sld xmlns:a="http://schemas.openxmlformats.org/drawingml/2006/main" xmlns:r="http://schemas.openxmlformats.org/officeDocument/2006/relationships" xmlns:p="http://schemas.openxmlformats.org/presentationml/2006/main">
+  <p:cSld>
+    <p:spTree>
+      <p:nvGrpSpPr>
+        <p:cNvPr id="1" name=""/>
+        <p:cNvGrpSpPr/>
+        <p:nvPr/>
+      </p:nvGrpSpPr>
+      <p:grpSpPr>
+        <a:xfrm>
+          <a:off x="0" y="0"/>
+          <a:ext cx="0" cy="0"/>
+          <a:chOff x="0" y="0"/>
+          <a:chExt cx="0" cy="0"/>
+        </a:xfrm>
+      </p:grpSpPr>
+      <p:sp>
+        <p:nvSpPr>
+          <p:cNvPr id="2" name="Titel 1">
+            <a:extLst>
+              <a:ext uri="{FF2B5EF4-FFF2-40B4-BE49-F238E27FC236}">
+                <a16:creationId xmlns:a16="http://schemas.microsoft.com/office/drawing/2014/main" id="{18FB7D32-4568-41B2-93A8-934F6A49042E}"/>
+              </a:ext>
+            </a:extLst>
+          </p:cNvPr>
+          <p:cNvSpPr>
+            <a:spLocks noGrp="1"/>
+          </p:cNvSpPr>
+          <p:nvPr>
+            <p:ph type="title"/>
+          </p:nvPr>
+        </p:nvSpPr>
+        <p:spPr/>
+        <p:txBody>
+          <a:bodyPr/>
+          <a:lstStyle/>
+          <a:p>
+            <a:r>
+              <a:rPr lang="de-DE" dirty="0"/>
+              <a:t>Geschäftsform</a:t>
+            </a:r>
+          </a:p>
+        </p:txBody>
+      </p:sp>
+      <p:sp>
+        <p:nvSpPr>
+          <p:cNvPr id="3" name="Inhaltsplatzhalter 2">
+            <a:extLst>
+              <a:ext uri="{FF2B5EF4-FFF2-40B4-BE49-F238E27FC236}">
+                <a16:creationId xmlns:a16="http://schemas.microsoft.com/office/drawing/2014/main" id="{6C287BC1-B35D-4006-857F-BB78294722E3}"/>
+              </a:ext>
+            </a:extLst>
+          </p:cNvPr>
+          <p:cNvSpPr>
+            <a:spLocks noGrp="1"/>
+          </p:cNvSpPr>
+          <p:nvPr>
+            <p:ph idx="1"/>
+          </p:nvPr>
+        </p:nvSpPr>
+        <p:spPr>
+          <a:xfrm>
+            <a:off x="1069848" y="2121408"/>
+            <a:ext cx="10058400" cy="4050792"/>
+          </a:xfrm>
+        </p:spPr>
+        <p:txBody>
+          <a:bodyPr/>
+          <a:lstStyle/>
+          <a:p>
+            <a:r>
+              <a:rPr lang="de-DE" dirty="0"/>
+              <a:t>UG / GbR</a:t>
+            </a:r>
+          </a:p>
+          <a:p>
+            <a:r>
+              <a:rPr lang="de-DE" dirty="0"/>
+              <a:t>eigentlich egal, da mit unserem Produkt keine großen Risiken</a:t>
+            </a:r>
+          </a:p>
+          <a:p>
+            <a:r>
+              <a:rPr lang="de-DE" dirty="0"/>
+              <a:t>ggf. leichtere Finanzierung</a:t>
+            </a:r>
+          </a:p>
+        </p:txBody>
+      </p:sp>
+      <p:sp>
+        <p:nvSpPr>
+          <p:cNvPr id="4" name="Foliennummernplatzhalter 3">
+            <a:extLst>
+              <a:ext uri="{FF2B5EF4-FFF2-40B4-BE49-F238E27FC236}">
+                <a16:creationId xmlns:a16="http://schemas.microsoft.com/office/drawing/2014/main" id="{41C9D3B1-3260-4C0F-86BA-20AECCB39590}"/>
+              </a:ext>
+            </a:extLst>
+          </p:cNvPr>
+          <p:cNvSpPr>
+            <a:spLocks noGrp="1"/>
+          </p:cNvSpPr>
+          <p:nvPr>
+            <p:ph type="sldNum" sz="quarter" idx="12"/>
+          </p:nvPr>
+        </p:nvSpPr>
+        <p:spPr/>
+        <p:txBody>
+          <a:bodyPr/>
+          <a:lstStyle/>
+          <a:p>
+            <a:fld id="{4FAB73BC-B049-4115-A692-8D63A059BFB8}" type="slidenum">
+              <a:rPr lang="en-US" smtClean="0"/>
+              <a:t>21</a:t>
+            </a:fld>
+            <a:endParaRPr lang="en-US" dirty="0"/>
+          </a:p>
+        </p:txBody>
+      </p:sp>
+    </p:spTree>
+    <p:extLst>
+      <p:ext uri="{BB962C8B-B14F-4D97-AF65-F5344CB8AC3E}">
+        <p14:creationId xmlns:p14="http://schemas.microsoft.com/office/powerpoint/2010/main" val="828659712"/>
+      </p:ext>
+    </p:extLst>
+  </p:cSld>
+  <p:clrMapOvr>
+    <a:masterClrMapping/>
+  </p:clrMapOvr>
+</p:sld>
+</file>
+
+<file path=ppt/slides/slide22.xml><?xml version="1.0" encoding="utf-8"?>
+<p:sld xmlns:a="http://schemas.openxmlformats.org/drawingml/2006/main" xmlns:r="http://schemas.openxmlformats.org/officeDocument/2006/relationships" xmlns:p="http://schemas.openxmlformats.org/presentationml/2006/main">
+  <p:cSld>
+    <p:spTree>
+      <p:nvGrpSpPr>
+        <p:cNvPr id="1" name=""/>
+        <p:cNvGrpSpPr/>
+        <p:nvPr/>
+      </p:nvGrpSpPr>
+      <p:grpSpPr>
+        <a:xfrm>
+          <a:off x="0" y="0"/>
+          <a:ext cx="0" cy="0"/>
+          <a:chOff x="0" y="0"/>
+          <a:chExt cx="0" cy="0"/>
+        </a:xfrm>
+      </p:grpSpPr>
+      <p:sp>
+        <p:nvSpPr>
+          <p:cNvPr id="2" name="Titel 1">
+            <a:extLst>
+              <a:ext uri="{FF2B5EF4-FFF2-40B4-BE49-F238E27FC236}">
+                <a16:creationId xmlns:a16="http://schemas.microsoft.com/office/drawing/2014/main" id="{3CFA8E29-93D0-4B49-A698-120EE54213B0}"/>
+              </a:ext>
+            </a:extLst>
+          </p:cNvPr>
+          <p:cNvSpPr>
+            <a:spLocks noGrp="1"/>
+          </p:cNvSpPr>
+          <p:nvPr>
+            <p:ph type="title"/>
+          </p:nvPr>
+        </p:nvSpPr>
+        <p:spPr/>
+        <p:txBody>
+          <a:bodyPr/>
+          <a:lstStyle/>
+          <a:p>
+            <a:r>
+              <a:rPr lang="de-DE" dirty="0"/>
+              <a:t>Patent oder schnell in den Markt?</a:t>
+            </a:r>
+          </a:p>
+        </p:txBody>
+      </p:sp>
+      <p:sp>
+        <p:nvSpPr>
+          <p:cNvPr id="3" name="Inhaltsplatzhalter 2">
+            <a:extLst>
+              <a:ext uri="{FF2B5EF4-FFF2-40B4-BE49-F238E27FC236}">
+                <a16:creationId xmlns:a16="http://schemas.microsoft.com/office/drawing/2014/main" id="{4A31E7D8-02C1-4060-8249-2F761FAC0AC0}"/>
+              </a:ext>
+            </a:extLst>
+          </p:cNvPr>
+          <p:cNvSpPr>
+            <a:spLocks noGrp="1"/>
+          </p:cNvSpPr>
+          <p:nvPr>
+            <p:ph idx="1"/>
+          </p:nvPr>
+        </p:nvSpPr>
+        <p:spPr/>
+        <p:txBody>
+          <a:bodyPr/>
+          <a:lstStyle/>
+          <a:p>
+            <a:r>
+              <a:rPr lang="de-DE" dirty="0"/>
+              <a:t>Patent ist nicht notwendig</a:t>
+            </a:r>
+          </a:p>
+          <a:p>
+            <a:r>
+              <a:rPr lang="de-DE" dirty="0"/>
+              <a:t>Idee nicht patentierungswürdig</a:t>
+            </a:r>
+          </a:p>
+          <a:p>
+            <a:endParaRPr lang="de-DE" dirty="0">
+              <a:latin typeface="Architects Daughter" pitchFamily="2" charset="0"/>
+              <a:sym typeface="Wingdings" panose="05000000000000000000" pitchFamily="2" charset="2"/>
+            </a:endParaRPr>
+          </a:p>
+          <a:p>
+            <a:r>
+              <a:rPr lang="de-DE" dirty="0">
+                <a:latin typeface="Architects Daughter" pitchFamily="2" charset="0"/>
+                <a:sym typeface="Wingdings" panose="05000000000000000000" pitchFamily="2" charset="2"/>
+              </a:rPr>
+              <a:t> be fast or be last</a:t>
+            </a:r>
+            <a:endParaRPr lang="de-DE" dirty="0">
+              <a:latin typeface="Architects Daughter" pitchFamily="2" charset="0"/>
+            </a:endParaRPr>
+          </a:p>
+        </p:txBody>
+      </p:sp>
+      <p:sp>
+        <p:nvSpPr>
+          <p:cNvPr id="4" name="Foliennummernplatzhalter 3">
+            <a:extLst>
+              <a:ext uri="{FF2B5EF4-FFF2-40B4-BE49-F238E27FC236}">
+                <a16:creationId xmlns:a16="http://schemas.microsoft.com/office/drawing/2014/main" id="{44B69492-39C7-4B73-86EA-3E4270F5954D}"/>
+              </a:ext>
+            </a:extLst>
+          </p:cNvPr>
+          <p:cNvSpPr>
+            <a:spLocks noGrp="1"/>
+          </p:cNvSpPr>
+          <p:nvPr>
+            <p:ph type="sldNum" sz="quarter" idx="12"/>
+          </p:nvPr>
+        </p:nvSpPr>
+        <p:spPr/>
+        <p:txBody>
+          <a:bodyPr/>
+          <a:lstStyle/>
+          <a:p>
+            <a:fld id="{4FAB73BC-B049-4115-A692-8D63A059BFB8}" type="slidenum">
+              <a:rPr lang="en-US" smtClean="0"/>
+              <a:t>22</a:t>
+            </a:fld>
+            <a:endParaRPr lang="en-US" dirty="0"/>
+          </a:p>
+        </p:txBody>
+      </p:sp>
+    </p:spTree>
+    <p:extLst>
+      <p:ext uri="{BB962C8B-B14F-4D97-AF65-F5344CB8AC3E}">
+        <p14:creationId xmlns:p14="http://schemas.microsoft.com/office/powerpoint/2010/main" val="2825474165"/>
+      </p:ext>
+    </p:extLst>
+  </p:cSld>
+  <p:clrMapOvr>
+    <a:masterClrMapping/>
+  </p:clrMapOvr>
+</p:sld>
+</file>
+
+<file path=ppt/slides/slide23.xml><?xml version="1.0" encoding="utf-8"?>
 <p:sld xmlns:a="http://schemas.openxmlformats.org/drawingml/2006/main" xmlns:r="http://schemas.openxmlformats.org/officeDocument/2006/relationships" xmlns:p="http://schemas.openxmlformats.org/presentationml/2006/main">
   <p:cSld>
     <p:spTree>
@@ -7466,7 +10644,7 @@
           <a:p>
             <a:fld id="{4FAB73BC-B049-4115-A692-8D63A059BFB8}" type="slidenum">
               <a:rPr lang="en-US" smtClean="0"/>
-              <a:t>20</a:t>
+              <a:t>23</a:t>
             </a:fld>
             <a:endParaRPr lang="en-US" dirty="0"/>
           </a:p>
@@ -7485,7 +10663,378 @@
 </p:sld>
 </file>
 
-<file path=ppt/slides/slide21.xml><?xml version="1.0" encoding="utf-8"?>
+<file path=ppt/slides/slide24.xml><?xml version="1.0" encoding="utf-8"?>
+<p:sld xmlns:a="http://schemas.openxmlformats.org/drawingml/2006/main" xmlns:r="http://schemas.openxmlformats.org/officeDocument/2006/relationships" xmlns:p="http://schemas.openxmlformats.org/presentationml/2006/main" show="0">
+  <p:cSld>
+    <p:spTree>
+      <p:nvGrpSpPr>
+        <p:cNvPr id="1" name=""/>
+        <p:cNvGrpSpPr/>
+        <p:nvPr/>
+      </p:nvGrpSpPr>
+      <p:grpSpPr>
+        <a:xfrm>
+          <a:off x="0" y="0"/>
+          <a:ext cx="0" cy="0"/>
+          <a:chOff x="0" y="0"/>
+          <a:chExt cx="0" cy="0"/>
+        </a:xfrm>
+      </p:grpSpPr>
+      <p:sp>
+        <p:nvSpPr>
+          <p:cNvPr id="2" name="Titel 1">
+            <a:extLst>
+              <a:ext uri="{FF2B5EF4-FFF2-40B4-BE49-F238E27FC236}">
+                <a16:creationId xmlns:a16="http://schemas.microsoft.com/office/drawing/2014/main" id="{CFA9D40F-5403-4398-8CB7-74C11D2F42C8}"/>
+              </a:ext>
+            </a:extLst>
+          </p:cNvPr>
+          <p:cNvSpPr>
+            <a:spLocks noGrp="1"/>
+          </p:cNvSpPr>
+          <p:nvPr>
+            <p:ph type="title"/>
+          </p:nvPr>
+        </p:nvSpPr>
+        <p:spPr/>
+        <p:txBody>
+          <a:bodyPr/>
+          <a:lstStyle/>
+          <a:p>
+            <a:r>
+              <a:rPr lang="de-DE" dirty="0"/>
+              <a:t>Zeit- Aufgabenplan</a:t>
+            </a:r>
+          </a:p>
+        </p:txBody>
+      </p:sp>
+      <p:sp>
+        <p:nvSpPr>
+          <p:cNvPr id="3" name="Inhaltsplatzhalter 2">
+            <a:extLst>
+              <a:ext uri="{FF2B5EF4-FFF2-40B4-BE49-F238E27FC236}">
+                <a16:creationId xmlns:a16="http://schemas.microsoft.com/office/drawing/2014/main" id="{B631AECF-998B-41BD-ADC4-FB863999D3D0}"/>
+              </a:ext>
+            </a:extLst>
+          </p:cNvPr>
+          <p:cNvSpPr>
+            <a:spLocks noGrp="1"/>
+          </p:cNvSpPr>
+          <p:nvPr>
+            <p:ph idx="1"/>
+          </p:nvPr>
+        </p:nvSpPr>
+        <p:spPr/>
+        <p:txBody>
+          <a:bodyPr/>
+          <a:lstStyle/>
+          <a:p>
+            <a:r>
+              <a:rPr lang="de-DE" dirty="0">
+                <a:highlight>
+                  <a:srgbClr val="FFFF00"/>
+                </a:highlight>
+              </a:rPr>
+              <a:t>Business Model Canvas: Übereinstimmung mit Inhalten der Präsentation</a:t>
+            </a:r>
+          </a:p>
+          <a:p>
+            <a:r>
+              <a:rPr lang="de-DE" dirty="0">
+                <a:highlight>
+                  <a:srgbClr val="FFFF00"/>
+                </a:highlight>
+              </a:rPr>
+              <a:t>Gelbe Markierungen in Präsentation</a:t>
+            </a:r>
+          </a:p>
+          <a:p>
+            <a:r>
+              <a:rPr lang="de-DE" dirty="0">
+                <a:highlight>
+                  <a:srgbClr val="FFFF00"/>
+                </a:highlight>
+              </a:rPr>
+              <a:t>Teamvorstellung</a:t>
+            </a:r>
+          </a:p>
+          <a:p>
+            <a:endParaRPr lang="de-DE" dirty="0">
+              <a:highlight>
+                <a:srgbClr val="FFFF00"/>
+              </a:highlight>
+            </a:endParaRPr>
+          </a:p>
+          <a:p>
+            <a:r>
+              <a:rPr lang="de-DE" dirty="0">
+                <a:highlight>
+                  <a:srgbClr val="FFFF00"/>
+                </a:highlight>
+              </a:rPr>
+              <a:t>Team</a:t>
+            </a:r>
+          </a:p>
+          <a:p>
+            <a:r>
+              <a:rPr lang="de-DE" dirty="0">
+                <a:highlight>
+                  <a:srgbClr val="FFFF00"/>
+                </a:highlight>
+              </a:rPr>
+              <a:t>Idee</a:t>
+            </a:r>
+          </a:p>
+          <a:p>
+            <a:r>
+              <a:rPr lang="de-DE" dirty="0">
+                <a:highlight>
+                  <a:srgbClr val="FFFF00"/>
+                </a:highlight>
+              </a:rPr>
+              <a:t>Geschäftsmodell</a:t>
+            </a:r>
+          </a:p>
+          <a:p>
+            <a:r>
+              <a:rPr lang="de-DE" dirty="0">
+                <a:highlight>
+                  <a:srgbClr val="FFFF00"/>
+                </a:highlight>
+              </a:rPr>
+              <a:t>Markt</a:t>
+            </a:r>
+          </a:p>
+          <a:p>
+            <a:r>
+              <a:rPr lang="de-DE" dirty="0">
+                <a:highlight>
+                  <a:srgbClr val="FFFF00"/>
+                </a:highlight>
+              </a:rPr>
+              <a:t>Finanzierung</a:t>
+            </a:r>
+          </a:p>
+          <a:p>
+            <a:endParaRPr lang="de-DE" dirty="0"/>
+          </a:p>
+        </p:txBody>
+      </p:sp>
+      <p:sp>
+        <p:nvSpPr>
+          <p:cNvPr id="4" name="Foliennummernplatzhalter 3">
+            <a:extLst>
+              <a:ext uri="{FF2B5EF4-FFF2-40B4-BE49-F238E27FC236}">
+                <a16:creationId xmlns:a16="http://schemas.microsoft.com/office/drawing/2014/main" id="{B9385D0B-B429-4156-89CC-072FEC515C04}"/>
+              </a:ext>
+            </a:extLst>
+          </p:cNvPr>
+          <p:cNvSpPr>
+            <a:spLocks noGrp="1"/>
+          </p:cNvSpPr>
+          <p:nvPr>
+            <p:ph type="sldNum" sz="quarter" idx="12"/>
+          </p:nvPr>
+        </p:nvSpPr>
+        <p:spPr/>
+        <p:txBody>
+          <a:bodyPr/>
+          <a:lstStyle/>
+          <a:p>
+            <a:fld id="{4FAB73BC-B049-4115-A692-8D63A059BFB8}" type="slidenum">
+              <a:rPr lang="en-US" smtClean="0"/>
+              <a:t>24</a:t>
+            </a:fld>
+            <a:endParaRPr lang="en-US" dirty="0"/>
+          </a:p>
+        </p:txBody>
+      </p:sp>
+    </p:spTree>
+    <p:extLst>
+      <p:ext uri="{BB962C8B-B14F-4D97-AF65-F5344CB8AC3E}">
+        <p14:creationId xmlns:p14="http://schemas.microsoft.com/office/powerpoint/2010/main" val="2995140593"/>
+      </p:ext>
+    </p:extLst>
+  </p:cSld>
+  <p:clrMapOvr>
+    <a:masterClrMapping/>
+  </p:clrMapOvr>
+</p:sld>
+</file>
+
+<file path=ppt/slides/slide25.xml><?xml version="1.0" encoding="utf-8"?>
+<p:sld xmlns:a="http://schemas.openxmlformats.org/drawingml/2006/main" xmlns:r="http://schemas.openxmlformats.org/officeDocument/2006/relationships" xmlns:p="http://schemas.openxmlformats.org/presentationml/2006/main" show="0">
+  <p:cSld>
+    <p:spTree>
+      <p:nvGrpSpPr>
+        <p:cNvPr id="1" name=""/>
+        <p:cNvGrpSpPr/>
+        <p:nvPr/>
+      </p:nvGrpSpPr>
+      <p:grpSpPr>
+        <a:xfrm>
+          <a:off x="0" y="0"/>
+          <a:ext cx="0" cy="0"/>
+          <a:chOff x="0" y="0"/>
+          <a:chExt cx="0" cy="0"/>
+        </a:xfrm>
+      </p:grpSpPr>
+      <p:sp>
+        <p:nvSpPr>
+          <p:cNvPr id="2" name="Titel 1">
+            <a:extLst>
+              <a:ext uri="{FF2B5EF4-FFF2-40B4-BE49-F238E27FC236}">
+                <a16:creationId xmlns:a16="http://schemas.microsoft.com/office/drawing/2014/main" id="{92F17B80-B848-4FF2-B2DC-549BEB3592E4}"/>
+              </a:ext>
+            </a:extLst>
+          </p:cNvPr>
+          <p:cNvSpPr>
+            <a:spLocks noGrp="1"/>
+          </p:cNvSpPr>
+          <p:nvPr>
+            <p:ph type="title"/>
+          </p:nvPr>
+        </p:nvSpPr>
+        <p:spPr/>
+        <p:txBody>
+          <a:bodyPr/>
+          <a:lstStyle/>
+          <a:p>
+            <a:r>
+              <a:rPr lang="de-DE" dirty="0"/>
+              <a:t>Ideen aus alten Präsentationen</a:t>
+            </a:r>
+          </a:p>
+        </p:txBody>
+      </p:sp>
+      <p:sp>
+        <p:nvSpPr>
+          <p:cNvPr id="3" name="Inhaltsplatzhalter 2">
+            <a:extLst>
+              <a:ext uri="{FF2B5EF4-FFF2-40B4-BE49-F238E27FC236}">
+                <a16:creationId xmlns:a16="http://schemas.microsoft.com/office/drawing/2014/main" id="{79522FA9-B9CD-44A9-9C50-1CA367710F01}"/>
+              </a:ext>
+            </a:extLst>
+          </p:cNvPr>
+          <p:cNvSpPr>
+            <a:spLocks noGrp="1"/>
+          </p:cNvSpPr>
+          <p:nvPr>
+            <p:ph idx="1"/>
+          </p:nvPr>
+        </p:nvSpPr>
+        <p:spPr/>
+        <p:txBody>
+          <a:bodyPr/>
+          <a:lstStyle/>
+          <a:p>
+            <a:r>
+              <a:rPr lang="de-DE" dirty="0">
+                <a:highlight>
+                  <a:srgbClr val="FF0000"/>
+                </a:highlight>
+              </a:rPr>
+              <a:t>Produkt mit Bildern</a:t>
+            </a:r>
+          </a:p>
+          <a:p>
+            <a:r>
+              <a:rPr lang="de-DE" dirty="0"/>
+              <a:t>Team, wer wie was?</a:t>
+            </a:r>
+          </a:p>
+          <a:p>
+            <a:r>
+              <a:rPr lang="de-DE" dirty="0"/>
+              <a:t>BMC als Struktur für Rest</a:t>
+            </a:r>
+          </a:p>
+          <a:p>
+            <a:r>
+              <a:rPr lang="de-DE" dirty="0"/>
+              <a:t>Wie Vertrieb?</a:t>
+            </a:r>
+          </a:p>
+          <a:p>
+            <a:r>
+              <a:rPr lang="de-DE" dirty="0"/>
+              <a:t>Gewinnentwicklung als Diagramm</a:t>
+            </a:r>
+          </a:p>
+          <a:p>
+            <a:pPr lvl="1"/>
+            <a:r>
+              <a:rPr lang="de-DE" dirty="0">
+                <a:sym typeface="Wingdings" panose="05000000000000000000" pitchFamily="2" charset="2"/>
+              </a:rPr>
+              <a:t> wie ändert sich das mit anderen Parametern</a:t>
+            </a:r>
+          </a:p>
+          <a:p>
+            <a:r>
+              <a:rPr lang="de-DE" dirty="0">
+                <a:sym typeface="Wingdings" panose="05000000000000000000" pitchFamily="2" charset="2"/>
+              </a:rPr>
+              <a:t>Woher Geld?</a:t>
+            </a:r>
+          </a:p>
+          <a:p>
+            <a:r>
+              <a:rPr lang="de-DE" dirty="0">
+                <a:sym typeface="Wingdings" panose="05000000000000000000" pitchFamily="2" charset="2"/>
+              </a:rPr>
+              <a:t>Beispielfolie mit 15-20 Folien ist „detailliert“ bei Kurs mit 2/3 der Stundenzahl</a:t>
+            </a:r>
+            <a:endParaRPr lang="de-DE" dirty="0"/>
+          </a:p>
+          <a:p>
+            <a:endParaRPr lang="de-DE" dirty="0"/>
+          </a:p>
+        </p:txBody>
+      </p:sp>
+      <p:sp>
+        <p:nvSpPr>
+          <p:cNvPr id="4" name="Foliennummernplatzhalter 3">
+            <a:extLst>
+              <a:ext uri="{FF2B5EF4-FFF2-40B4-BE49-F238E27FC236}">
+                <a16:creationId xmlns:a16="http://schemas.microsoft.com/office/drawing/2014/main" id="{AB056075-0060-40D5-B901-8FDC0E666187}"/>
+              </a:ext>
+            </a:extLst>
+          </p:cNvPr>
+          <p:cNvSpPr>
+            <a:spLocks noGrp="1"/>
+          </p:cNvSpPr>
+          <p:nvPr>
+            <p:ph type="sldNum" sz="quarter" idx="12"/>
+          </p:nvPr>
+        </p:nvSpPr>
+        <p:spPr/>
+        <p:txBody>
+          <a:bodyPr/>
+          <a:lstStyle/>
+          <a:p>
+            <a:fld id="{4FAB73BC-B049-4115-A692-8D63A059BFB8}" type="slidenum">
+              <a:rPr lang="en-US" smtClean="0"/>
+              <a:t>25</a:t>
+            </a:fld>
+            <a:endParaRPr lang="en-US" dirty="0"/>
+          </a:p>
+        </p:txBody>
+      </p:sp>
+    </p:spTree>
+    <p:extLst>
+      <p:ext uri="{BB962C8B-B14F-4D97-AF65-F5344CB8AC3E}">
+        <p14:creationId xmlns:p14="http://schemas.microsoft.com/office/powerpoint/2010/main" val="3686993719"/>
+      </p:ext>
+    </p:extLst>
+  </p:cSld>
+  <p:clrMapOvr>
+    <a:masterClrMapping/>
+  </p:clrMapOvr>
+</p:sld>
+</file>
+
+<file path=ppt/slides/slide26.xml><?xml version="1.0" encoding="utf-8"?>
 <p:sld xmlns:a="http://schemas.openxmlformats.org/drawingml/2006/main" xmlns:r="http://schemas.openxmlformats.org/officeDocument/2006/relationships" xmlns:p="http://schemas.openxmlformats.org/presentationml/2006/main">
   <p:cSld>
     <p:spTree>
@@ -7507,7 +11056,7 @@
           <p:cNvPr id="2" name="Titel 1">
             <a:extLst>
               <a:ext uri="{FF2B5EF4-FFF2-40B4-BE49-F238E27FC236}">
-                <a16:creationId xmlns:a16="http://schemas.microsoft.com/office/drawing/2014/main" id="{CFA9D40F-5403-4398-8CB7-74C11D2F42C8}"/>
+                <a16:creationId xmlns:a16="http://schemas.microsoft.com/office/drawing/2014/main" id="{500DF2DF-CE25-48F1-8015-8A83D3005959}"/>
               </a:ext>
             </a:extLst>
           </p:cNvPr>
@@ -7525,7 +11074,7 @@
           <a:p>
             <a:r>
               <a:rPr lang="de-DE" dirty="0"/>
-              <a:t>Zeit- Aufgabenplan</a:t>
+              <a:t>Fazit</a:t>
             </a:r>
           </a:p>
         </p:txBody>
@@ -7535,7 +11084,7 @@
           <p:cNvPr id="3" name="Inhaltsplatzhalter 2">
             <a:extLst>
               <a:ext uri="{FF2B5EF4-FFF2-40B4-BE49-F238E27FC236}">
-                <a16:creationId xmlns:a16="http://schemas.microsoft.com/office/drawing/2014/main" id="{B631AECF-998B-41BD-ADC4-FB863999D3D0}"/>
+                <a16:creationId xmlns:a16="http://schemas.microsoft.com/office/drawing/2014/main" id="{9DB68B9D-D0B2-42A6-8338-6A37432F7586}"/>
               </a:ext>
             </a:extLst>
           </p:cNvPr>
@@ -7552,90 +11101,43 @@
           <a:lstStyle/>
           <a:p>
             <a:r>
+              <a:rPr lang="de-DE" dirty="0"/>
+              <a:t>Optimistisch geschätzter Zuwachs an Kunden</a:t>
+            </a:r>
+          </a:p>
+          <a:p>
+            <a:r>
+              <a:rPr lang="de-DE" dirty="0"/>
+              <a:t>Hohe Kosten für gemeinnützige Organisationen als Hauptzielgruppe</a:t>
+            </a:r>
+          </a:p>
+          <a:p>
+            <a:r>
+              <a:rPr lang="de-DE" dirty="0"/>
+              <a:t>Hoher Erfolgsdruck auf Produkt „Wenn es schnell gehen muss, darf die App nicht versagen.“</a:t>
+            </a:r>
+          </a:p>
+          <a:p>
+            <a:r>
               <a:rPr lang="de-DE" dirty="0">
-                <a:highlight>
-                  <a:srgbClr val="FFFF00"/>
-                </a:highlight>
+                <a:sym typeface="Wingdings" panose="05000000000000000000" pitchFamily="2" charset="2"/>
               </a:rPr>
-              <a:t>Business Model Canvas: Übereinstimmung mit Inhalten der Präsentation</a:t>
-            </a:r>
+              <a:t> Kein überzeugendes Geschäftsmodell</a:t>
+            </a:r>
+          </a:p>
+          <a:p>
+            <a:endParaRPr lang="de-DE" dirty="0">
+              <a:sym typeface="Wingdings" panose="05000000000000000000" pitchFamily="2" charset="2"/>
+            </a:endParaRPr>
           </a:p>
           <a:p>
             <a:r>
               <a:rPr lang="de-DE" dirty="0">
-                <a:highlight>
-                  <a:srgbClr val="FFFF00"/>
-                </a:highlight>
+                <a:sym typeface="Wingdings" panose="05000000000000000000" pitchFamily="2" charset="2"/>
               </a:rPr>
-              <a:t>Gelbe Markierungen in Präsentation</a:t>
-            </a:r>
-          </a:p>
-          <a:p>
-            <a:r>
-              <a:rPr lang="de-DE" dirty="0">
-                <a:highlight>
-                  <a:srgbClr val="FFFF00"/>
-                </a:highlight>
-              </a:rPr>
-              <a:t>Teamvorstellung</a:t>
-            </a:r>
-          </a:p>
-          <a:p>
-            <a:endParaRPr lang="de-DE" dirty="0">
-              <a:highlight>
-                <a:srgbClr val="FFFF00"/>
-              </a:highlight>
-            </a:endParaRPr>
-          </a:p>
-          <a:p>
-            <a:r>
-              <a:rPr lang="de-DE" dirty="0">
-                <a:highlight>
-                  <a:srgbClr val="FFFF00"/>
-                </a:highlight>
-              </a:rPr>
-              <a:t>Team</a:t>
-            </a:r>
-          </a:p>
-          <a:p>
-            <a:r>
-              <a:rPr lang="de-DE" dirty="0">
-                <a:highlight>
-                  <a:srgbClr val="FFFF00"/>
-                </a:highlight>
-              </a:rPr>
-              <a:t>Idee</a:t>
-            </a:r>
-          </a:p>
-          <a:p>
-            <a:r>
-              <a:rPr lang="de-DE" dirty="0">
-                <a:highlight>
-                  <a:srgbClr val="FFFF00"/>
-                </a:highlight>
-              </a:rPr>
-              <a:t>Geschäftsmodell</a:t>
-            </a:r>
-          </a:p>
-          <a:p>
-            <a:r>
-              <a:rPr lang="de-DE" dirty="0">
-                <a:highlight>
-                  <a:srgbClr val="FFFF00"/>
-                </a:highlight>
-              </a:rPr>
-              <a:t>Markt</a:t>
-            </a:r>
-          </a:p>
-          <a:p>
-            <a:r>
-              <a:rPr lang="de-DE" dirty="0">
-                <a:highlight>
-                  <a:srgbClr val="FFFF00"/>
-                </a:highlight>
-              </a:rPr>
-              <a:t>Finanzierung</a:t>
-            </a:r>
+              <a:t>Alternative: unentgeltliche Open-Source-Entwicklung mit geringen Kosten, um Fixkosten zu decken </a:t>
+            </a:r>
+            <a:endParaRPr lang="de-DE" dirty="0"/>
           </a:p>
           <a:p>
             <a:endParaRPr lang="de-DE" dirty="0"/>
@@ -7647,7 +11149,7 @@
           <p:cNvPr id="4" name="Foliennummernplatzhalter 3">
             <a:extLst>
               <a:ext uri="{FF2B5EF4-FFF2-40B4-BE49-F238E27FC236}">
-                <a16:creationId xmlns:a16="http://schemas.microsoft.com/office/drawing/2014/main" id="{B9385D0B-B429-4156-89CC-072FEC515C04}"/>
+                <a16:creationId xmlns:a16="http://schemas.microsoft.com/office/drawing/2014/main" id="{3136C2B1-E9DF-4AFD-B886-402B9160B41F}"/>
               </a:ext>
             </a:extLst>
           </p:cNvPr>
@@ -7665,7 +11167,7 @@
           <a:p>
             <a:fld id="{4FAB73BC-B049-4115-A692-8D63A059BFB8}" type="slidenum">
               <a:rPr lang="en-US" smtClean="0"/>
-              <a:t>21</a:t>
+              <a:t>26</a:t>
             </a:fld>
             <a:endParaRPr lang="en-US" dirty="0"/>
           </a:p>
@@ -7674,179 +11176,7 @@
     </p:spTree>
     <p:extLst>
       <p:ext uri="{BB962C8B-B14F-4D97-AF65-F5344CB8AC3E}">
-        <p14:creationId xmlns:p14="http://schemas.microsoft.com/office/powerpoint/2010/main" val="2995140593"/>
-      </p:ext>
-    </p:extLst>
-  </p:cSld>
-  <p:clrMapOvr>
-    <a:masterClrMapping/>
-  </p:clrMapOvr>
-</p:sld>
-</file>
-
-<file path=ppt/slides/slide22.xml><?xml version="1.0" encoding="utf-8"?>
-<p:sld xmlns:a="http://schemas.openxmlformats.org/drawingml/2006/main" xmlns:r="http://schemas.openxmlformats.org/officeDocument/2006/relationships" xmlns:p="http://schemas.openxmlformats.org/presentationml/2006/main">
-  <p:cSld>
-    <p:spTree>
-      <p:nvGrpSpPr>
-        <p:cNvPr id="1" name=""/>
-        <p:cNvGrpSpPr/>
-        <p:nvPr/>
-      </p:nvGrpSpPr>
-      <p:grpSpPr>
-        <a:xfrm>
-          <a:off x="0" y="0"/>
-          <a:ext cx="0" cy="0"/>
-          <a:chOff x="0" y="0"/>
-          <a:chExt cx="0" cy="0"/>
-        </a:xfrm>
-      </p:grpSpPr>
-      <p:sp>
-        <p:nvSpPr>
-          <p:cNvPr id="2" name="Titel 1">
-            <a:extLst>
-              <a:ext uri="{FF2B5EF4-FFF2-40B4-BE49-F238E27FC236}">
-                <a16:creationId xmlns:a16="http://schemas.microsoft.com/office/drawing/2014/main" id="{92F17B80-B848-4FF2-B2DC-549BEB3592E4}"/>
-              </a:ext>
-            </a:extLst>
-          </p:cNvPr>
-          <p:cNvSpPr>
-            <a:spLocks noGrp="1"/>
-          </p:cNvSpPr>
-          <p:nvPr>
-            <p:ph type="title"/>
-          </p:nvPr>
-        </p:nvSpPr>
-        <p:spPr/>
-        <p:txBody>
-          <a:bodyPr/>
-          <a:lstStyle/>
-          <a:p>
-            <a:r>
-              <a:rPr lang="de-DE" dirty="0"/>
-              <a:t>Ideen aus alten Präsentationen</a:t>
-            </a:r>
-          </a:p>
-        </p:txBody>
-      </p:sp>
-      <p:sp>
-        <p:nvSpPr>
-          <p:cNvPr id="3" name="Inhaltsplatzhalter 2">
-            <a:extLst>
-              <a:ext uri="{FF2B5EF4-FFF2-40B4-BE49-F238E27FC236}">
-                <a16:creationId xmlns:a16="http://schemas.microsoft.com/office/drawing/2014/main" id="{79522FA9-B9CD-44A9-9C50-1CA367710F01}"/>
-              </a:ext>
-            </a:extLst>
-          </p:cNvPr>
-          <p:cNvSpPr>
-            <a:spLocks noGrp="1"/>
-          </p:cNvSpPr>
-          <p:nvPr>
-            <p:ph idx="1"/>
-          </p:nvPr>
-        </p:nvSpPr>
-        <p:spPr/>
-        <p:txBody>
-          <a:bodyPr/>
-          <a:lstStyle/>
-          <a:p>
-            <a:r>
-              <a:rPr lang="de-DE" dirty="0">
-                <a:highlight>
-                  <a:srgbClr val="FF0000"/>
-                </a:highlight>
-              </a:rPr>
-              <a:t>Produkt mit Bildern</a:t>
-            </a:r>
-          </a:p>
-          <a:p>
-            <a:r>
-              <a:rPr lang="de-DE" dirty="0"/>
-              <a:t>Team, wer wie was?</a:t>
-            </a:r>
-          </a:p>
-          <a:p>
-            <a:r>
-              <a:rPr lang="de-DE" dirty="0"/>
-              <a:t>BMC als Struktur für Rest</a:t>
-            </a:r>
-          </a:p>
-          <a:p>
-            <a:r>
-              <a:rPr lang="de-DE" dirty="0"/>
-              <a:t>Wie Vertrieb?</a:t>
-            </a:r>
-          </a:p>
-          <a:p>
-            <a:r>
-              <a:rPr lang="de-DE" dirty="0"/>
-              <a:t>Gewinnentwicklung als Diagramm</a:t>
-            </a:r>
-          </a:p>
-          <a:p>
-            <a:pPr lvl="1"/>
-            <a:r>
-              <a:rPr lang="de-DE" dirty="0">
-                <a:sym typeface="Wingdings" panose="05000000000000000000" pitchFamily="2" charset="2"/>
-              </a:rPr>
-              <a:t> wie ändert sich das mit anderen Parametern</a:t>
-            </a:r>
-          </a:p>
-          <a:p>
-            <a:r>
-              <a:rPr lang="de-DE" dirty="0">
-                <a:sym typeface="Wingdings" panose="05000000000000000000" pitchFamily="2" charset="2"/>
-              </a:rPr>
-              <a:t>Woher Geld?</a:t>
-            </a:r>
-          </a:p>
-          <a:p>
-            <a:r>
-              <a:rPr lang="de-DE" dirty="0">
-                <a:sym typeface="Wingdings" panose="05000000000000000000" pitchFamily="2" charset="2"/>
-              </a:rPr>
-              <a:t>Beispielfolie mit 15-20 Folien ist „detailliert“ bei Kurs mit 2/3 der Stundenzahl</a:t>
-            </a:r>
-            <a:endParaRPr lang="de-DE" dirty="0"/>
-          </a:p>
-          <a:p>
-            <a:endParaRPr lang="de-DE" dirty="0"/>
-          </a:p>
-        </p:txBody>
-      </p:sp>
-      <p:sp>
-        <p:nvSpPr>
-          <p:cNvPr id="4" name="Foliennummernplatzhalter 3">
-            <a:extLst>
-              <a:ext uri="{FF2B5EF4-FFF2-40B4-BE49-F238E27FC236}">
-                <a16:creationId xmlns:a16="http://schemas.microsoft.com/office/drawing/2014/main" id="{AB056075-0060-40D5-B901-8FDC0E666187}"/>
-              </a:ext>
-            </a:extLst>
-          </p:cNvPr>
-          <p:cNvSpPr>
-            <a:spLocks noGrp="1"/>
-          </p:cNvSpPr>
-          <p:nvPr>
-            <p:ph type="sldNum" sz="quarter" idx="12"/>
-          </p:nvPr>
-        </p:nvSpPr>
-        <p:spPr/>
-        <p:txBody>
-          <a:bodyPr/>
-          <a:lstStyle/>
-          <a:p>
-            <a:fld id="{4FAB73BC-B049-4115-A692-8D63A059BFB8}" type="slidenum">
-              <a:rPr lang="en-US" smtClean="0"/>
-              <a:t>22</a:t>
-            </a:fld>
-            <a:endParaRPr lang="en-US" dirty="0"/>
-          </a:p>
-        </p:txBody>
-      </p:sp>
-    </p:spTree>
-    <p:extLst>
-      <p:ext uri="{BB962C8B-B14F-4D97-AF65-F5344CB8AC3E}">
-        <p14:creationId xmlns:p14="http://schemas.microsoft.com/office/powerpoint/2010/main" val="3686993719"/>
+        <p14:creationId xmlns:p14="http://schemas.microsoft.com/office/powerpoint/2010/main" val="860019978"/>
       </p:ext>
     </p:extLst>
   </p:cSld>
@@ -8171,6 +11501,194 @@
           </a:p>
         </p:txBody>
       </p:sp>
+      <p:grpSp>
+        <p:nvGrpSpPr>
+          <p:cNvPr id="5" name="Group 46">
+            <a:extLst>
+              <a:ext uri="{FF2B5EF4-FFF2-40B4-BE49-F238E27FC236}">
+                <a16:creationId xmlns:a16="http://schemas.microsoft.com/office/drawing/2014/main" id="{3E850DD1-5678-40CD-BD7B-AE3C4259BB2F}"/>
+              </a:ext>
+            </a:extLst>
+          </p:cNvPr>
+          <p:cNvGrpSpPr>
+            <a:grpSpLocks noChangeAspect="1"/>
+          </p:cNvGrpSpPr>
+          <p:nvPr/>
+        </p:nvGrpSpPr>
+        <p:grpSpPr>
+          <a:xfrm>
+            <a:off x="7855421" y="787109"/>
+            <a:ext cx="3627518" cy="5729101"/>
+            <a:chOff x="4606215" y="1799783"/>
+            <a:chExt cx="3011098" cy="4755562"/>
+          </a:xfrm>
+        </p:grpSpPr>
+        <p:pic>
+          <p:nvPicPr>
+            <p:cNvPr id="6" name="Picture 47">
+              <a:extLst>
+                <a:ext uri="{FF2B5EF4-FFF2-40B4-BE49-F238E27FC236}">
+                  <a16:creationId xmlns:a16="http://schemas.microsoft.com/office/drawing/2014/main" id="{0C0907D4-288D-4EDB-8DFB-FBF7CE4CD16B}"/>
+                </a:ext>
+              </a:extLst>
+            </p:cNvPr>
+            <p:cNvPicPr>
+              <a:picLocks noChangeAspect="1"/>
+            </p:cNvPicPr>
+            <p:nvPr/>
+          </p:nvPicPr>
+          <p:blipFill rotWithShape="1">
+            <a:blip r:embed="rId2" cstate="screen">
+              <a:extLst>
+                <a:ext uri="{28A0092B-C50C-407E-A947-70E740481C1C}">
+                  <a14:useLocalDpi xmlns:a14="http://schemas.microsoft.com/office/drawing/2010/main"/>
+                </a:ext>
+              </a:extLst>
+            </a:blip>
+            <a:srcRect/>
+            <a:stretch/>
+          </p:blipFill>
+          <p:spPr>
+            <a:xfrm>
+              <a:off x="4606215" y="1799783"/>
+              <a:ext cx="3011098" cy="4755562"/>
+            </a:xfrm>
+            <a:prstGeom prst="rect">
+              <a:avLst/>
+            </a:prstGeom>
+          </p:spPr>
+        </p:pic>
+        <p:sp>
+          <p:nvSpPr>
+            <p:cNvPr id="7" name="Rectangle 48">
+              <a:extLst>
+                <a:ext uri="{FF2B5EF4-FFF2-40B4-BE49-F238E27FC236}">
+                  <a16:creationId xmlns:a16="http://schemas.microsoft.com/office/drawing/2014/main" id="{AC8CE83B-65BC-42AB-A8E5-4A1AAAF6B06D}"/>
+                </a:ext>
+              </a:extLst>
+            </p:cNvPr>
+            <p:cNvSpPr/>
+            <p:nvPr/>
+          </p:nvSpPr>
+          <p:spPr>
+            <a:xfrm>
+              <a:off x="5094539" y="2304908"/>
+              <a:ext cx="2002921" cy="3554479"/>
+            </a:xfrm>
+            <a:prstGeom prst="rect">
+              <a:avLst/>
+            </a:prstGeom>
+            <a:solidFill>
+              <a:schemeClr val="bg2"/>
+            </a:solidFill>
+            <a:ln>
+              <a:noFill/>
+            </a:ln>
+            <a:effectLst/>
+          </p:spPr>
+          <p:style>
+            <a:lnRef idx="1">
+              <a:schemeClr val="accent1"/>
+            </a:lnRef>
+            <a:fillRef idx="3">
+              <a:schemeClr val="accent1"/>
+            </a:fillRef>
+            <a:effectRef idx="2">
+              <a:schemeClr val="accent1"/>
+            </a:effectRef>
+            <a:fontRef idx="minor">
+              <a:schemeClr val="lt1"/>
+            </a:fontRef>
+          </p:style>
+          <p:txBody>
+            <a:bodyPr rtlCol="0" anchor="ctr"/>
+            <a:lstStyle/>
+            <a:p>
+              <a:pPr algn="ctr"/>
+              <a:r>
+                <a:rPr lang="en-US" dirty="0" err="1">
+                  <a:solidFill>
+                    <a:schemeClr val="tx1"/>
+                  </a:solidFill>
+                </a:rPr>
+                <a:t>Hier</a:t>
+              </a:r>
+              <a:r>
+                <a:rPr lang="en-US" dirty="0">
+                  <a:solidFill>
+                    <a:schemeClr val="tx1"/>
+                  </a:solidFill>
+                </a:rPr>
+                <a:t> </a:t>
+              </a:r>
+              <a:r>
+                <a:rPr lang="en-US" dirty="0" err="1">
+                  <a:solidFill>
+                    <a:schemeClr val="tx1"/>
+                  </a:solidFill>
+                </a:rPr>
+                <a:t>kommt</a:t>
+              </a:r>
+              <a:r>
+                <a:rPr lang="en-US" dirty="0">
+                  <a:solidFill>
+                    <a:schemeClr val="tx1"/>
+                  </a:solidFill>
+                </a:rPr>
+                <a:t> </a:t>
+              </a:r>
+              <a:r>
+                <a:rPr lang="en-US" dirty="0" err="1">
+                  <a:solidFill>
+                    <a:schemeClr val="tx1"/>
+                  </a:solidFill>
+                </a:rPr>
+                <a:t>ein</a:t>
+              </a:r>
+              <a:r>
+                <a:rPr lang="en-US" dirty="0">
+                  <a:solidFill>
+                    <a:schemeClr val="tx1"/>
+                  </a:solidFill>
+                </a:rPr>
+                <a:t> Bild und </a:t>
+              </a:r>
+              <a:r>
+                <a:rPr lang="en-US" dirty="0" err="1">
+                  <a:solidFill>
+                    <a:schemeClr val="tx1"/>
+                  </a:solidFill>
+                </a:rPr>
+                <a:t>weniger</a:t>
+              </a:r>
+              <a:r>
+                <a:rPr lang="en-US" dirty="0">
+                  <a:solidFill>
+                    <a:schemeClr val="tx1"/>
+                  </a:solidFill>
+                </a:rPr>
+                <a:t> Text auf die </a:t>
+              </a:r>
+              <a:r>
+                <a:rPr lang="en-US" dirty="0" err="1">
+                  <a:solidFill>
+                    <a:schemeClr val="tx1"/>
+                  </a:solidFill>
+                </a:rPr>
+                <a:t>Folie</a:t>
+              </a:r>
+              <a:r>
+                <a:rPr lang="en-US" dirty="0">
+                  <a:solidFill>
+                    <a:schemeClr val="tx1"/>
+                  </a:solidFill>
+                </a:rPr>
+                <a:t>!</a:t>
+              </a:r>
+            </a:p>
+          </p:txBody>
+        </p:sp>
+      </p:grpSp>
     </p:spTree>
     <p:extLst>
       <p:ext uri="{BB962C8B-B14F-4D97-AF65-F5344CB8AC3E}">
@@ -8442,13 +11960,13 @@
           <a:lstStyle/>
           <a:p>
             <a:r>
+              <a:rPr lang="de-DE" dirty="0"/>
+              <a:t>Zufriedenheit</a:t>
+            </a:r>
+          </a:p>
+          <a:p>
+            <a:r>
               <a:rPr lang="de-DE" strike="sngStrike" dirty="0"/>
-              <a:t>Zufriedenheit</a:t>
-            </a:r>
-          </a:p>
-          <a:p>
-            <a:r>
-              <a:rPr lang="de-DE" dirty="0"/>
               <a:t>Harmonie</a:t>
             </a:r>
           </a:p>
@@ -8588,7 +12106,7 @@
           <a:p>
             <a:r>
               <a:rPr lang="de-DE" dirty="0"/>
-              <a:t>Zusammenarbeit im Unternehmen ist harmonisch</a:t>
+              <a:t>Wir legen mit individuellen Lösungen wert auf eine hohe Kundenzufriedenheit</a:t>
             </a:r>
           </a:p>
           <a:p>
@@ -8598,23 +12116,10 @@
             </a:r>
           </a:p>
           <a:p>
+            <a:pPr marL="0" indent="0">
+              <a:buNone/>
+            </a:pPr>
             <a:endParaRPr lang="de-DE" dirty="0"/>
-          </a:p>
-          <a:p>
-            <a:r>
-              <a:rPr lang="de-DE" dirty="0">
-                <a:highlight>
-                  <a:srgbClr val="FFFF00"/>
-                </a:highlight>
-                <a:sym typeface="Wingdings" panose="05000000000000000000" pitchFamily="2" charset="2"/>
-              </a:rPr>
-              <a:t> Harmonie und Wlb als Wert zusammenfassen, Wert aus anderer Ebene (Zielsetzung) einfügen</a:t>
-            </a:r>
-            <a:endParaRPr lang="de-DE" dirty="0">
-              <a:highlight>
-                <a:srgbClr val="FFFF00"/>
-              </a:highlight>
-            </a:endParaRPr>
           </a:p>
         </p:txBody>
       </p:sp>
